--- a/adultconfirmation/theologicalbasics.pptx
+++ b/adultconfirmation/theologicalbasics.pptx
@@ -5,7 +5,7 @@
     <p:sldMasterId id="2147483660" r:id="rId1"/>
   </p:sldMasterIdLst>
   <p:notesMasterIdLst>
-    <p:notesMasterId r:id="rId12"/>
+    <p:notesMasterId r:id="rId23"/>
   </p:notesMasterIdLst>
   <p:sldIdLst>
     <p:sldId id="256" r:id="rId2"/>
@@ -18,6 +18,17 @@
     <p:sldId id="263" r:id="rId9"/>
     <p:sldId id="264" r:id="rId10"/>
     <p:sldId id="265" r:id="rId11"/>
+    <p:sldId id="267" r:id="rId12"/>
+    <p:sldId id="266" r:id="rId13"/>
+    <p:sldId id="268" r:id="rId14"/>
+    <p:sldId id="269" r:id="rId15"/>
+    <p:sldId id="270" r:id="rId16"/>
+    <p:sldId id="271" r:id="rId17"/>
+    <p:sldId id="272" r:id="rId18"/>
+    <p:sldId id="273" r:id="rId19"/>
+    <p:sldId id="274" r:id="rId20"/>
+    <p:sldId id="275" r:id="rId21"/>
+    <p:sldId id="276" r:id="rId22"/>
   </p:sldIdLst>
   <p:sldSz cx="9144000" cy="6858000" type="screen4x3"/>
   <p:notesSz cx="6858000" cy="9144000"/>
@@ -201,7 +212,7 @@
           <a:p>
             <a:fld id="{D52CC5C5-4B76-4D84-A889-8A1CD7CA4BFA}" type="datetimeFigureOut">
               <a:rPr lang="en-US" smtClean="0"/>
-              <a:t>9/1/2012</a:t>
+              <a:t>9/5/2012</a:t>
             </a:fld>
             <a:endParaRPr lang="en-US"/>
           </a:p>
@@ -615,7 +626,31 @@
                 <a:ea typeface="+mn-ea"/>
                 <a:cs typeface="+mn-cs"/>
               </a:rPr>
-              <a:t>This week, we will cover the proper, Catholic understanding of God, His nature, His revelation of Himself to us, and what this implies for us. We’ll equip you to understand how faith in God is not just reasonable, it’s the only reason and rationale that stands up to the test. We’ll also cover how God has revealed Himself in Jesus, through the Church, and through Scripture.</a:t>
+              <a:t>This week, we will cover the proper, Catholic understanding of God, His nature, His revelation of Himself to us,</a:t>
+            </a:r>
+            <a:r>
+              <a:rPr lang="en-US" sz="1200" b="0" i="0" kern="1200" baseline="0" dirty="0" smtClean="0">
+                <a:solidFill>
+                  <a:schemeClr val="tx1"/>
+                </a:solidFill>
+                <a:effectLst/>
+                <a:latin typeface="+mn-lt"/>
+                <a:ea typeface="+mn-ea"/>
+                <a:cs typeface="+mn-cs"/>
+              </a:rPr>
+              <a:t> and the Church he established to guide us through the ages</a:t>
+            </a:r>
+            <a:r>
+              <a:rPr lang="en-US" sz="1200" b="0" i="0" kern="1200" dirty="0" smtClean="0">
+                <a:solidFill>
+                  <a:schemeClr val="tx1"/>
+                </a:solidFill>
+                <a:effectLst/>
+                <a:latin typeface="+mn-lt"/>
+                <a:ea typeface="+mn-ea"/>
+                <a:cs typeface="+mn-cs"/>
+              </a:rPr>
+              <a:t>. We’ll equip you to understand how faith in God is not just reasonable, it’s the only reason and rationale that stands up to the test. We’ll also cover how God has revealed Himself in Jesus, through the Church, and through Scripture.</a:t>
             </a:r>
             <a:endParaRPr lang="en-US" dirty="0"/>
           </a:p>
@@ -640,7 +675,7 @@
               <a:rPr lang="en-US" smtClean="0"/>
               <a:t>2</a:t>
             </a:fld>
-            <a:endParaRPr lang="en-US"/>
+            <a:endParaRPr lang="en-US" dirty="0"/>
           </a:p>
         </p:txBody>
       </p:sp>
@@ -648,6 +683,426 @@
     <p:extLst>
       <p:ext uri="{BB962C8B-B14F-4D97-AF65-F5344CB8AC3E}">
         <p14:creationId xmlns:p14="http://schemas.microsoft.com/office/powerpoint/2010/main" val="32649818"/>
+      </p:ext>
+    </p:extLst>
+  </p:cSld>
+  <p:clrMapOvr>
+    <a:masterClrMapping/>
+  </p:clrMapOvr>
+</p:notes>
+</file>
+
+<file path=ppt/notesSlides/notesSlide10.xml><?xml version="1.0" encoding="utf-8"?>
+<p:notes xmlns:a="http://schemas.openxmlformats.org/drawingml/2006/main" xmlns:r="http://schemas.openxmlformats.org/officeDocument/2006/relationships" xmlns:p="http://schemas.openxmlformats.org/presentationml/2006/main">
+  <p:cSld>
+    <p:spTree>
+      <p:nvGrpSpPr>
+        <p:cNvPr id="1" name=""/>
+        <p:cNvGrpSpPr/>
+        <p:nvPr/>
+      </p:nvGrpSpPr>
+      <p:grpSpPr>
+        <a:xfrm>
+          <a:off x="0" y="0"/>
+          <a:ext cx="0" cy="0"/>
+          <a:chOff x="0" y="0"/>
+          <a:chExt cx="0" cy="0"/>
+        </a:xfrm>
+      </p:grpSpPr>
+      <p:sp>
+        <p:nvSpPr>
+          <p:cNvPr id="2" name="Slide Image Placeholder 1"/>
+          <p:cNvSpPr>
+            <a:spLocks noGrp="1" noRot="1" noChangeAspect="1"/>
+          </p:cNvSpPr>
+          <p:nvPr>
+            <p:ph type="sldImg"/>
+          </p:nvPr>
+        </p:nvSpPr>
+        <p:spPr/>
+      </p:sp>
+      <p:sp>
+        <p:nvSpPr>
+          <p:cNvPr id="3" name="Notes Placeholder 2"/>
+          <p:cNvSpPr>
+            <a:spLocks noGrp="1"/>
+          </p:cNvSpPr>
+          <p:nvPr>
+            <p:ph type="body" idx="1"/>
+          </p:nvPr>
+        </p:nvSpPr>
+        <p:spPr/>
+        <p:txBody>
+          <a:bodyPr/>
+          <a:lstStyle/>
+          <a:p>
+            <a:endParaRPr lang="en-US" dirty="0"/>
+          </a:p>
+        </p:txBody>
+      </p:sp>
+      <p:sp>
+        <p:nvSpPr>
+          <p:cNvPr id="4" name="Slide Number Placeholder 3"/>
+          <p:cNvSpPr>
+            <a:spLocks noGrp="1"/>
+          </p:cNvSpPr>
+          <p:nvPr>
+            <p:ph type="sldNum" sz="quarter" idx="10"/>
+          </p:nvPr>
+        </p:nvSpPr>
+        <p:spPr/>
+        <p:txBody>
+          <a:bodyPr/>
+          <a:lstStyle/>
+          <a:p>
+            <a:fld id="{47CE224F-F89F-4198-9673-015D3BC376D1}" type="slidenum">
+              <a:rPr lang="en-US" smtClean="0"/>
+              <a:t>12</a:t>
+            </a:fld>
+            <a:endParaRPr lang="en-US"/>
+          </a:p>
+        </p:txBody>
+      </p:sp>
+    </p:spTree>
+    <p:extLst>
+      <p:ext uri="{BB962C8B-B14F-4D97-AF65-F5344CB8AC3E}">
+        <p14:creationId xmlns:p14="http://schemas.microsoft.com/office/powerpoint/2010/main" val="1942860095"/>
+      </p:ext>
+    </p:extLst>
+  </p:cSld>
+  <p:clrMapOvr>
+    <a:masterClrMapping/>
+  </p:clrMapOvr>
+</p:notes>
+</file>
+
+<file path=ppt/notesSlides/notesSlide11.xml><?xml version="1.0" encoding="utf-8"?>
+<p:notes xmlns:a="http://schemas.openxmlformats.org/drawingml/2006/main" xmlns:r="http://schemas.openxmlformats.org/officeDocument/2006/relationships" xmlns:p="http://schemas.openxmlformats.org/presentationml/2006/main">
+  <p:cSld>
+    <p:spTree>
+      <p:nvGrpSpPr>
+        <p:cNvPr id="1" name=""/>
+        <p:cNvGrpSpPr/>
+        <p:nvPr/>
+      </p:nvGrpSpPr>
+      <p:grpSpPr>
+        <a:xfrm>
+          <a:off x="0" y="0"/>
+          <a:ext cx="0" cy="0"/>
+          <a:chOff x="0" y="0"/>
+          <a:chExt cx="0" cy="0"/>
+        </a:xfrm>
+      </p:grpSpPr>
+      <p:sp>
+        <p:nvSpPr>
+          <p:cNvPr id="2" name="Slide Image Placeholder 1"/>
+          <p:cNvSpPr>
+            <a:spLocks noGrp="1" noRot="1" noChangeAspect="1"/>
+          </p:cNvSpPr>
+          <p:nvPr>
+            <p:ph type="sldImg"/>
+          </p:nvPr>
+        </p:nvSpPr>
+        <p:spPr/>
+      </p:sp>
+      <p:sp>
+        <p:nvSpPr>
+          <p:cNvPr id="3" name="Notes Placeholder 2"/>
+          <p:cNvSpPr>
+            <a:spLocks noGrp="1"/>
+          </p:cNvSpPr>
+          <p:nvPr>
+            <p:ph type="body" idx="1"/>
+          </p:nvPr>
+        </p:nvSpPr>
+        <p:spPr/>
+        <p:txBody>
+          <a:bodyPr/>
+          <a:lstStyle/>
+          <a:p>
+            <a:endParaRPr lang="en-US" dirty="0"/>
+          </a:p>
+        </p:txBody>
+      </p:sp>
+      <p:sp>
+        <p:nvSpPr>
+          <p:cNvPr id="4" name="Slide Number Placeholder 3"/>
+          <p:cNvSpPr>
+            <a:spLocks noGrp="1"/>
+          </p:cNvSpPr>
+          <p:nvPr>
+            <p:ph type="sldNum" sz="quarter" idx="10"/>
+          </p:nvPr>
+        </p:nvSpPr>
+        <p:spPr/>
+        <p:txBody>
+          <a:bodyPr/>
+          <a:lstStyle/>
+          <a:p>
+            <a:fld id="{47CE224F-F89F-4198-9673-015D3BC376D1}" type="slidenum">
+              <a:rPr lang="en-US" smtClean="0"/>
+              <a:t>13</a:t>
+            </a:fld>
+            <a:endParaRPr lang="en-US"/>
+          </a:p>
+        </p:txBody>
+      </p:sp>
+    </p:spTree>
+    <p:extLst>
+      <p:ext uri="{BB962C8B-B14F-4D97-AF65-F5344CB8AC3E}">
+        <p14:creationId xmlns:p14="http://schemas.microsoft.com/office/powerpoint/2010/main" val="1942860095"/>
+      </p:ext>
+    </p:extLst>
+  </p:cSld>
+  <p:clrMapOvr>
+    <a:masterClrMapping/>
+  </p:clrMapOvr>
+</p:notes>
+</file>
+
+<file path=ppt/notesSlides/notesSlide12.xml><?xml version="1.0" encoding="utf-8"?>
+<p:notes xmlns:a="http://schemas.openxmlformats.org/drawingml/2006/main" xmlns:r="http://schemas.openxmlformats.org/officeDocument/2006/relationships" xmlns:p="http://schemas.openxmlformats.org/presentationml/2006/main">
+  <p:cSld>
+    <p:spTree>
+      <p:nvGrpSpPr>
+        <p:cNvPr id="1" name=""/>
+        <p:cNvGrpSpPr/>
+        <p:nvPr/>
+      </p:nvGrpSpPr>
+      <p:grpSpPr>
+        <a:xfrm>
+          <a:off x="0" y="0"/>
+          <a:ext cx="0" cy="0"/>
+          <a:chOff x="0" y="0"/>
+          <a:chExt cx="0" cy="0"/>
+        </a:xfrm>
+      </p:grpSpPr>
+      <p:sp>
+        <p:nvSpPr>
+          <p:cNvPr id="2" name="Slide Image Placeholder 1"/>
+          <p:cNvSpPr>
+            <a:spLocks noGrp="1" noRot="1" noChangeAspect="1"/>
+          </p:cNvSpPr>
+          <p:nvPr>
+            <p:ph type="sldImg"/>
+          </p:nvPr>
+        </p:nvSpPr>
+        <p:spPr/>
+      </p:sp>
+      <p:sp>
+        <p:nvSpPr>
+          <p:cNvPr id="3" name="Notes Placeholder 2"/>
+          <p:cNvSpPr>
+            <a:spLocks noGrp="1"/>
+          </p:cNvSpPr>
+          <p:nvPr>
+            <p:ph type="body" idx="1"/>
+          </p:nvPr>
+        </p:nvSpPr>
+        <p:spPr/>
+        <p:txBody>
+          <a:bodyPr/>
+          <a:lstStyle/>
+          <a:p>
+            <a:endParaRPr lang="en-US" dirty="0"/>
+          </a:p>
+        </p:txBody>
+      </p:sp>
+      <p:sp>
+        <p:nvSpPr>
+          <p:cNvPr id="4" name="Slide Number Placeholder 3"/>
+          <p:cNvSpPr>
+            <a:spLocks noGrp="1"/>
+          </p:cNvSpPr>
+          <p:nvPr>
+            <p:ph type="sldNum" sz="quarter" idx="10"/>
+          </p:nvPr>
+        </p:nvSpPr>
+        <p:spPr/>
+        <p:txBody>
+          <a:bodyPr/>
+          <a:lstStyle/>
+          <a:p>
+            <a:fld id="{47CE224F-F89F-4198-9673-015D3BC376D1}" type="slidenum">
+              <a:rPr lang="en-US" smtClean="0"/>
+              <a:t>14</a:t>
+            </a:fld>
+            <a:endParaRPr lang="en-US"/>
+          </a:p>
+        </p:txBody>
+      </p:sp>
+    </p:spTree>
+    <p:extLst>
+      <p:ext uri="{BB962C8B-B14F-4D97-AF65-F5344CB8AC3E}">
+        <p14:creationId xmlns:p14="http://schemas.microsoft.com/office/powerpoint/2010/main" val="1942860095"/>
+      </p:ext>
+    </p:extLst>
+  </p:cSld>
+  <p:clrMapOvr>
+    <a:masterClrMapping/>
+  </p:clrMapOvr>
+</p:notes>
+</file>
+
+<file path=ppt/notesSlides/notesSlide13.xml><?xml version="1.0" encoding="utf-8"?>
+<p:notes xmlns:a="http://schemas.openxmlformats.org/drawingml/2006/main" xmlns:r="http://schemas.openxmlformats.org/officeDocument/2006/relationships" xmlns:p="http://schemas.openxmlformats.org/presentationml/2006/main">
+  <p:cSld>
+    <p:spTree>
+      <p:nvGrpSpPr>
+        <p:cNvPr id="1" name=""/>
+        <p:cNvGrpSpPr/>
+        <p:nvPr/>
+      </p:nvGrpSpPr>
+      <p:grpSpPr>
+        <a:xfrm>
+          <a:off x="0" y="0"/>
+          <a:ext cx="0" cy="0"/>
+          <a:chOff x="0" y="0"/>
+          <a:chExt cx="0" cy="0"/>
+        </a:xfrm>
+      </p:grpSpPr>
+      <p:sp>
+        <p:nvSpPr>
+          <p:cNvPr id="2" name="Slide Image Placeholder 1"/>
+          <p:cNvSpPr>
+            <a:spLocks noGrp="1" noRot="1" noChangeAspect="1"/>
+          </p:cNvSpPr>
+          <p:nvPr>
+            <p:ph type="sldImg"/>
+          </p:nvPr>
+        </p:nvSpPr>
+        <p:spPr/>
+      </p:sp>
+      <p:sp>
+        <p:nvSpPr>
+          <p:cNvPr id="3" name="Notes Placeholder 2"/>
+          <p:cNvSpPr>
+            <a:spLocks noGrp="1"/>
+          </p:cNvSpPr>
+          <p:nvPr>
+            <p:ph type="body" idx="1"/>
+          </p:nvPr>
+        </p:nvSpPr>
+        <p:spPr/>
+        <p:txBody>
+          <a:bodyPr/>
+          <a:lstStyle/>
+          <a:p>
+            <a:endParaRPr lang="en-US" dirty="0"/>
+          </a:p>
+        </p:txBody>
+      </p:sp>
+      <p:sp>
+        <p:nvSpPr>
+          <p:cNvPr id="4" name="Slide Number Placeholder 3"/>
+          <p:cNvSpPr>
+            <a:spLocks noGrp="1"/>
+          </p:cNvSpPr>
+          <p:nvPr>
+            <p:ph type="sldNum" sz="quarter" idx="10"/>
+          </p:nvPr>
+        </p:nvSpPr>
+        <p:spPr/>
+        <p:txBody>
+          <a:bodyPr/>
+          <a:lstStyle/>
+          <a:p>
+            <a:fld id="{47CE224F-F89F-4198-9673-015D3BC376D1}" type="slidenum">
+              <a:rPr lang="en-US" smtClean="0"/>
+              <a:t>15</a:t>
+            </a:fld>
+            <a:endParaRPr lang="en-US"/>
+          </a:p>
+        </p:txBody>
+      </p:sp>
+    </p:spTree>
+    <p:extLst>
+      <p:ext uri="{BB962C8B-B14F-4D97-AF65-F5344CB8AC3E}">
+        <p14:creationId xmlns:p14="http://schemas.microsoft.com/office/powerpoint/2010/main" val="1942860095"/>
+      </p:ext>
+    </p:extLst>
+  </p:cSld>
+  <p:clrMapOvr>
+    <a:masterClrMapping/>
+  </p:clrMapOvr>
+</p:notes>
+</file>
+
+<file path=ppt/notesSlides/notesSlide14.xml><?xml version="1.0" encoding="utf-8"?>
+<p:notes xmlns:a="http://schemas.openxmlformats.org/drawingml/2006/main" xmlns:r="http://schemas.openxmlformats.org/officeDocument/2006/relationships" xmlns:p="http://schemas.openxmlformats.org/presentationml/2006/main">
+  <p:cSld>
+    <p:spTree>
+      <p:nvGrpSpPr>
+        <p:cNvPr id="1" name=""/>
+        <p:cNvGrpSpPr/>
+        <p:nvPr/>
+      </p:nvGrpSpPr>
+      <p:grpSpPr>
+        <a:xfrm>
+          <a:off x="0" y="0"/>
+          <a:ext cx="0" cy="0"/>
+          <a:chOff x="0" y="0"/>
+          <a:chExt cx="0" cy="0"/>
+        </a:xfrm>
+      </p:grpSpPr>
+      <p:sp>
+        <p:nvSpPr>
+          <p:cNvPr id="2" name="Slide Image Placeholder 1"/>
+          <p:cNvSpPr>
+            <a:spLocks noGrp="1" noRot="1" noChangeAspect="1"/>
+          </p:cNvSpPr>
+          <p:nvPr>
+            <p:ph type="sldImg"/>
+          </p:nvPr>
+        </p:nvSpPr>
+        <p:spPr/>
+      </p:sp>
+      <p:sp>
+        <p:nvSpPr>
+          <p:cNvPr id="3" name="Notes Placeholder 2"/>
+          <p:cNvSpPr>
+            <a:spLocks noGrp="1"/>
+          </p:cNvSpPr>
+          <p:nvPr>
+            <p:ph type="body" idx="1"/>
+          </p:nvPr>
+        </p:nvSpPr>
+        <p:spPr/>
+        <p:txBody>
+          <a:bodyPr/>
+          <a:lstStyle/>
+          <a:p>
+            <a:endParaRPr lang="en-US" dirty="0"/>
+          </a:p>
+        </p:txBody>
+      </p:sp>
+      <p:sp>
+        <p:nvSpPr>
+          <p:cNvPr id="4" name="Slide Number Placeholder 3"/>
+          <p:cNvSpPr>
+            <a:spLocks noGrp="1"/>
+          </p:cNvSpPr>
+          <p:nvPr>
+            <p:ph type="sldNum" sz="quarter" idx="10"/>
+          </p:nvPr>
+        </p:nvSpPr>
+        <p:spPr/>
+        <p:txBody>
+          <a:bodyPr/>
+          <a:lstStyle/>
+          <a:p>
+            <a:fld id="{47CE224F-F89F-4198-9673-015D3BC376D1}" type="slidenum">
+              <a:rPr lang="en-US" smtClean="0"/>
+              <a:t>16</a:t>
+            </a:fld>
+            <a:endParaRPr lang="en-US"/>
+          </a:p>
+        </p:txBody>
+      </p:sp>
+    </p:spTree>
+    <p:extLst>
+      <p:ext uri="{BB962C8B-B14F-4D97-AF65-F5344CB8AC3E}">
+        <p14:creationId xmlns:p14="http://schemas.microsoft.com/office/powerpoint/2010/main" val="1942860095"/>
       </p:ext>
     </p:extLst>
   </p:cSld>
@@ -836,7 +1291,7 @@
               <a:rPr lang="en-US" smtClean="0"/>
               <a:t>3</a:t>
             </a:fld>
-            <a:endParaRPr lang="en-US"/>
+            <a:endParaRPr lang="en-US" dirty="0"/>
           </a:p>
         </p:txBody>
       </p:sp>
@@ -947,10 +1402,10 @@
                 <a:ea typeface="+mn-ea"/>
                 <a:cs typeface="+mn-cs"/>
               </a:rPr>
-              <a:t>“Goodness” and “Badness”, degrees of perfection implies an ultimate gauge by which we can judge “good” or “</a:t>
-            </a:r>
-            <a:r>
-              <a:rPr lang="en-US" sz="1200" b="0" i="0" kern="1200" dirty="0" err="1" smtClean="0">
+              <a:t>“Goodness” and “Badness”, degrees of perfection implies an ultimate gauge by which we can judge “good” or “bad</a:t>
+            </a:r>
+            <a:r>
+              <a:rPr lang="en-US" sz="1200" b="0" i="0" kern="1200" dirty="0" smtClean="0">
                 <a:solidFill>
                   <a:schemeClr val="tx1"/>
                 </a:solidFill>
@@ -959,7 +1414,7 @@
                 <a:ea typeface="+mn-ea"/>
                 <a:cs typeface="+mn-cs"/>
               </a:rPr>
-              <a:t>bad”He</a:t>
+              <a:t>” He </a:t>
             </a:r>
             <a:r>
               <a:rPr lang="en-US" sz="1200" b="0" i="0" kern="1200" dirty="0" smtClean="0">
@@ -971,7 +1426,7 @@
                 <a:ea typeface="+mn-ea"/>
                 <a:cs typeface="+mn-cs"/>
               </a:rPr>
-              <a:t> is infinite, perfect, and good which can all be deduced from his self-existence (Aristotle, Aquinas)</a:t>
+              <a:t>is infinite, perfect, and good which can all be deduced from his self-existence (Aristotle, Aquinas)</a:t>
             </a:r>
           </a:p>
           <a:p>
@@ -2179,6 +2634,226 @@
     <p:extLst>
       <p:ext uri="{BB962C8B-B14F-4D97-AF65-F5344CB8AC3E}">
         <p14:creationId xmlns:p14="http://schemas.microsoft.com/office/powerpoint/2010/main" val="2132072314"/>
+      </p:ext>
+    </p:extLst>
+  </p:cSld>
+  <p:clrMapOvr>
+    <a:masterClrMapping/>
+  </p:clrMapOvr>
+</p:notes>
+</file>
+
+<file path=ppt/notesSlides/notesSlide9.xml><?xml version="1.0" encoding="utf-8"?>
+<p:notes xmlns:a="http://schemas.openxmlformats.org/drawingml/2006/main" xmlns:r="http://schemas.openxmlformats.org/officeDocument/2006/relationships" xmlns:p="http://schemas.openxmlformats.org/presentationml/2006/main">
+  <p:cSld>
+    <p:spTree>
+      <p:nvGrpSpPr>
+        <p:cNvPr id="1" name=""/>
+        <p:cNvGrpSpPr/>
+        <p:nvPr/>
+      </p:nvGrpSpPr>
+      <p:grpSpPr>
+        <a:xfrm>
+          <a:off x="0" y="0"/>
+          <a:ext cx="0" cy="0"/>
+          <a:chOff x="0" y="0"/>
+          <a:chExt cx="0" cy="0"/>
+        </a:xfrm>
+      </p:grpSpPr>
+      <p:sp>
+        <p:nvSpPr>
+          <p:cNvPr id="2" name="Slide Image Placeholder 1"/>
+          <p:cNvSpPr>
+            <a:spLocks noGrp="1" noRot="1" noChangeAspect="1"/>
+          </p:cNvSpPr>
+          <p:nvPr>
+            <p:ph type="sldImg"/>
+          </p:nvPr>
+        </p:nvSpPr>
+        <p:spPr/>
+      </p:sp>
+      <p:sp>
+        <p:nvSpPr>
+          <p:cNvPr id="3" name="Notes Placeholder 2"/>
+          <p:cNvSpPr>
+            <a:spLocks noGrp="1"/>
+          </p:cNvSpPr>
+          <p:nvPr>
+            <p:ph type="body" idx="1"/>
+          </p:nvPr>
+        </p:nvSpPr>
+        <p:spPr/>
+        <p:txBody>
+          <a:bodyPr/>
+          <a:lstStyle/>
+          <a:p>
+            <a:pPr fontAlgn="base"/>
+            <a:r>
+              <a:rPr lang="en-US" sz="1200" b="0" i="0" kern="1200" dirty="0" smtClean="0">
+                <a:solidFill>
+                  <a:schemeClr val="tx1"/>
+                </a:solidFill>
+                <a:effectLst/>
+                <a:latin typeface="+mn-lt"/>
+                <a:ea typeface="+mn-ea"/>
+                <a:cs typeface="+mn-cs"/>
+              </a:rPr>
+              <a:t>“Jesus” means “God Saves”</a:t>
+            </a:r>
+          </a:p>
+          <a:p>
+            <a:pPr fontAlgn="base"/>
+            <a:r>
+              <a:rPr lang="en-US" sz="1200" b="0" i="0" kern="1200" dirty="0" smtClean="0">
+                <a:solidFill>
+                  <a:schemeClr val="tx1"/>
+                </a:solidFill>
+                <a:effectLst/>
+                <a:latin typeface="+mn-lt"/>
+                <a:ea typeface="+mn-ea"/>
+                <a:cs typeface="+mn-cs"/>
+              </a:rPr>
+              <a:t>“Christ/Messiah” means “</a:t>
+            </a:r>
+            <a:r>
+              <a:rPr lang="en-US" sz="1200" b="0" i="0" kern="1200" dirty="0" err="1" smtClean="0">
+                <a:solidFill>
+                  <a:schemeClr val="tx1"/>
+                </a:solidFill>
+                <a:effectLst/>
+                <a:latin typeface="+mn-lt"/>
+                <a:ea typeface="+mn-ea"/>
+                <a:cs typeface="+mn-cs"/>
+              </a:rPr>
+              <a:t>Annointed</a:t>
+            </a:r>
+            <a:r>
+              <a:rPr lang="en-US" sz="1200" b="0" i="0" kern="1200" dirty="0" smtClean="0">
+                <a:solidFill>
+                  <a:schemeClr val="tx1"/>
+                </a:solidFill>
+                <a:effectLst/>
+                <a:latin typeface="+mn-lt"/>
+                <a:ea typeface="+mn-ea"/>
+                <a:cs typeface="+mn-cs"/>
+              </a:rPr>
+              <a:t> One”</a:t>
+            </a:r>
+          </a:p>
+          <a:p>
+            <a:pPr fontAlgn="base"/>
+            <a:r>
+              <a:rPr lang="en-US" sz="1200" b="0" i="0" kern="1200" dirty="0" smtClean="0">
+                <a:solidFill>
+                  <a:schemeClr val="tx1"/>
+                </a:solidFill>
+                <a:effectLst/>
+                <a:latin typeface="+mn-lt"/>
+                <a:ea typeface="+mn-ea"/>
+                <a:cs typeface="+mn-cs"/>
+              </a:rPr>
+              <a:t>Only person ever pre-announced, OT and even pagan prophecies (note the pagan kings of the east came to adore Christ at the Nativity)</a:t>
+            </a:r>
+          </a:p>
+          <a:p>
+            <a:pPr fontAlgn="base"/>
+            <a:r>
+              <a:rPr lang="en-US" sz="1200" b="0" i="0" kern="1200" dirty="0" smtClean="0">
+                <a:solidFill>
+                  <a:schemeClr val="tx1"/>
+                </a:solidFill>
+                <a:effectLst/>
+                <a:latin typeface="+mn-lt"/>
+                <a:ea typeface="+mn-ea"/>
+                <a:cs typeface="+mn-cs"/>
+              </a:rPr>
+              <a:t>Real historical figure, archaeological and documentary evidence</a:t>
+            </a:r>
+          </a:p>
+          <a:p>
+            <a:pPr fontAlgn="base"/>
+            <a:r>
+              <a:rPr lang="en-US" sz="1200" b="0" i="0" kern="1200" dirty="0" smtClean="0">
+                <a:solidFill>
+                  <a:schemeClr val="tx1"/>
+                </a:solidFill>
+                <a:effectLst/>
+                <a:latin typeface="+mn-lt"/>
+                <a:ea typeface="+mn-ea"/>
+                <a:cs typeface="+mn-cs"/>
+              </a:rPr>
+              <a:t>More documentary and archaeological evidence for Jesus than for Alexander the Great</a:t>
+            </a:r>
+          </a:p>
+          <a:p>
+            <a:pPr fontAlgn="base"/>
+            <a:r>
+              <a:rPr lang="en-US" sz="1200" b="0" i="0" kern="1200" dirty="0" smtClean="0">
+                <a:solidFill>
+                  <a:schemeClr val="tx1"/>
+                </a:solidFill>
+                <a:effectLst/>
+                <a:latin typeface="+mn-lt"/>
+                <a:ea typeface="+mn-ea"/>
+                <a:cs typeface="+mn-cs"/>
+              </a:rPr>
+              <a:t>Born around 4 BC in Bethlehem just south of Jerusalem</a:t>
+            </a:r>
+          </a:p>
+          <a:p>
+            <a:pPr fontAlgn="base"/>
+            <a:r>
+              <a:rPr lang="en-US" sz="1200" b="0" i="0" kern="1200" dirty="0" smtClean="0">
+                <a:solidFill>
+                  <a:schemeClr val="tx1"/>
+                </a:solidFill>
+                <a:effectLst/>
+                <a:latin typeface="+mn-lt"/>
+                <a:ea typeface="+mn-ea"/>
+                <a:cs typeface="+mn-cs"/>
+              </a:rPr>
+              <a:t>Fulfilled all the prophecies (Psalm 22, Isaiah 7:14, Hosea 11:1, Jeremiah 31:15, Isaiah 9:1-2)</a:t>
+            </a:r>
+          </a:p>
+          <a:p>
+            <a:r>
+              <a:rPr lang="en-US" dirty="0" smtClean="0"/>
+              <a:t/>
+            </a:r>
+            <a:br>
+              <a:rPr lang="en-US" dirty="0" smtClean="0"/>
+            </a:br>
+            <a:endParaRPr lang="en-US" dirty="0"/>
+          </a:p>
+        </p:txBody>
+      </p:sp>
+      <p:sp>
+        <p:nvSpPr>
+          <p:cNvPr id="4" name="Slide Number Placeholder 3"/>
+          <p:cNvSpPr>
+            <a:spLocks noGrp="1"/>
+          </p:cNvSpPr>
+          <p:nvPr>
+            <p:ph type="sldNum" sz="quarter" idx="10"/>
+          </p:nvPr>
+        </p:nvSpPr>
+        <p:spPr/>
+        <p:txBody>
+          <a:bodyPr/>
+          <a:lstStyle/>
+          <a:p>
+            <a:fld id="{47CE224F-F89F-4198-9673-015D3BC376D1}" type="slidenum">
+              <a:rPr lang="en-US" smtClean="0"/>
+              <a:t>10</a:t>
+            </a:fld>
+            <a:endParaRPr lang="en-US"/>
+          </a:p>
+        </p:txBody>
+      </p:sp>
+    </p:spTree>
+    <p:extLst>
+      <p:ext uri="{BB962C8B-B14F-4D97-AF65-F5344CB8AC3E}">
+        <p14:creationId xmlns:p14="http://schemas.microsoft.com/office/powerpoint/2010/main" val="33007792"/>
       </p:ext>
     </p:extLst>
   </p:cSld>
@@ -2247,7 +2922,7 @@
           <a:p>
             <a:fld id="{8EAF0517-D2B8-4B6F-9F37-9C131FCC4BAB}" type="datetimeFigureOut">
               <a:rPr lang="en-US" smtClean="0"/>
-              <a:t>9/1/2012</a:t>
+              <a:t>9/5/2012</a:t>
             </a:fld>
             <a:endParaRPr lang="en-US"/>
           </a:p>
@@ -2563,7 +3238,7 @@
           <a:p>
             <a:fld id="{8EAF0517-D2B8-4B6F-9F37-9C131FCC4BAB}" type="datetimeFigureOut">
               <a:rPr lang="en-US" smtClean="0"/>
-              <a:t>9/1/2012</a:t>
+              <a:t>9/5/2012</a:t>
             </a:fld>
             <a:endParaRPr lang="en-US"/>
           </a:p>
@@ -2738,7 +3413,7 @@
           <a:p>
             <a:fld id="{8EAF0517-D2B8-4B6F-9F37-9C131FCC4BAB}" type="datetimeFigureOut">
               <a:rPr lang="en-US" smtClean="0"/>
-              <a:t>9/1/2012</a:t>
+              <a:t>9/5/2012</a:t>
             </a:fld>
             <a:endParaRPr lang="en-US"/>
           </a:p>
@@ -2856,7 +3531,7 @@
           <a:p>
             <a:fld id="{8EAF0517-D2B8-4B6F-9F37-9C131FCC4BAB}" type="datetimeFigureOut">
               <a:rPr lang="en-US" smtClean="0"/>
-              <a:t>9/1/2012</a:t>
+              <a:t>9/5/2012</a:t>
             </a:fld>
             <a:endParaRPr lang="en-US"/>
           </a:p>
@@ -3154,7 +3829,7 @@
           <a:p>
             <a:fld id="{8EAF0517-D2B8-4B6F-9F37-9C131FCC4BAB}" type="datetimeFigureOut">
               <a:rPr lang="en-US" smtClean="0"/>
-              <a:t>9/1/2012</a:t>
+              <a:t>9/5/2012</a:t>
             </a:fld>
             <a:endParaRPr lang="en-US"/>
           </a:p>
@@ -3447,7 +4122,7 @@
           <a:p>
             <a:fld id="{8EAF0517-D2B8-4B6F-9F37-9C131FCC4BAB}" type="datetimeFigureOut">
               <a:rPr lang="en-US" smtClean="0"/>
-              <a:t>9/1/2012</a:t>
+              <a:t>9/5/2012</a:t>
             </a:fld>
             <a:endParaRPr lang="en-US"/>
           </a:p>
@@ -3875,7 +4550,7 @@
           <a:p>
             <a:fld id="{8EAF0517-D2B8-4B6F-9F37-9C131FCC4BAB}" type="datetimeFigureOut">
               <a:rPr lang="en-US" smtClean="0"/>
-              <a:t>9/1/2012</a:t>
+              <a:t>9/5/2012</a:t>
             </a:fld>
             <a:endParaRPr lang="en-US"/>
           </a:p>
@@ -3993,7 +4668,7 @@
           <a:p>
             <a:fld id="{8EAF0517-D2B8-4B6F-9F37-9C131FCC4BAB}" type="datetimeFigureOut">
               <a:rPr lang="en-US" smtClean="0"/>
-              <a:t>9/1/2012</a:t>
+              <a:t>9/5/2012</a:t>
             </a:fld>
             <a:endParaRPr lang="en-US"/>
           </a:p>
@@ -4083,7 +4758,7 @@
           <a:p>
             <a:fld id="{8EAF0517-D2B8-4B6F-9F37-9C131FCC4BAB}" type="datetimeFigureOut">
               <a:rPr lang="en-US" smtClean="0"/>
-              <a:t>9/1/2012</a:t>
+              <a:t>9/5/2012</a:t>
             </a:fld>
             <a:endParaRPr lang="en-US"/>
           </a:p>
@@ -4333,7 +5008,7 @@
           <a:p>
             <a:fld id="{8EAF0517-D2B8-4B6F-9F37-9C131FCC4BAB}" type="datetimeFigureOut">
               <a:rPr lang="en-US" smtClean="0"/>
-              <a:t>9/1/2012</a:t>
+              <a:t>9/5/2012</a:t>
             </a:fld>
             <a:endParaRPr lang="en-US"/>
           </a:p>
@@ -4849,7 +5524,7 @@
           <a:p>
             <a:fld id="{8EAF0517-D2B8-4B6F-9F37-9C131FCC4BAB}" type="datetimeFigureOut">
               <a:rPr lang="en-US" smtClean="0"/>
-              <a:t>9/1/2012</a:t>
+              <a:t>9/5/2012</a:t>
             </a:fld>
             <a:endParaRPr lang="en-US"/>
           </a:p>
@@ -5079,7 +5754,7 @@
           <a:p>
             <a:fld id="{8EAF0517-D2B8-4B6F-9F37-9C131FCC4BAB}" type="datetimeFigureOut">
               <a:rPr lang="en-US" smtClean="0"/>
-              <a:t>9/1/2012</a:t>
+              <a:t>9/5/2012</a:t>
             </a:fld>
             <a:endParaRPr lang="en-US"/>
           </a:p>
@@ -5618,8 +6293,9 @@
           <a:p>
             <a:r>
               <a:rPr lang="en-US" sz="2400" dirty="0" smtClean="0"/>
-              <a:t>Scripture and Tradition</a:t>
-            </a:r>
+              <a:t>Tradition and Scripture</a:t>
+            </a:r>
+            <a:endParaRPr lang="en-US" sz="2400" dirty="0" smtClean="0"/>
           </a:p>
         </p:txBody>
       </p:sp>
@@ -5776,32 +6452,137 @@
           </a:xfrm>
         </p:spPr>
         <p:txBody>
-          <a:bodyPr/>
+          <a:bodyPr>
+            <a:noAutofit/>
+          </a:bodyPr>
           <a:lstStyle/>
           <a:p>
             <a:r>
-              <a:rPr lang="en-US" dirty="0" smtClean="0"/>
+              <a:rPr lang="en-US" sz="2400" dirty="0" smtClean="0"/>
               <a:t>Jesus: “God Saves”</a:t>
             </a:r>
           </a:p>
           <a:p>
             <a:r>
-              <a:rPr lang="en-US" dirty="0" smtClean="0"/>
+              <a:rPr lang="en-US" sz="2400" dirty="0" smtClean="0"/>
               <a:t>Christ, Messiah: “Anointed One”</a:t>
             </a:r>
           </a:p>
           <a:p>
             <a:r>
-              <a:rPr lang="en-US" dirty="0" smtClean="0"/>
-              <a:t>Born around 4 B.C. in a suburb just south of Jerusalem</a:t>
-            </a:r>
-          </a:p>
-          <a:p>
-            <a:r>
-              <a:rPr lang="en-US" dirty="0" smtClean="0"/>
-              <a:t>Many </a:t>
-            </a:r>
-            <a:endParaRPr lang="en-US" dirty="0"/>
+              <a:rPr lang="en-US" sz="2400" dirty="0"/>
+              <a:t>Only person ever pre-announced</a:t>
+            </a:r>
+          </a:p>
+          <a:p>
+            <a:r>
+              <a:rPr lang="en-US" sz="2400" dirty="0" smtClean="0"/>
+              <a:t>Actual historical person</a:t>
+            </a:r>
+          </a:p>
+          <a:p>
+            <a:r>
+              <a:rPr lang="en-US" sz="2400" dirty="0" smtClean="0"/>
+              <a:t>Born around 4 B.C.</a:t>
+            </a:r>
+          </a:p>
+          <a:p>
+            <a:r>
+              <a:rPr lang="en-US" sz="2400" dirty="0" smtClean="0"/>
+              <a:t>Fulfilled all the prophecies</a:t>
+            </a:r>
+          </a:p>
+          <a:p>
+            <a:pPr lvl="1"/>
+            <a:r>
+              <a:rPr lang="en-US" sz="1800" dirty="0">
+                <a:solidFill>
+                  <a:schemeClr val="tx1">
+                    <a:lumMod val="65000"/>
+                  </a:schemeClr>
+                </a:solidFill>
+              </a:rPr>
+              <a:t>Psalm </a:t>
+            </a:r>
+            <a:r>
+              <a:rPr lang="en-US" sz="1800" dirty="0" smtClean="0">
+                <a:solidFill>
+                  <a:schemeClr val="tx1">
+                    <a:lumMod val="65000"/>
+                  </a:schemeClr>
+                </a:solidFill>
+              </a:rPr>
+              <a:t>22 (Suffering Servant)</a:t>
+            </a:r>
+          </a:p>
+          <a:p>
+            <a:pPr lvl="1"/>
+            <a:r>
+              <a:rPr lang="en-US" sz="1800" dirty="0" smtClean="0">
+                <a:solidFill>
+                  <a:schemeClr val="tx1">
+                    <a:lumMod val="65000"/>
+                  </a:schemeClr>
+                </a:solidFill>
+              </a:rPr>
+              <a:t>Isaiah 7:14</a:t>
+            </a:r>
+          </a:p>
+          <a:p>
+            <a:pPr lvl="1"/>
+            <a:r>
+              <a:rPr lang="en-US" sz="1800" dirty="0" smtClean="0">
+                <a:solidFill>
+                  <a:schemeClr val="tx1">
+                    <a:lumMod val="65000"/>
+                  </a:schemeClr>
+                </a:solidFill>
+              </a:rPr>
+              <a:t>Hosea 11:1</a:t>
+            </a:r>
+          </a:p>
+          <a:p>
+            <a:pPr lvl="1"/>
+            <a:r>
+              <a:rPr lang="en-US" sz="1800" dirty="0" smtClean="0">
+                <a:solidFill>
+                  <a:schemeClr val="tx1">
+                    <a:lumMod val="65000"/>
+                  </a:schemeClr>
+                </a:solidFill>
+              </a:rPr>
+              <a:t>Jeremiah 31:15</a:t>
+            </a:r>
+          </a:p>
+          <a:p>
+            <a:pPr lvl="1"/>
+            <a:r>
+              <a:rPr lang="en-US" sz="1800" dirty="0" smtClean="0">
+                <a:solidFill>
+                  <a:schemeClr val="tx1">
+                    <a:lumMod val="65000"/>
+                  </a:schemeClr>
+                </a:solidFill>
+              </a:rPr>
+              <a:t>Isaiah </a:t>
+            </a:r>
+            <a:r>
+              <a:rPr lang="en-US" sz="1800" dirty="0">
+                <a:solidFill>
+                  <a:schemeClr val="tx1">
+                    <a:lumMod val="65000"/>
+                  </a:schemeClr>
+                </a:solidFill>
+              </a:rPr>
+              <a:t>9:1-2</a:t>
+            </a:r>
+            <a:endParaRPr lang="en-US" sz="1800" dirty="0" smtClean="0">
+              <a:solidFill>
+                <a:schemeClr val="tx1">
+                  <a:lumMod val="65000"/>
+                </a:schemeClr>
+              </a:solidFill>
+            </a:endParaRPr>
           </a:p>
         </p:txBody>
       </p:sp>
@@ -5814,7 +6595,7 @@
           <p:nvPr/>
         </p:nvPicPr>
         <p:blipFill>
-          <a:blip r:embed="rId2">
+          <a:blip r:embed="rId3">
             <a:extLst>
               <a:ext uri="{28A0092B-C50C-407E-A947-70E740481C1C}">
                 <a14:useLocalDpi xmlns:a14="http://schemas.microsoft.com/office/drawing/2010/main" val="0"/>
@@ -5850,6 +6631,3285 @@
     <p:extLst>
       <p:ext uri="{BB962C8B-B14F-4D97-AF65-F5344CB8AC3E}">
         <p14:creationId xmlns:p14="http://schemas.microsoft.com/office/powerpoint/2010/main" val="1573450725"/>
+      </p:ext>
+    </p:extLst>
+  </p:cSld>
+  <p:clrMapOvr>
+    <a:masterClrMapping/>
+  </p:clrMapOvr>
+  <p:timing>
+    <p:tnLst>
+      <p:par>
+        <p:cTn id="1" dur="indefinite" restart="never" nodeType="tmRoot">
+          <p:childTnLst>
+            <p:seq concurrent="1" nextAc="seek">
+              <p:cTn id="2" dur="indefinite" nodeType="mainSeq">
+                <p:childTnLst>
+                  <p:par>
+                    <p:cTn id="3" fill="hold">
+                      <p:stCondLst>
+                        <p:cond delay="indefinite"/>
+                      </p:stCondLst>
+                      <p:childTnLst>
+                        <p:par>
+                          <p:cTn id="4" fill="hold">
+                            <p:stCondLst>
+                              <p:cond delay="0"/>
+                            </p:stCondLst>
+                            <p:childTnLst>
+                              <p:par>
+                                <p:cTn id="5" presetID="1" presetClass="entr" presetSubtype="0" fill="hold" grpId="0" nodeType="clickEffect">
+                                  <p:stCondLst>
+                                    <p:cond delay="0"/>
+                                  </p:stCondLst>
+                                  <p:childTnLst>
+                                    <p:set>
+                                      <p:cBhvr>
+                                        <p:cTn id="6" dur="1" fill="hold">
+                                          <p:stCondLst>
+                                            <p:cond delay="0"/>
+                                          </p:stCondLst>
+                                        </p:cTn>
+                                        <p:tgtEl>
+                                          <p:spTgt spid="3">
+                                            <p:txEl>
+                                              <p:pRg st="0" end="0"/>
+                                            </p:txEl>
+                                          </p:spTgt>
+                                        </p:tgtEl>
+                                        <p:attrNameLst>
+                                          <p:attrName>style.visibility</p:attrName>
+                                        </p:attrNameLst>
+                                      </p:cBhvr>
+                                      <p:to>
+                                        <p:strVal val="visible"/>
+                                      </p:to>
+                                    </p:set>
+                                  </p:childTnLst>
+                                </p:cTn>
+                              </p:par>
+                            </p:childTnLst>
+                          </p:cTn>
+                        </p:par>
+                      </p:childTnLst>
+                    </p:cTn>
+                  </p:par>
+                  <p:par>
+                    <p:cTn id="7" fill="hold">
+                      <p:stCondLst>
+                        <p:cond delay="indefinite"/>
+                      </p:stCondLst>
+                      <p:childTnLst>
+                        <p:par>
+                          <p:cTn id="8" fill="hold">
+                            <p:stCondLst>
+                              <p:cond delay="0"/>
+                            </p:stCondLst>
+                            <p:childTnLst>
+                              <p:par>
+                                <p:cTn id="9" presetID="1" presetClass="entr" presetSubtype="0" fill="hold" grpId="0" nodeType="clickEffect">
+                                  <p:stCondLst>
+                                    <p:cond delay="0"/>
+                                  </p:stCondLst>
+                                  <p:childTnLst>
+                                    <p:set>
+                                      <p:cBhvr>
+                                        <p:cTn id="10" dur="1" fill="hold">
+                                          <p:stCondLst>
+                                            <p:cond delay="0"/>
+                                          </p:stCondLst>
+                                        </p:cTn>
+                                        <p:tgtEl>
+                                          <p:spTgt spid="3">
+                                            <p:txEl>
+                                              <p:pRg st="1" end="1"/>
+                                            </p:txEl>
+                                          </p:spTgt>
+                                        </p:tgtEl>
+                                        <p:attrNameLst>
+                                          <p:attrName>style.visibility</p:attrName>
+                                        </p:attrNameLst>
+                                      </p:cBhvr>
+                                      <p:to>
+                                        <p:strVal val="visible"/>
+                                      </p:to>
+                                    </p:set>
+                                  </p:childTnLst>
+                                </p:cTn>
+                              </p:par>
+                            </p:childTnLst>
+                          </p:cTn>
+                        </p:par>
+                      </p:childTnLst>
+                    </p:cTn>
+                  </p:par>
+                  <p:par>
+                    <p:cTn id="11" fill="hold">
+                      <p:stCondLst>
+                        <p:cond delay="indefinite"/>
+                      </p:stCondLst>
+                      <p:childTnLst>
+                        <p:par>
+                          <p:cTn id="12" fill="hold">
+                            <p:stCondLst>
+                              <p:cond delay="0"/>
+                            </p:stCondLst>
+                            <p:childTnLst>
+                              <p:par>
+                                <p:cTn id="13" presetID="1" presetClass="entr" presetSubtype="0" fill="hold" grpId="0" nodeType="clickEffect">
+                                  <p:stCondLst>
+                                    <p:cond delay="0"/>
+                                  </p:stCondLst>
+                                  <p:childTnLst>
+                                    <p:set>
+                                      <p:cBhvr>
+                                        <p:cTn id="14" dur="1" fill="hold">
+                                          <p:stCondLst>
+                                            <p:cond delay="0"/>
+                                          </p:stCondLst>
+                                        </p:cTn>
+                                        <p:tgtEl>
+                                          <p:spTgt spid="3">
+                                            <p:txEl>
+                                              <p:pRg st="2" end="2"/>
+                                            </p:txEl>
+                                          </p:spTgt>
+                                        </p:tgtEl>
+                                        <p:attrNameLst>
+                                          <p:attrName>style.visibility</p:attrName>
+                                        </p:attrNameLst>
+                                      </p:cBhvr>
+                                      <p:to>
+                                        <p:strVal val="visible"/>
+                                      </p:to>
+                                    </p:set>
+                                  </p:childTnLst>
+                                </p:cTn>
+                              </p:par>
+                            </p:childTnLst>
+                          </p:cTn>
+                        </p:par>
+                      </p:childTnLst>
+                    </p:cTn>
+                  </p:par>
+                  <p:par>
+                    <p:cTn id="15" fill="hold">
+                      <p:stCondLst>
+                        <p:cond delay="indefinite"/>
+                      </p:stCondLst>
+                      <p:childTnLst>
+                        <p:par>
+                          <p:cTn id="16" fill="hold">
+                            <p:stCondLst>
+                              <p:cond delay="0"/>
+                            </p:stCondLst>
+                            <p:childTnLst>
+                              <p:par>
+                                <p:cTn id="17" presetID="1" presetClass="entr" presetSubtype="0" fill="hold" grpId="0" nodeType="clickEffect">
+                                  <p:stCondLst>
+                                    <p:cond delay="0"/>
+                                  </p:stCondLst>
+                                  <p:childTnLst>
+                                    <p:set>
+                                      <p:cBhvr>
+                                        <p:cTn id="18" dur="1" fill="hold">
+                                          <p:stCondLst>
+                                            <p:cond delay="0"/>
+                                          </p:stCondLst>
+                                        </p:cTn>
+                                        <p:tgtEl>
+                                          <p:spTgt spid="3">
+                                            <p:txEl>
+                                              <p:pRg st="3" end="3"/>
+                                            </p:txEl>
+                                          </p:spTgt>
+                                        </p:tgtEl>
+                                        <p:attrNameLst>
+                                          <p:attrName>style.visibility</p:attrName>
+                                        </p:attrNameLst>
+                                      </p:cBhvr>
+                                      <p:to>
+                                        <p:strVal val="visible"/>
+                                      </p:to>
+                                    </p:set>
+                                  </p:childTnLst>
+                                </p:cTn>
+                              </p:par>
+                            </p:childTnLst>
+                          </p:cTn>
+                        </p:par>
+                      </p:childTnLst>
+                    </p:cTn>
+                  </p:par>
+                  <p:par>
+                    <p:cTn id="19" fill="hold">
+                      <p:stCondLst>
+                        <p:cond delay="indefinite"/>
+                      </p:stCondLst>
+                      <p:childTnLst>
+                        <p:par>
+                          <p:cTn id="20" fill="hold">
+                            <p:stCondLst>
+                              <p:cond delay="0"/>
+                            </p:stCondLst>
+                            <p:childTnLst>
+                              <p:par>
+                                <p:cTn id="21" presetID="1" presetClass="entr" presetSubtype="0" fill="hold" grpId="0" nodeType="clickEffect">
+                                  <p:stCondLst>
+                                    <p:cond delay="0"/>
+                                  </p:stCondLst>
+                                  <p:childTnLst>
+                                    <p:set>
+                                      <p:cBhvr>
+                                        <p:cTn id="22" dur="1" fill="hold">
+                                          <p:stCondLst>
+                                            <p:cond delay="0"/>
+                                          </p:stCondLst>
+                                        </p:cTn>
+                                        <p:tgtEl>
+                                          <p:spTgt spid="3">
+                                            <p:txEl>
+                                              <p:pRg st="4" end="4"/>
+                                            </p:txEl>
+                                          </p:spTgt>
+                                        </p:tgtEl>
+                                        <p:attrNameLst>
+                                          <p:attrName>style.visibility</p:attrName>
+                                        </p:attrNameLst>
+                                      </p:cBhvr>
+                                      <p:to>
+                                        <p:strVal val="visible"/>
+                                      </p:to>
+                                    </p:set>
+                                  </p:childTnLst>
+                                </p:cTn>
+                              </p:par>
+                            </p:childTnLst>
+                          </p:cTn>
+                        </p:par>
+                      </p:childTnLst>
+                    </p:cTn>
+                  </p:par>
+                  <p:par>
+                    <p:cTn id="23" fill="hold">
+                      <p:stCondLst>
+                        <p:cond delay="indefinite"/>
+                      </p:stCondLst>
+                      <p:childTnLst>
+                        <p:par>
+                          <p:cTn id="24" fill="hold">
+                            <p:stCondLst>
+                              <p:cond delay="0"/>
+                            </p:stCondLst>
+                            <p:childTnLst>
+                              <p:par>
+                                <p:cTn id="25" presetID="1" presetClass="entr" presetSubtype="0" fill="hold" grpId="0" nodeType="clickEffect">
+                                  <p:stCondLst>
+                                    <p:cond delay="0"/>
+                                  </p:stCondLst>
+                                  <p:childTnLst>
+                                    <p:set>
+                                      <p:cBhvr>
+                                        <p:cTn id="26" dur="1" fill="hold">
+                                          <p:stCondLst>
+                                            <p:cond delay="0"/>
+                                          </p:stCondLst>
+                                        </p:cTn>
+                                        <p:tgtEl>
+                                          <p:spTgt spid="3">
+                                            <p:txEl>
+                                              <p:pRg st="5" end="5"/>
+                                            </p:txEl>
+                                          </p:spTgt>
+                                        </p:tgtEl>
+                                        <p:attrNameLst>
+                                          <p:attrName>style.visibility</p:attrName>
+                                        </p:attrNameLst>
+                                      </p:cBhvr>
+                                      <p:to>
+                                        <p:strVal val="visible"/>
+                                      </p:to>
+                                    </p:set>
+                                  </p:childTnLst>
+                                </p:cTn>
+                              </p:par>
+                              <p:par>
+                                <p:cTn id="27" presetID="1" presetClass="entr" presetSubtype="0" fill="hold" grpId="0" nodeType="withEffect">
+                                  <p:stCondLst>
+                                    <p:cond delay="0"/>
+                                  </p:stCondLst>
+                                  <p:childTnLst>
+                                    <p:set>
+                                      <p:cBhvr>
+                                        <p:cTn id="28" dur="1" fill="hold">
+                                          <p:stCondLst>
+                                            <p:cond delay="0"/>
+                                          </p:stCondLst>
+                                        </p:cTn>
+                                        <p:tgtEl>
+                                          <p:spTgt spid="3">
+                                            <p:txEl>
+                                              <p:pRg st="6" end="6"/>
+                                            </p:txEl>
+                                          </p:spTgt>
+                                        </p:tgtEl>
+                                        <p:attrNameLst>
+                                          <p:attrName>style.visibility</p:attrName>
+                                        </p:attrNameLst>
+                                      </p:cBhvr>
+                                      <p:to>
+                                        <p:strVal val="visible"/>
+                                      </p:to>
+                                    </p:set>
+                                  </p:childTnLst>
+                                </p:cTn>
+                              </p:par>
+                              <p:par>
+                                <p:cTn id="29" presetID="1" presetClass="entr" presetSubtype="0" fill="hold" grpId="0" nodeType="withEffect">
+                                  <p:stCondLst>
+                                    <p:cond delay="0"/>
+                                  </p:stCondLst>
+                                  <p:childTnLst>
+                                    <p:set>
+                                      <p:cBhvr>
+                                        <p:cTn id="30" dur="1" fill="hold">
+                                          <p:stCondLst>
+                                            <p:cond delay="0"/>
+                                          </p:stCondLst>
+                                        </p:cTn>
+                                        <p:tgtEl>
+                                          <p:spTgt spid="3">
+                                            <p:txEl>
+                                              <p:pRg st="7" end="7"/>
+                                            </p:txEl>
+                                          </p:spTgt>
+                                        </p:tgtEl>
+                                        <p:attrNameLst>
+                                          <p:attrName>style.visibility</p:attrName>
+                                        </p:attrNameLst>
+                                      </p:cBhvr>
+                                      <p:to>
+                                        <p:strVal val="visible"/>
+                                      </p:to>
+                                    </p:set>
+                                  </p:childTnLst>
+                                </p:cTn>
+                              </p:par>
+                              <p:par>
+                                <p:cTn id="31" presetID="1" presetClass="entr" presetSubtype="0" fill="hold" grpId="0" nodeType="withEffect">
+                                  <p:stCondLst>
+                                    <p:cond delay="0"/>
+                                  </p:stCondLst>
+                                  <p:childTnLst>
+                                    <p:set>
+                                      <p:cBhvr>
+                                        <p:cTn id="32" dur="1" fill="hold">
+                                          <p:stCondLst>
+                                            <p:cond delay="0"/>
+                                          </p:stCondLst>
+                                        </p:cTn>
+                                        <p:tgtEl>
+                                          <p:spTgt spid="3">
+                                            <p:txEl>
+                                              <p:pRg st="8" end="8"/>
+                                            </p:txEl>
+                                          </p:spTgt>
+                                        </p:tgtEl>
+                                        <p:attrNameLst>
+                                          <p:attrName>style.visibility</p:attrName>
+                                        </p:attrNameLst>
+                                      </p:cBhvr>
+                                      <p:to>
+                                        <p:strVal val="visible"/>
+                                      </p:to>
+                                    </p:set>
+                                  </p:childTnLst>
+                                </p:cTn>
+                              </p:par>
+                              <p:par>
+                                <p:cTn id="33" presetID="1" presetClass="entr" presetSubtype="0" fill="hold" grpId="0" nodeType="withEffect">
+                                  <p:stCondLst>
+                                    <p:cond delay="0"/>
+                                  </p:stCondLst>
+                                  <p:childTnLst>
+                                    <p:set>
+                                      <p:cBhvr>
+                                        <p:cTn id="34" dur="1" fill="hold">
+                                          <p:stCondLst>
+                                            <p:cond delay="0"/>
+                                          </p:stCondLst>
+                                        </p:cTn>
+                                        <p:tgtEl>
+                                          <p:spTgt spid="3">
+                                            <p:txEl>
+                                              <p:pRg st="9" end="9"/>
+                                            </p:txEl>
+                                          </p:spTgt>
+                                        </p:tgtEl>
+                                        <p:attrNameLst>
+                                          <p:attrName>style.visibility</p:attrName>
+                                        </p:attrNameLst>
+                                      </p:cBhvr>
+                                      <p:to>
+                                        <p:strVal val="visible"/>
+                                      </p:to>
+                                    </p:set>
+                                  </p:childTnLst>
+                                </p:cTn>
+                              </p:par>
+                              <p:par>
+                                <p:cTn id="35" presetID="1" presetClass="entr" presetSubtype="0" fill="hold" grpId="0" nodeType="withEffect">
+                                  <p:stCondLst>
+                                    <p:cond delay="0"/>
+                                  </p:stCondLst>
+                                  <p:childTnLst>
+                                    <p:set>
+                                      <p:cBhvr>
+                                        <p:cTn id="36" dur="1" fill="hold">
+                                          <p:stCondLst>
+                                            <p:cond delay="0"/>
+                                          </p:stCondLst>
+                                        </p:cTn>
+                                        <p:tgtEl>
+                                          <p:spTgt spid="3">
+                                            <p:txEl>
+                                              <p:pRg st="10" end="10"/>
+                                            </p:txEl>
+                                          </p:spTgt>
+                                        </p:tgtEl>
+                                        <p:attrNameLst>
+                                          <p:attrName>style.visibility</p:attrName>
+                                        </p:attrNameLst>
+                                      </p:cBhvr>
+                                      <p:to>
+                                        <p:strVal val="visible"/>
+                                      </p:to>
+                                    </p:set>
+                                  </p:childTnLst>
+                                </p:cTn>
+                              </p:par>
+                            </p:childTnLst>
+                          </p:cTn>
+                        </p:par>
+                      </p:childTnLst>
+                    </p:cTn>
+                  </p:par>
+                </p:childTnLst>
+              </p:cTn>
+              <p:prevCondLst>
+                <p:cond evt="onPrev" delay="0">
+                  <p:tgtEl>
+                    <p:sldTgt/>
+                  </p:tgtEl>
+                </p:cond>
+              </p:prevCondLst>
+              <p:nextCondLst>
+                <p:cond evt="onNext" delay="0">
+                  <p:tgtEl>
+                    <p:sldTgt/>
+                  </p:tgtEl>
+                </p:cond>
+              </p:nextCondLst>
+            </p:seq>
+          </p:childTnLst>
+        </p:cTn>
+      </p:par>
+    </p:tnLst>
+    <p:bldLst>
+      <p:bldP spid="3" grpId="0" build="p"/>
+    </p:bldLst>
+  </p:timing>
+</p:sld>
+</file>
+
+<file path=ppt/slides/slide11.xml><?xml version="1.0" encoding="utf-8"?>
+<p:sld xmlns:a="http://schemas.openxmlformats.org/drawingml/2006/main" xmlns:r="http://schemas.openxmlformats.org/officeDocument/2006/relationships" xmlns:p="http://schemas.openxmlformats.org/presentationml/2006/main">
+  <p:cSld>
+    <p:spTree>
+      <p:nvGrpSpPr>
+        <p:cNvPr id="1" name=""/>
+        <p:cNvGrpSpPr/>
+        <p:nvPr/>
+      </p:nvGrpSpPr>
+      <p:grpSpPr>
+        <a:xfrm>
+          <a:off x="0" y="0"/>
+          <a:ext cx="0" cy="0"/>
+          <a:chOff x="0" y="0"/>
+          <a:chExt cx="0" cy="0"/>
+        </a:xfrm>
+      </p:grpSpPr>
+      <p:sp>
+        <p:nvSpPr>
+          <p:cNvPr id="3" name="Content Placeholder 2"/>
+          <p:cNvSpPr>
+            <a:spLocks noGrp="1"/>
+          </p:cNvSpPr>
+          <p:nvPr>
+            <p:ph sz="quarter" idx="13"/>
+          </p:nvPr>
+        </p:nvSpPr>
+        <p:spPr>
+          <a:xfrm>
+            <a:off x="3124200" y="228600"/>
+            <a:ext cx="5791200" cy="6477000"/>
+          </a:xfrm>
+        </p:spPr>
+        <p:txBody>
+          <a:bodyPr>
+            <a:normAutofit/>
+          </a:bodyPr>
+          <a:lstStyle/>
+          <a:p>
+            <a:pPr marL="0" indent="0">
+              <a:buNone/>
+            </a:pPr>
+            <a:r>
+              <a:rPr lang="en-US" sz="2400" dirty="0" smtClean="0"/>
+              <a:t>“Either </a:t>
+            </a:r>
+            <a:r>
+              <a:rPr lang="en-US" sz="2400" dirty="0"/>
+              <a:t>this man was, and is, the Son of God, or else a madman or something worse. You can shut him up for a fool, you can spit at him and kill him as a demon or you can fall at his feet and call him Lord and God, but let us not come with any </a:t>
+            </a:r>
+            <a:r>
+              <a:rPr lang="en-US" sz="2400" dirty="0" err="1" smtClean="0"/>
+              <a:t>patronising</a:t>
+            </a:r>
+            <a:r>
+              <a:rPr lang="en-US" sz="2400" dirty="0" smtClean="0"/>
+              <a:t> </a:t>
+            </a:r>
+            <a:r>
+              <a:rPr lang="en-US" sz="2400" dirty="0"/>
+              <a:t>nonsense about his being a great human teacher. He has not left that open to us. He did not intend to. ... Now it seems to me obvious that He was neither a lunatic nor a fiend: and consequently, however strange or terrifying or unlikely it may seem, I have to accept the view that He was and is God</a:t>
+            </a:r>
+            <a:r>
+              <a:rPr lang="en-US" sz="2400" dirty="0" smtClean="0"/>
+              <a:t>.” </a:t>
+            </a:r>
+          </a:p>
+          <a:p>
+            <a:pPr marL="0" indent="0">
+              <a:buNone/>
+            </a:pPr>
+            <a:endParaRPr lang="en-US" sz="2400" dirty="0"/>
+          </a:p>
+          <a:p>
+            <a:pPr marL="0" indent="0" algn="r">
+              <a:buNone/>
+            </a:pPr>
+            <a:r>
+              <a:rPr lang="en-US" sz="3600" dirty="0" smtClean="0"/>
+              <a:t>– C.S. Lewis</a:t>
+            </a:r>
+            <a:endParaRPr lang="en-US" sz="2400" dirty="0"/>
+          </a:p>
+        </p:txBody>
+      </p:sp>
+      <p:pic>
+        <p:nvPicPr>
+          <p:cNvPr id="2050" name="Picture 2" descr="http://2.bp.blogspot.com/_f9Det4pyqNE/TKpGqCSZ-MI/AAAAAAAAAkw/n4zNKLXCKkY/s1600/cslewis.jpg"/>
+          <p:cNvPicPr>
+            <a:picLocks noChangeAspect="1" noChangeArrowheads="1"/>
+          </p:cNvPicPr>
+          <p:nvPr/>
+        </p:nvPicPr>
+        <p:blipFill>
+          <a:blip r:embed="rId2">
+            <a:extLst>
+              <a:ext uri="{28A0092B-C50C-407E-A947-70E740481C1C}">
+                <a14:useLocalDpi xmlns:a14="http://schemas.microsoft.com/office/drawing/2010/main" val="0"/>
+              </a:ext>
+            </a:extLst>
+          </a:blip>
+          <a:srcRect/>
+          <a:stretch>
+            <a:fillRect/>
+          </a:stretch>
+        </p:blipFill>
+        <p:spPr bwMode="auto">
+          <a:xfrm>
+            <a:off x="173643" y="2667000"/>
+            <a:ext cx="2857500" cy="3943350"/>
+          </a:xfrm>
+          <a:prstGeom prst="rect">
+            <a:avLst/>
+          </a:prstGeom>
+          <a:noFill/>
+          <a:effectLst>
+            <a:softEdge rad="127000"/>
+          </a:effectLst>
+          <a:extLst>
+            <a:ext uri="{909E8E84-426E-40DD-AFC4-6F175D3DCCD1}">
+              <a14:hiddenFill xmlns:a14="http://schemas.microsoft.com/office/drawing/2010/main">
+                <a:solidFill>
+                  <a:srgbClr val="FFFFFF"/>
+                </a:solidFill>
+              </a14:hiddenFill>
+            </a:ext>
+          </a:extLst>
+        </p:spPr>
+      </p:pic>
+    </p:spTree>
+    <p:extLst>
+      <p:ext uri="{BB962C8B-B14F-4D97-AF65-F5344CB8AC3E}">
+        <p14:creationId xmlns:p14="http://schemas.microsoft.com/office/powerpoint/2010/main" val="3435732418"/>
+      </p:ext>
+    </p:extLst>
+  </p:cSld>
+  <p:clrMapOvr>
+    <a:masterClrMapping/>
+  </p:clrMapOvr>
+  <p:timing>
+    <p:tnLst>
+      <p:par>
+        <p:cTn id="1" dur="indefinite" restart="never" nodeType="tmRoot"/>
+      </p:par>
+    </p:tnLst>
+  </p:timing>
+</p:sld>
+</file>
+
+<file path=ppt/slides/slide12.xml><?xml version="1.0" encoding="utf-8"?>
+<p:sld xmlns:a="http://schemas.openxmlformats.org/drawingml/2006/main" xmlns:r="http://schemas.openxmlformats.org/officeDocument/2006/relationships" xmlns:p="http://schemas.openxmlformats.org/presentationml/2006/main">
+  <p:cSld>
+    <p:spTree>
+      <p:nvGrpSpPr>
+        <p:cNvPr id="1" name=""/>
+        <p:cNvGrpSpPr/>
+        <p:nvPr/>
+      </p:nvGrpSpPr>
+      <p:grpSpPr>
+        <a:xfrm>
+          <a:off x="0" y="0"/>
+          <a:ext cx="0" cy="0"/>
+          <a:chOff x="0" y="0"/>
+          <a:chExt cx="0" cy="0"/>
+        </a:xfrm>
+      </p:grpSpPr>
+      <p:sp>
+        <p:nvSpPr>
+          <p:cNvPr id="2" name="Title 1"/>
+          <p:cNvSpPr>
+            <a:spLocks noGrp="1"/>
+          </p:cNvSpPr>
+          <p:nvPr>
+            <p:ph type="title"/>
+          </p:nvPr>
+        </p:nvSpPr>
+        <p:spPr>
+          <a:xfrm>
+            <a:off x="4586286" y="228600"/>
+            <a:ext cx="4557714" cy="1143000"/>
+          </a:xfrm>
+        </p:spPr>
+        <p:txBody>
+          <a:bodyPr/>
+          <a:lstStyle/>
+          <a:p>
+            <a:pPr algn="ctr"/>
+            <a:r>
+              <a:rPr lang="en-US" dirty="0" smtClean="0"/>
+              <a:t>Lord, LIAR, LUNATIC, LEGEND, or GURU?</a:t>
+            </a:r>
+            <a:endParaRPr lang="en-US" dirty="0"/>
+          </a:p>
+        </p:txBody>
+      </p:sp>
+      <p:sp>
+        <p:nvSpPr>
+          <p:cNvPr id="3" name="Content Placeholder 2"/>
+          <p:cNvSpPr>
+            <a:spLocks noGrp="1"/>
+          </p:cNvSpPr>
+          <p:nvPr>
+            <p:ph sz="quarter" idx="13"/>
+          </p:nvPr>
+        </p:nvSpPr>
+        <p:spPr>
+          <a:xfrm>
+            <a:off x="4724400" y="1554162"/>
+            <a:ext cx="4343400" cy="4922838"/>
+          </a:xfrm>
+        </p:spPr>
+        <p:txBody>
+          <a:bodyPr>
+            <a:normAutofit/>
+          </a:bodyPr>
+          <a:lstStyle/>
+          <a:p>
+            <a:r>
+              <a:rPr lang="en-US" sz="3200" dirty="0" smtClean="0"/>
+              <a:t>Trustworthiness</a:t>
+            </a:r>
+          </a:p>
+          <a:p>
+            <a:r>
+              <a:rPr lang="en-US" sz="3200" dirty="0" smtClean="0"/>
+              <a:t>Lord?</a:t>
+            </a:r>
+          </a:p>
+          <a:p>
+            <a:r>
+              <a:rPr lang="en-US" sz="3200" dirty="0" smtClean="0"/>
+              <a:t>Liar?</a:t>
+            </a:r>
+          </a:p>
+          <a:p>
+            <a:r>
+              <a:rPr lang="en-US" sz="3200" dirty="0" smtClean="0"/>
+              <a:t>Lunatic?</a:t>
+            </a:r>
+          </a:p>
+          <a:p>
+            <a:r>
+              <a:rPr lang="en-US" sz="3200" dirty="0" smtClean="0"/>
+              <a:t>Legend?</a:t>
+            </a:r>
+          </a:p>
+          <a:p>
+            <a:r>
+              <a:rPr lang="en-US" sz="3200" dirty="0" smtClean="0"/>
+              <a:t>Guru?</a:t>
+            </a:r>
+          </a:p>
+          <a:p>
+            <a:r>
+              <a:rPr lang="en-US" sz="3200" dirty="0" smtClean="0"/>
+              <a:t>The Resurrection</a:t>
+            </a:r>
+          </a:p>
+        </p:txBody>
+      </p:sp>
+      <p:pic>
+        <p:nvPicPr>
+          <p:cNvPr id="1026" name="Picture 2" descr="http://farm5.staticflickr.com/4066/4537732460_c7ccd3a180_z.jpg"/>
+          <p:cNvPicPr>
+            <a:picLocks noChangeAspect="1" noChangeArrowheads="1"/>
+          </p:cNvPicPr>
+          <p:nvPr/>
+        </p:nvPicPr>
+        <p:blipFill>
+          <a:blip r:embed="rId3">
+            <a:extLst>
+              <a:ext uri="{28A0092B-C50C-407E-A947-70E740481C1C}">
+                <a14:useLocalDpi xmlns:a14="http://schemas.microsoft.com/office/drawing/2010/main" val="0"/>
+              </a:ext>
+            </a:extLst>
+          </a:blip>
+          <a:srcRect/>
+          <a:stretch>
+            <a:fillRect/>
+          </a:stretch>
+        </p:blipFill>
+        <p:spPr bwMode="auto">
+          <a:xfrm>
+            <a:off x="-1" y="0"/>
+            <a:ext cx="4586287" cy="6858000"/>
+          </a:xfrm>
+          <a:prstGeom prst="rect">
+            <a:avLst/>
+          </a:prstGeom>
+          <a:noFill/>
+          <a:extLst>
+            <a:ext uri="{909E8E84-426E-40DD-AFC4-6F175D3DCCD1}">
+              <a14:hiddenFill xmlns:a14="http://schemas.microsoft.com/office/drawing/2010/main">
+                <a:solidFill>
+                  <a:srgbClr val="FFFFFF"/>
+                </a:solidFill>
+              </a14:hiddenFill>
+            </a:ext>
+          </a:extLst>
+        </p:spPr>
+      </p:pic>
+    </p:spTree>
+    <p:extLst>
+      <p:ext uri="{BB962C8B-B14F-4D97-AF65-F5344CB8AC3E}">
+        <p14:creationId xmlns:p14="http://schemas.microsoft.com/office/powerpoint/2010/main" val="1709686398"/>
+      </p:ext>
+    </p:extLst>
+  </p:cSld>
+  <p:clrMapOvr>
+    <a:masterClrMapping/>
+  </p:clrMapOvr>
+  <p:timing>
+    <p:tnLst>
+      <p:par>
+        <p:cTn id="1" dur="indefinite" restart="never" nodeType="tmRoot">
+          <p:childTnLst>
+            <p:seq concurrent="1" nextAc="seek">
+              <p:cTn id="2" dur="indefinite" nodeType="mainSeq">
+                <p:childTnLst>
+                  <p:par>
+                    <p:cTn id="3" fill="hold">
+                      <p:stCondLst>
+                        <p:cond delay="indefinite"/>
+                      </p:stCondLst>
+                      <p:childTnLst>
+                        <p:par>
+                          <p:cTn id="4" fill="hold">
+                            <p:stCondLst>
+                              <p:cond delay="0"/>
+                            </p:stCondLst>
+                            <p:childTnLst>
+                              <p:par>
+                                <p:cTn id="5" presetID="1" presetClass="entr" presetSubtype="0" fill="hold" grpId="0" nodeType="clickEffect">
+                                  <p:stCondLst>
+                                    <p:cond delay="0"/>
+                                  </p:stCondLst>
+                                  <p:childTnLst>
+                                    <p:set>
+                                      <p:cBhvr>
+                                        <p:cTn id="6" dur="1" fill="hold">
+                                          <p:stCondLst>
+                                            <p:cond delay="0"/>
+                                          </p:stCondLst>
+                                        </p:cTn>
+                                        <p:tgtEl>
+                                          <p:spTgt spid="3">
+                                            <p:txEl>
+                                              <p:pRg st="0" end="0"/>
+                                            </p:txEl>
+                                          </p:spTgt>
+                                        </p:tgtEl>
+                                        <p:attrNameLst>
+                                          <p:attrName>style.visibility</p:attrName>
+                                        </p:attrNameLst>
+                                      </p:cBhvr>
+                                      <p:to>
+                                        <p:strVal val="visible"/>
+                                      </p:to>
+                                    </p:set>
+                                  </p:childTnLst>
+                                </p:cTn>
+                              </p:par>
+                            </p:childTnLst>
+                          </p:cTn>
+                        </p:par>
+                      </p:childTnLst>
+                    </p:cTn>
+                  </p:par>
+                  <p:par>
+                    <p:cTn id="7" fill="hold">
+                      <p:stCondLst>
+                        <p:cond delay="indefinite"/>
+                      </p:stCondLst>
+                      <p:childTnLst>
+                        <p:par>
+                          <p:cTn id="8" fill="hold">
+                            <p:stCondLst>
+                              <p:cond delay="0"/>
+                            </p:stCondLst>
+                            <p:childTnLst>
+                              <p:par>
+                                <p:cTn id="9" presetID="1" presetClass="entr" presetSubtype="0" fill="hold" grpId="0" nodeType="clickEffect">
+                                  <p:stCondLst>
+                                    <p:cond delay="0"/>
+                                  </p:stCondLst>
+                                  <p:childTnLst>
+                                    <p:set>
+                                      <p:cBhvr>
+                                        <p:cTn id="10" dur="1" fill="hold">
+                                          <p:stCondLst>
+                                            <p:cond delay="0"/>
+                                          </p:stCondLst>
+                                        </p:cTn>
+                                        <p:tgtEl>
+                                          <p:spTgt spid="3">
+                                            <p:txEl>
+                                              <p:pRg st="1" end="1"/>
+                                            </p:txEl>
+                                          </p:spTgt>
+                                        </p:tgtEl>
+                                        <p:attrNameLst>
+                                          <p:attrName>style.visibility</p:attrName>
+                                        </p:attrNameLst>
+                                      </p:cBhvr>
+                                      <p:to>
+                                        <p:strVal val="visible"/>
+                                      </p:to>
+                                    </p:set>
+                                  </p:childTnLst>
+                                </p:cTn>
+                              </p:par>
+                            </p:childTnLst>
+                          </p:cTn>
+                        </p:par>
+                      </p:childTnLst>
+                    </p:cTn>
+                  </p:par>
+                  <p:par>
+                    <p:cTn id="11" fill="hold">
+                      <p:stCondLst>
+                        <p:cond delay="indefinite"/>
+                      </p:stCondLst>
+                      <p:childTnLst>
+                        <p:par>
+                          <p:cTn id="12" fill="hold">
+                            <p:stCondLst>
+                              <p:cond delay="0"/>
+                            </p:stCondLst>
+                            <p:childTnLst>
+                              <p:par>
+                                <p:cTn id="13" presetID="1" presetClass="entr" presetSubtype="0" fill="hold" grpId="0" nodeType="clickEffect">
+                                  <p:stCondLst>
+                                    <p:cond delay="0"/>
+                                  </p:stCondLst>
+                                  <p:childTnLst>
+                                    <p:set>
+                                      <p:cBhvr>
+                                        <p:cTn id="14" dur="1" fill="hold">
+                                          <p:stCondLst>
+                                            <p:cond delay="0"/>
+                                          </p:stCondLst>
+                                        </p:cTn>
+                                        <p:tgtEl>
+                                          <p:spTgt spid="3">
+                                            <p:txEl>
+                                              <p:pRg st="2" end="2"/>
+                                            </p:txEl>
+                                          </p:spTgt>
+                                        </p:tgtEl>
+                                        <p:attrNameLst>
+                                          <p:attrName>style.visibility</p:attrName>
+                                        </p:attrNameLst>
+                                      </p:cBhvr>
+                                      <p:to>
+                                        <p:strVal val="visible"/>
+                                      </p:to>
+                                    </p:set>
+                                  </p:childTnLst>
+                                </p:cTn>
+                              </p:par>
+                            </p:childTnLst>
+                          </p:cTn>
+                        </p:par>
+                      </p:childTnLst>
+                    </p:cTn>
+                  </p:par>
+                  <p:par>
+                    <p:cTn id="15" fill="hold">
+                      <p:stCondLst>
+                        <p:cond delay="indefinite"/>
+                      </p:stCondLst>
+                      <p:childTnLst>
+                        <p:par>
+                          <p:cTn id="16" fill="hold">
+                            <p:stCondLst>
+                              <p:cond delay="0"/>
+                            </p:stCondLst>
+                            <p:childTnLst>
+                              <p:par>
+                                <p:cTn id="17" presetID="1" presetClass="entr" presetSubtype="0" fill="hold" grpId="0" nodeType="clickEffect">
+                                  <p:stCondLst>
+                                    <p:cond delay="0"/>
+                                  </p:stCondLst>
+                                  <p:childTnLst>
+                                    <p:set>
+                                      <p:cBhvr>
+                                        <p:cTn id="18" dur="1" fill="hold">
+                                          <p:stCondLst>
+                                            <p:cond delay="0"/>
+                                          </p:stCondLst>
+                                        </p:cTn>
+                                        <p:tgtEl>
+                                          <p:spTgt spid="3">
+                                            <p:txEl>
+                                              <p:pRg st="3" end="3"/>
+                                            </p:txEl>
+                                          </p:spTgt>
+                                        </p:tgtEl>
+                                        <p:attrNameLst>
+                                          <p:attrName>style.visibility</p:attrName>
+                                        </p:attrNameLst>
+                                      </p:cBhvr>
+                                      <p:to>
+                                        <p:strVal val="visible"/>
+                                      </p:to>
+                                    </p:set>
+                                  </p:childTnLst>
+                                </p:cTn>
+                              </p:par>
+                            </p:childTnLst>
+                          </p:cTn>
+                        </p:par>
+                      </p:childTnLst>
+                    </p:cTn>
+                  </p:par>
+                  <p:par>
+                    <p:cTn id="19" fill="hold">
+                      <p:stCondLst>
+                        <p:cond delay="indefinite"/>
+                      </p:stCondLst>
+                      <p:childTnLst>
+                        <p:par>
+                          <p:cTn id="20" fill="hold">
+                            <p:stCondLst>
+                              <p:cond delay="0"/>
+                            </p:stCondLst>
+                            <p:childTnLst>
+                              <p:par>
+                                <p:cTn id="21" presetID="1" presetClass="entr" presetSubtype="0" fill="hold" grpId="0" nodeType="clickEffect">
+                                  <p:stCondLst>
+                                    <p:cond delay="0"/>
+                                  </p:stCondLst>
+                                  <p:childTnLst>
+                                    <p:set>
+                                      <p:cBhvr>
+                                        <p:cTn id="22" dur="1" fill="hold">
+                                          <p:stCondLst>
+                                            <p:cond delay="0"/>
+                                          </p:stCondLst>
+                                        </p:cTn>
+                                        <p:tgtEl>
+                                          <p:spTgt spid="3">
+                                            <p:txEl>
+                                              <p:pRg st="4" end="4"/>
+                                            </p:txEl>
+                                          </p:spTgt>
+                                        </p:tgtEl>
+                                        <p:attrNameLst>
+                                          <p:attrName>style.visibility</p:attrName>
+                                        </p:attrNameLst>
+                                      </p:cBhvr>
+                                      <p:to>
+                                        <p:strVal val="visible"/>
+                                      </p:to>
+                                    </p:set>
+                                  </p:childTnLst>
+                                </p:cTn>
+                              </p:par>
+                            </p:childTnLst>
+                          </p:cTn>
+                        </p:par>
+                      </p:childTnLst>
+                    </p:cTn>
+                  </p:par>
+                  <p:par>
+                    <p:cTn id="23" fill="hold">
+                      <p:stCondLst>
+                        <p:cond delay="indefinite"/>
+                      </p:stCondLst>
+                      <p:childTnLst>
+                        <p:par>
+                          <p:cTn id="24" fill="hold">
+                            <p:stCondLst>
+                              <p:cond delay="0"/>
+                            </p:stCondLst>
+                            <p:childTnLst>
+                              <p:par>
+                                <p:cTn id="25" presetID="1" presetClass="entr" presetSubtype="0" fill="hold" grpId="0" nodeType="clickEffect">
+                                  <p:stCondLst>
+                                    <p:cond delay="0"/>
+                                  </p:stCondLst>
+                                  <p:childTnLst>
+                                    <p:set>
+                                      <p:cBhvr>
+                                        <p:cTn id="26" dur="1" fill="hold">
+                                          <p:stCondLst>
+                                            <p:cond delay="0"/>
+                                          </p:stCondLst>
+                                        </p:cTn>
+                                        <p:tgtEl>
+                                          <p:spTgt spid="3">
+                                            <p:txEl>
+                                              <p:pRg st="5" end="5"/>
+                                            </p:txEl>
+                                          </p:spTgt>
+                                        </p:tgtEl>
+                                        <p:attrNameLst>
+                                          <p:attrName>style.visibility</p:attrName>
+                                        </p:attrNameLst>
+                                      </p:cBhvr>
+                                      <p:to>
+                                        <p:strVal val="visible"/>
+                                      </p:to>
+                                    </p:set>
+                                  </p:childTnLst>
+                                </p:cTn>
+                              </p:par>
+                            </p:childTnLst>
+                          </p:cTn>
+                        </p:par>
+                      </p:childTnLst>
+                    </p:cTn>
+                  </p:par>
+                  <p:par>
+                    <p:cTn id="27" fill="hold">
+                      <p:stCondLst>
+                        <p:cond delay="indefinite"/>
+                      </p:stCondLst>
+                      <p:childTnLst>
+                        <p:par>
+                          <p:cTn id="28" fill="hold">
+                            <p:stCondLst>
+                              <p:cond delay="0"/>
+                            </p:stCondLst>
+                            <p:childTnLst>
+                              <p:par>
+                                <p:cTn id="29" presetID="1" presetClass="entr" presetSubtype="0" fill="hold" grpId="0" nodeType="clickEffect">
+                                  <p:stCondLst>
+                                    <p:cond delay="0"/>
+                                  </p:stCondLst>
+                                  <p:childTnLst>
+                                    <p:set>
+                                      <p:cBhvr>
+                                        <p:cTn id="30" dur="1" fill="hold">
+                                          <p:stCondLst>
+                                            <p:cond delay="0"/>
+                                          </p:stCondLst>
+                                        </p:cTn>
+                                        <p:tgtEl>
+                                          <p:spTgt spid="3">
+                                            <p:txEl>
+                                              <p:pRg st="6" end="6"/>
+                                            </p:txEl>
+                                          </p:spTgt>
+                                        </p:tgtEl>
+                                        <p:attrNameLst>
+                                          <p:attrName>style.visibility</p:attrName>
+                                        </p:attrNameLst>
+                                      </p:cBhvr>
+                                      <p:to>
+                                        <p:strVal val="visible"/>
+                                      </p:to>
+                                    </p:set>
+                                  </p:childTnLst>
+                                </p:cTn>
+                              </p:par>
+                            </p:childTnLst>
+                          </p:cTn>
+                        </p:par>
+                      </p:childTnLst>
+                    </p:cTn>
+                  </p:par>
+                </p:childTnLst>
+              </p:cTn>
+              <p:prevCondLst>
+                <p:cond evt="onPrev" delay="0">
+                  <p:tgtEl>
+                    <p:sldTgt/>
+                  </p:tgtEl>
+                </p:cond>
+              </p:prevCondLst>
+              <p:nextCondLst>
+                <p:cond evt="onNext" delay="0">
+                  <p:tgtEl>
+                    <p:sldTgt/>
+                  </p:tgtEl>
+                </p:cond>
+              </p:nextCondLst>
+            </p:seq>
+          </p:childTnLst>
+        </p:cTn>
+      </p:par>
+    </p:tnLst>
+    <p:bldLst>
+      <p:bldP spid="3" grpId="0" build="p"/>
+    </p:bldLst>
+  </p:timing>
+</p:sld>
+</file>
+
+<file path=ppt/slides/slide13.xml><?xml version="1.0" encoding="utf-8"?>
+<p:sld xmlns:a="http://schemas.openxmlformats.org/drawingml/2006/main" xmlns:r="http://schemas.openxmlformats.org/officeDocument/2006/relationships" xmlns:p="http://schemas.openxmlformats.org/presentationml/2006/main">
+  <p:cSld>
+    <p:spTree>
+      <p:nvGrpSpPr>
+        <p:cNvPr id="1" name=""/>
+        <p:cNvGrpSpPr/>
+        <p:nvPr/>
+      </p:nvGrpSpPr>
+      <p:grpSpPr>
+        <a:xfrm>
+          <a:off x="0" y="0"/>
+          <a:ext cx="0" cy="0"/>
+          <a:chOff x="0" y="0"/>
+          <a:chExt cx="0" cy="0"/>
+        </a:xfrm>
+      </p:grpSpPr>
+      <p:sp>
+        <p:nvSpPr>
+          <p:cNvPr id="2" name="Title 1"/>
+          <p:cNvSpPr>
+            <a:spLocks noGrp="1"/>
+          </p:cNvSpPr>
+          <p:nvPr>
+            <p:ph type="title"/>
+          </p:nvPr>
+        </p:nvSpPr>
+        <p:spPr>
+          <a:xfrm>
+            <a:off x="8641" y="228600"/>
+            <a:ext cx="4106159" cy="1143000"/>
+          </a:xfrm>
+        </p:spPr>
+        <p:txBody>
+          <a:bodyPr/>
+          <a:lstStyle/>
+          <a:p>
+            <a:pPr algn="ctr"/>
+            <a:r>
+              <a:rPr lang="en-US" dirty="0" smtClean="0"/>
+              <a:t>What REMAINS</a:t>
+            </a:r>
+            <a:endParaRPr lang="en-US" dirty="0"/>
+          </a:p>
+        </p:txBody>
+      </p:sp>
+      <p:sp>
+        <p:nvSpPr>
+          <p:cNvPr id="3" name="Content Placeholder 2"/>
+          <p:cNvSpPr>
+            <a:spLocks noGrp="1"/>
+          </p:cNvSpPr>
+          <p:nvPr>
+            <p:ph sz="quarter" idx="13"/>
+          </p:nvPr>
+        </p:nvSpPr>
+        <p:spPr>
+          <a:xfrm>
+            <a:off x="146755" y="1554162"/>
+            <a:ext cx="4343400" cy="4922838"/>
+          </a:xfrm>
+        </p:spPr>
+        <p:txBody>
+          <a:bodyPr>
+            <a:normAutofit/>
+          </a:bodyPr>
+          <a:lstStyle/>
+          <a:p>
+            <a:r>
+              <a:rPr lang="en-US" sz="3200" dirty="0" smtClean="0"/>
+              <a:t>The Church</a:t>
+            </a:r>
+          </a:p>
+          <a:p>
+            <a:r>
+              <a:rPr lang="en-US" sz="3200" dirty="0" smtClean="0"/>
+              <a:t>The Body of Christ</a:t>
+            </a:r>
+          </a:p>
+          <a:p>
+            <a:r>
+              <a:rPr lang="en-US" sz="3200" dirty="0" smtClean="0"/>
+              <a:t>The Kingdom of God</a:t>
+            </a:r>
+          </a:p>
+        </p:txBody>
+      </p:sp>
+      <p:pic>
+        <p:nvPicPr>
+          <p:cNvPr id="1026" name="Picture 2" descr="http://upload.wikimedia.org/wikipedia/commons/thumb/0/04/ND_Rosaire_mosa%C3%AFque_03.jpg/472px-ND_Rosaire_mosa%C3%AFque_03.jpg"/>
+          <p:cNvPicPr>
+            <a:picLocks noChangeAspect="1" noChangeArrowheads="1"/>
+          </p:cNvPicPr>
+          <p:nvPr/>
+        </p:nvPicPr>
+        <p:blipFill>
+          <a:blip r:embed="rId3">
+            <a:extLst>
+              <a:ext uri="{28A0092B-C50C-407E-A947-70E740481C1C}">
+                <a14:useLocalDpi xmlns:a14="http://schemas.microsoft.com/office/drawing/2010/main" val="0"/>
+              </a:ext>
+            </a:extLst>
+          </a:blip>
+          <a:srcRect/>
+          <a:stretch>
+            <a:fillRect/>
+          </a:stretch>
+        </p:blipFill>
+        <p:spPr bwMode="auto">
+          <a:xfrm>
+            <a:off x="4267200" y="457200"/>
+            <a:ext cx="4495800" cy="5715000"/>
+          </a:xfrm>
+          <a:prstGeom prst="rect">
+            <a:avLst/>
+          </a:prstGeom>
+          <a:noFill/>
+          <a:extLst>
+            <a:ext uri="{909E8E84-426E-40DD-AFC4-6F175D3DCCD1}">
+              <a14:hiddenFill xmlns:a14="http://schemas.microsoft.com/office/drawing/2010/main">
+                <a:solidFill>
+                  <a:srgbClr val="FFFFFF"/>
+                </a:solidFill>
+              </a14:hiddenFill>
+            </a:ext>
+          </a:extLst>
+        </p:spPr>
+      </p:pic>
+    </p:spTree>
+    <p:extLst>
+      <p:ext uri="{BB962C8B-B14F-4D97-AF65-F5344CB8AC3E}">
+        <p14:creationId xmlns:p14="http://schemas.microsoft.com/office/powerpoint/2010/main" val="4223918658"/>
+      </p:ext>
+    </p:extLst>
+  </p:cSld>
+  <p:clrMapOvr>
+    <a:masterClrMapping/>
+  </p:clrMapOvr>
+  <p:timing>
+    <p:tnLst>
+      <p:par>
+        <p:cTn id="1" dur="indefinite" restart="never" nodeType="tmRoot"/>
+      </p:par>
+    </p:tnLst>
+  </p:timing>
+</p:sld>
+</file>
+
+<file path=ppt/slides/slide14.xml><?xml version="1.0" encoding="utf-8"?>
+<p:sld xmlns:a="http://schemas.openxmlformats.org/drawingml/2006/main" xmlns:r="http://schemas.openxmlformats.org/officeDocument/2006/relationships" xmlns:p="http://schemas.openxmlformats.org/presentationml/2006/main">
+  <p:cSld>
+    <p:spTree>
+      <p:nvGrpSpPr>
+        <p:cNvPr id="1" name=""/>
+        <p:cNvGrpSpPr/>
+        <p:nvPr/>
+      </p:nvGrpSpPr>
+      <p:grpSpPr>
+        <a:xfrm>
+          <a:off x="0" y="0"/>
+          <a:ext cx="0" cy="0"/>
+          <a:chOff x="0" y="0"/>
+          <a:chExt cx="0" cy="0"/>
+        </a:xfrm>
+      </p:grpSpPr>
+      <p:sp>
+        <p:nvSpPr>
+          <p:cNvPr id="2" name="Title 1"/>
+          <p:cNvSpPr>
+            <a:spLocks noGrp="1"/>
+          </p:cNvSpPr>
+          <p:nvPr>
+            <p:ph type="title"/>
+          </p:nvPr>
+        </p:nvSpPr>
+        <p:spPr>
+          <a:xfrm>
+            <a:off x="4682640" y="228599"/>
+            <a:ext cx="4429303" cy="1939565"/>
+          </a:xfrm>
+        </p:spPr>
+        <p:txBody>
+          <a:bodyPr/>
+          <a:lstStyle/>
+          <a:p>
+            <a:pPr algn="ctr"/>
+            <a:r>
+              <a:rPr lang="en-US" dirty="0" smtClean="0"/>
+              <a:t>The Church</a:t>
+            </a:r>
+            <a:endParaRPr lang="en-US" dirty="0"/>
+          </a:p>
+        </p:txBody>
+      </p:sp>
+      <p:sp>
+        <p:nvSpPr>
+          <p:cNvPr id="3" name="Content Placeholder 2"/>
+          <p:cNvSpPr>
+            <a:spLocks noGrp="1"/>
+          </p:cNvSpPr>
+          <p:nvPr>
+            <p:ph sz="quarter" idx="13"/>
+          </p:nvPr>
+        </p:nvSpPr>
+        <p:spPr>
+          <a:xfrm>
+            <a:off x="228601" y="3276600"/>
+            <a:ext cx="8534400" cy="3246438"/>
+          </a:xfrm>
+        </p:spPr>
+        <p:txBody>
+          <a:bodyPr>
+            <a:normAutofit fontScale="92500" lnSpcReduction="20000"/>
+          </a:bodyPr>
+          <a:lstStyle/>
+          <a:p>
+            <a:r>
+              <a:rPr lang="en-US" sz="3200" dirty="0" smtClean="0"/>
+              <a:t>Continuation of Authority</a:t>
+            </a:r>
+          </a:p>
+          <a:p>
+            <a:r>
+              <a:rPr lang="en-US" sz="3200" dirty="0" smtClean="0"/>
+              <a:t>Mission</a:t>
+            </a:r>
+          </a:p>
+          <a:p>
+            <a:r>
+              <a:rPr lang="en-US" sz="3200" dirty="0" smtClean="0"/>
+              <a:t>One</a:t>
+            </a:r>
+          </a:p>
+          <a:p>
+            <a:r>
+              <a:rPr lang="en-US" sz="3200" dirty="0" smtClean="0"/>
+              <a:t>Holy</a:t>
+            </a:r>
+          </a:p>
+          <a:p>
+            <a:r>
+              <a:rPr lang="en-US" sz="3200" dirty="0" smtClean="0"/>
+              <a:t>Universal</a:t>
+            </a:r>
+          </a:p>
+          <a:p>
+            <a:r>
+              <a:rPr lang="en-US" sz="3200" dirty="0" smtClean="0"/>
+              <a:t>Apostolic</a:t>
+            </a:r>
+          </a:p>
+        </p:txBody>
+      </p:sp>
+      <p:pic>
+        <p:nvPicPr>
+          <p:cNvPr id="3074" name="Picture 2" descr="http://farm3.staticflickr.com/2120/2221326860_89ebdf1abb_z.jpg"/>
+          <p:cNvPicPr>
+            <a:picLocks noChangeAspect="1" noChangeArrowheads="1"/>
+          </p:cNvPicPr>
+          <p:nvPr/>
+        </p:nvPicPr>
+        <p:blipFill>
+          <a:blip r:embed="rId3">
+            <a:extLst>
+              <a:ext uri="{28A0092B-C50C-407E-A947-70E740481C1C}">
+                <a14:useLocalDpi xmlns:a14="http://schemas.microsoft.com/office/drawing/2010/main" val="0"/>
+              </a:ext>
+            </a:extLst>
+          </a:blip>
+          <a:srcRect/>
+          <a:stretch>
+            <a:fillRect/>
+          </a:stretch>
+        </p:blipFill>
+        <p:spPr bwMode="auto">
+          <a:xfrm>
+            <a:off x="0" y="0"/>
+            <a:ext cx="4682641" cy="3124200"/>
+          </a:xfrm>
+          <a:prstGeom prst="rect">
+            <a:avLst/>
+          </a:prstGeom>
+          <a:noFill/>
+          <a:extLst>
+            <a:ext uri="{909E8E84-426E-40DD-AFC4-6F175D3DCCD1}">
+              <a14:hiddenFill xmlns:a14="http://schemas.microsoft.com/office/drawing/2010/main">
+                <a:solidFill>
+                  <a:srgbClr val="FFFFFF"/>
+                </a:solidFill>
+              </a14:hiddenFill>
+            </a:ext>
+          </a:extLst>
+        </p:spPr>
+      </p:pic>
+    </p:spTree>
+    <p:extLst>
+      <p:ext uri="{BB962C8B-B14F-4D97-AF65-F5344CB8AC3E}">
+        <p14:creationId xmlns:p14="http://schemas.microsoft.com/office/powerpoint/2010/main" val="3582185778"/>
+      </p:ext>
+    </p:extLst>
+  </p:cSld>
+  <p:clrMapOvr>
+    <a:masterClrMapping/>
+  </p:clrMapOvr>
+  <p:timing>
+    <p:tnLst>
+      <p:par>
+        <p:cTn id="1" dur="indefinite" restart="never" nodeType="tmRoot">
+          <p:childTnLst>
+            <p:seq concurrent="1" nextAc="seek">
+              <p:cTn id="2" dur="indefinite" nodeType="mainSeq">
+                <p:childTnLst>
+                  <p:par>
+                    <p:cTn id="3" fill="hold">
+                      <p:stCondLst>
+                        <p:cond delay="indefinite"/>
+                      </p:stCondLst>
+                      <p:childTnLst>
+                        <p:par>
+                          <p:cTn id="4" fill="hold">
+                            <p:stCondLst>
+                              <p:cond delay="0"/>
+                            </p:stCondLst>
+                            <p:childTnLst>
+                              <p:par>
+                                <p:cTn id="5" presetID="1" presetClass="entr" presetSubtype="0" fill="hold" grpId="0" nodeType="clickEffect">
+                                  <p:stCondLst>
+                                    <p:cond delay="0"/>
+                                  </p:stCondLst>
+                                  <p:childTnLst>
+                                    <p:set>
+                                      <p:cBhvr>
+                                        <p:cTn id="6" dur="1" fill="hold">
+                                          <p:stCondLst>
+                                            <p:cond delay="0"/>
+                                          </p:stCondLst>
+                                        </p:cTn>
+                                        <p:tgtEl>
+                                          <p:spTgt spid="3">
+                                            <p:txEl>
+                                              <p:pRg st="0" end="0"/>
+                                            </p:txEl>
+                                          </p:spTgt>
+                                        </p:tgtEl>
+                                        <p:attrNameLst>
+                                          <p:attrName>style.visibility</p:attrName>
+                                        </p:attrNameLst>
+                                      </p:cBhvr>
+                                      <p:to>
+                                        <p:strVal val="visible"/>
+                                      </p:to>
+                                    </p:set>
+                                  </p:childTnLst>
+                                </p:cTn>
+                              </p:par>
+                            </p:childTnLst>
+                          </p:cTn>
+                        </p:par>
+                      </p:childTnLst>
+                    </p:cTn>
+                  </p:par>
+                  <p:par>
+                    <p:cTn id="7" fill="hold">
+                      <p:stCondLst>
+                        <p:cond delay="indefinite"/>
+                      </p:stCondLst>
+                      <p:childTnLst>
+                        <p:par>
+                          <p:cTn id="8" fill="hold">
+                            <p:stCondLst>
+                              <p:cond delay="0"/>
+                            </p:stCondLst>
+                            <p:childTnLst>
+                              <p:par>
+                                <p:cTn id="9" presetID="1" presetClass="entr" presetSubtype="0" fill="hold" grpId="0" nodeType="clickEffect">
+                                  <p:stCondLst>
+                                    <p:cond delay="0"/>
+                                  </p:stCondLst>
+                                  <p:childTnLst>
+                                    <p:set>
+                                      <p:cBhvr>
+                                        <p:cTn id="10" dur="1" fill="hold">
+                                          <p:stCondLst>
+                                            <p:cond delay="0"/>
+                                          </p:stCondLst>
+                                        </p:cTn>
+                                        <p:tgtEl>
+                                          <p:spTgt spid="3">
+                                            <p:txEl>
+                                              <p:pRg st="1" end="1"/>
+                                            </p:txEl>
+                                          </p:spTgt>
+                                        </p:tgtEl>
+                                        <p:attrNameLst>
+                                          <p:attrName>style.visibility</p:attrName>
+                                        </p:attrNameLst>
+                                      </p:cBhvr>
+                                      <p:to>
+                                        <p:strVal val="visible"/>
+                                      </p:to>
+                                    </p:set>
+                                  </p:childTnLst>
+                                </p:cTn>
+                              </p:par>
+                            </p:childTnLst>
+                          </p:cTn>
+                        </p:par>
+                      </p:childTnLst>
+                    </p:cTn>
+                  </p:par>
+                  <p:par>
+                    <p:cTn id="11" fill="hold">
+                      <p:stCondLst>
+                        <p:cond delay="indefinite"/>
+                      </p:stCondLst>
+                      <p:childTnLst>
+                        <p:par>
+                          <p:cTn id="12" fill="hold">
+                            <p:stCondLst>
+                              <p:cond delay="0"/>
+                            </p:stCondLst>
+                            <p:childTnLst>
+                              <p:par>
+                                <p:cTn id="13" presetID="1" presetClass="entr" presetSubtype="0" fill="hold" grpId="0" nodeType="clickEffect">
+                                  <p:stCondLst>
+                                    <p:cond delay="0"/>
+                                  </p:stCondLst>
+                                  <p:childTnLst>
+                                    <p:set>
+                                      <p:cBhvr>
+                                        <p:cTn id="14" dur="1" fill="hold">
+                                          <p:stCondLst>
+                                            <p:cond delay="0"/>
+                                          </p:stCondLst>
+                                        </p:cTn>
+                                        <p:tgtEl>
+                                          <p:spTgt spid="3">
+                                            <p:txEl>
+                                              <p:pRg st="2" end="2"/>
+                                            </p:txEl>
+                                          </p:spTgt>
+                                        </p:tgtEl>
+                                        <p:attrNameLst>
+                                          <p:attrName>style.visibility</p:attrName>
+                                        </p:attrNameLst>
+                                      </p:cBhvr>
+                                      <p:to>
+                                        <p:strVal val="visible"/>
+                                      </p:to>
+                                    </p:set>
+                                  </p:childTnLst>
+                                </p:cTn>
+                              </p:par>
+                            </p:childTnLst>
+                          </p:cTn>
+                        </p:par>
+                      </p:childTnLst>
+                    </p:cTn>
+                  </p:par>
+                  <p:par>
+                    <p:cTn id="15" fill="hold">
+                      <p:stCondLst>
+                        <p:cond delay="indefinite"/>
+                      </p:stCondLst>
+                      <p:childTnLst>
+                        <p:par>
+                          <p:cTn id="16" fill="hold">
+                            <p:stCondLst>
+                              <p:cond delay="0"/>
+                            </p:stCondLst>
+                            <p:childTnLst>
+                              <p:par>
+                                <p:cTn id="17" presetID="1" presetClass="entr" presetSubtype="0" fill="hold" grpId="0" nodeType="clickEffect">
+                                  <p:stCondLst>
+                                    <p:cond delay="0"/>
+                                  </p:stCondLst>
+                                  <p:childTnLst>
+                                    <p:set>
+                                      <p:cBhvr>
+                                        <p:cTn id="18" dur="1" fill="hold">
+                                          <p:stCondLst>
+                                            <p:cond delay="0"/>
+                                          </p:stCondLst>
+                                        </p:cTn>
+                                        <p:tgtEl>
+                                          <p:spTgt spid="3">
+                                            <p:txEl>
+                                              <p:pRg st="3" end="3"/>
+                                            </p:txEl>
+                                          </p:spTgt>
+                                        </p:tgtEl>
+                                        <p:attrNameLst>
+                                          <p:attrName>style.visibility</p:attrName>
+                                        </p:attrNameLst>
+                                      </p:cBhvr>
+                                      <p:to>
+                                        <p:strVal val="visible"/>
+                                      </p:to>
+                                    </p:set>
+                                  </p:childTnLst>
+                                </p:cTn>
+                              </p:par>
+                            </p:childTnLst>
+                          </p:cTn>
+                        </p:par>
+                      </p:childTnLst>
+                    </p:cTn>
+                  </p:par>
+                  <p:par>
+                    <p:cTn id="19" fill="hold">
+                      <p:stCondLst>
+                        <p:cond delay="indefinite"/>
+                      </p:stCondLst>
+                      <p:childTnLst>
+                        <p:par>
+                          <p:cTn id="20" fill="hold">
+                            <p:stCondLst>
+                              <p:cond delay="0"/>
+                            </p:stCondLst>
+                            <p:childTnLst>
+                              <p:par>
+                                <p:cTn id="21" presetID="1" presetClass="entr" presetSubtype="0" fill="hold" grpId="0" nodeType="clickEffect">
+                                  <p:stCondLst>
+                                    <p:cond delay="0"/>
+                                  </p:stCondLst>
+                                  <p:childTnLst>
+                                    <p:set>
+                                      <p:cBhvr>
+                                        <p:cTn id="22" dur="1" fill="hold">
+                                          <p:stCondLst>
+                                            <p:cond delay="0"/>
+                                          </p:stCondLst>
+                                        </p:cTn>
+                                        <p:tgtEl>
+                                          <p:spTgt spid="3">
+                                            <p:txEl>
+                                              <p:pRg st="4" end="4"/>
+                                            </p:txEl>
+                                          </p:spTgt>
+                                        </p:tgtEl>
+                                        <p:attrNameLst>
+                                          <p:attrName>style.visibility</p:attrName>
+                                        </p:attrNameLst>
+                                      </p:cBhvr>
+                                      <p:to>
+                                        <p:strVal val="visible"/>
+                                      </p:to>
+                                    </p:set>
+                                  </p:childTnLst>
+                                </p:cTn>
+                              </p:par>
+                            </p:childTnLst>
+                          </p:cTn>
+                        </p:par>
+                      </p:childTnLst>
+                    </p:cTn>
+                  </p:par>
+                  <p:par>
+                    <p:cTn id="23" fill="hold">
+                      <p:stCondLst>
+                        <p:cond delay="indefinite"/>
+                      </p:stCondLst>
+                      <p:childTnLst>
+                        <p:par>
+                          <p:cTn id="24" fill="hold">
+                            <p:stCondLst>
+                              <p:cond delay="0"/>
+                            </p:stCondLst>
+                            <p:childTnLst>
+                              <p:par>
+                                <p:cTn id="25" presetID="1" presetClass="entr" presetSubtype="0" fill="hold" grpId="0" nodeType="clickEffect">
+                                  <p:stCondLst>
+                                    <p:cond delay="0"/>
+                                  </p:stCondLst>
+                                  <p:childTnLst>
+                                    <p:set>
+                                      <p:cBhvr>
+                                        <p:cTn id="26" dur="1" fill="hold">
+                                          <p:stCondLst>
+                                            <p:cond delay="0"/>
+                                          </p:stCondLst>
+                                        </p:cTn>
+                                        <p:tgtEl>
+                                          <p:spTgt spid="3">
+                                            <p:txEl>
+                                              <p:pRg st="5" end="5"/>
+                                            </p:txEl>
+                                          </p:spTgt>
+                                        </p:tgtEl>
+                                        <p:attrNameLst>
+                                          <p:attrName>style.visibility</p:attrName>
+                                        </p:attrNameLst>
+                                      </p:cBhvr>
+                                      <p:to>
+                                        <p:strVal val="visible"/>
+                                      </p:to>
+                                    </p:set>
+                                  </p:childTnLst>
+                                </p:cTn>
+                              </p:par>
+                            </p:childTnLst>
+                          </p:cTn>
+                        </p:par>
+                      </p:childTnLst>
+                    </p:cTn>
+                  </p:par>
+                </p:childTnLst>
+              </p:cTn>
+              <p:prevCondLst>
+                <p:cond evt="onPrev" delay="0">
+                  <p:tgtEl>
+                    <p:sldTgt/>
+                  </p:tgtEl>
+                </p:cond>
+              </p:prevCondLst>
+              <p:nextCondLst>
+                <p:cond evt="onNext" delay="0">
+                  <p:tgtEl>
+                    <p:sldTgt/>
+                  </p:tgtEl>
+                </p:cond>
+              </p:nextCondLst>
+            </p:seq>
+          </p:childTnLst>
+        </p:cTn>
+      </p:par>
+    </p:tnLst>
+    <p:bldLst>
+      <p:bldP spid="3" grpId="0" build="p"/>
+    </p:bldLst>
+  </p:timing>
+</p:sld>
+</file>
+
+<file path=ppt/slides/slide15.xml><?xml version="1.0" encoding="utf-8"?>
+<p:sld xmlns:a="http://schemas.openxmlformats.org/drawingml/2006/main" xmlns:r="http://schemas.openxmlformats.org/officeDocument/2006/relationships" xmlns:p="http://schemas.openxmlformats.org/presentationml/2006/main">
+  <p:cSld>
+    <p:spTree>
+      <p:nvGrpSpPr>
+        <p:cNvPr id="1" name=""/>
+        <p:cNvGrpSpPr/>
+        <p:nvPr/>
+      </p:nvGrpSpPr>
+      <p:grpSpPr>
+        <a:xfrm>
+          <a:off x="0" y="0"/>
+          <a:ext cx="0" cy="0"/>
+          <a:chOff x="0" y="0"/>
+          <a:chExt cx="0" cy="0"/>
+        </a:xfrm>
+      </p:grpSpPr>
+      <p:sp>
+        <p:nvSpPr>
+          <p:cNvPr id="2" name="Title 1"/>
+          <p:cNvSpPr>
+            <a:spLocks noGrp="1"/>
+          </p:cNvSpPr>
+          <p:nvPr>
+            <p:ph type="title"/>
+          </p:nvPr>
+        </p:nvSpPr>
+        <p:spPr>
+          <a:xfrm>
+            <a:off x="76200" y="228600"/>
+            <a:ext cx="4038601" cy="1939565"/>
+          </a:xfrm>
+        </p:spPr>
+        <p:txBody>
+          <a:bodyPr/>
+          <a:lstStyle/>
+          <a:p>
+            <a:pPr algn="ctr"/>
+            <a:r>
+              <a:rPr lang="en-US" dirty="0" smtClean="0"/>
+              <a:t>The KINGDOM OF GOD</a:t>
+            </a:r>
+            <a:endParaRPr lang="en-US" dirty="0"/>
+          </a:p>
+        </p:txBody>
+      </p:sp>
+      <p:sp>
+        <p:nvSpPr>
+          <p:cNvPr id="3" name="Content Placeholder 2"/>
+          <p:cNvSpPr>
+            <a:spLocks noGrp="1"/>
+          </p:cNvSpPr>
+          <p:nvPr>
+            <p:ph sz="quarter" idx="13"/>
+          </p:nvPr>
+        </p:nvSpPr>
+        <p:spPr>
+          <a:xfrm>
+            <a:off x="228601" y="3276600"/>
+            <a:ext cx="8534400" cy="3246438"/>
+          </a:xfrm>
+        </p:spPr>
+        <p:txBody>
+          <a:bodyPr>
+            <a:normAutofit/>
+          </a:bodyPr>
+          <a:lstStyle/>
+          <a:p>
+            <a:r>
+              <a:rPr lang="en-US" sz="3200" dirty="0" smtClean="0"/>
+              <a:t>The Keys</a:t>
+            </a:r>
+          </a:p>
+          <a:p>
+            <a:r>
+              <a:rPr lang="en-US" sz="3200" dirty="0" smtClean="0"/>
+              <a:t>Signs and Wonders</a:t>
+            </a:r>
+          </a:p>
+          <a:p>
+            <a:r>
+              <a:rPr lang="en-US" sz="3200" dirty="0" smtClean="0"/>
+              <a:t>Holy Spirit – </a:t>
+            </a:r>
+            <a:r>
+              <a:rPr lang="en-US" sz="3200" dirty="0" err="1" smtClean="0"/>
+              <a:t>Paraclete</a:t>
+            </a:r>
+            <a:endParaRPr lang="en-US" sz="3200" dirty="0" smtClean="0"/>
+          </a:p>
+          <a:p>
+            <a:endParaRPr lang="en-US" sz="3200" dirty="0" smtClean="0"/>
+          </a:p>
+        </p:txBody>
+      </p:sp>
+      <p:pic>
+        <p:nvPicPr>
+          <p:cNvPr id="5" name="Picture 2" descr="http://www.radionewjerusalem.com/Catholic/Jail_Reflections/Jail_Images/lg.Peter-Keys.jpeg"/>
+          <p:cNvPicPr>
+            <a:picLocks noChangeAspect="1" noChangeArrowheads="1"/>
+          </p:cNvPicPr>
+          <p:nvPr/>
+        </p:nvPicPr>
+        <p:blipFill>
+          <a:blip r:embed="rId3">
+            <a:extLst>
+              <a:ext uri="{28A0092B-C50C-407E-A947-70E740481C1C}">
+                <a14:useLocalDpi xmlns:a14="http://schemas.microsoft.com/office/drawing/2010/main" val="0"/>
+              </a:ext>
+            </a:extLst>
+          </a:blip>
+          <a:srcRect/>
+          <a:stretch>
+            <a:fillRect/>
+          </a:stretch>
+        </p:blipFill>
+        <p:spPr bwMode="auto">
+          <a:xfrm>
+            <a:off x="4114800" y="533400"/>
+            <a:ext cx="4891054" cy="5791200"/>
+          </a:xfrm>
+          <a:prstGeom prst="rect">
+            <a:avLst/>
+          </a:prstGeom>
+          <a:noFill/>
+          <a:extLst>
+            <a:ext uri="{909E8E84-426E-40DD-AFC4-6F175D3DCCD1}">
+              <a14:hiddenFill xmlns:a14="http://schemas.microsoft.com/office/drawing/2010/main">
+                <a:solidFill>
+                  <a:srgbClr val="FFFFFF"/>
+                </a:solidFill>
+              </a14:hiddenFill>
+            </a:ext>
+          </a:extLst>
+        </p:spPr>
+      </p:pic>
+    </p:spTree>
+    <p:extLst>
+      <p:ext uri="{BB962C8B-B14F-4D97-AF65-F5344CB8AC3E}">
+        <p14:creationId xmlns:p14="http://schemas.microsoft.com/office/powerpoint/2010/main" val="3140455319"/>
+      </p:ext>
+    </p:extLst>
+  </p:cSld>
+  <p:clrMapOvr>
+    <a:masterClrMapping/>
+  </p:clrMapOvr>
+  <p:timing>
+    <p:tnLst>
+      <p:par>
+        <p:cTn id="1" dur="indefinite" restart="never" nodeType="tmRoot"/>
+      </p:par>
+    </p:tnLst>
+  </p:timing>
+</p:sld>
+</file>
+
+<file path=ppt/slides/slide16.xml><?xml version="1.0" encoding="utf-8"?>
+<p:sld xmlns:a="http://schemas.openxmlformats.org/drawingml/2006/main" xmlns:r="http://schemas.openxmlformats.org/officeDocument/2006/relationships" xmlns:p="http://schemas.openxmlformats.org/presentationml/2006/main">
+  <p:cSld>
+    <p:spTree>
+      <p:nvGrpSpPr>
+        <p:cNvPr id="1" name=""/>
+        <p:cNvGrpSpPr/>
+        <p:nvPr/>
+      </p:nvGrpSpPr>
+      <p:grpSpPr>
+        <a:xfrm>
+          <a:off x="0" y="0"/>
+          <a:ext cx="0" cy="0"/>
+          <a:chOff x="0" y="0"/>
+          <a:chExt cx="0" cy="0"/>
+        </a:xfrm>
+      </p:grpSpPr>
+      <p:pic>
+        <p:nvPicPr>
+          <p:cNvPr id="2050" name="Picture 2" descr="http://lisagraas.com/blog/wp-content/uploads/2012/06/passion-e1339301381566.jpg"/>
+          <p:cNvPicPr>
+            <a:picLocks noChangeAspect="1" noChangeArrowheads="1"/>
+          </p:cNvPicPr>
+          <p:nvPr/>
+        </p:nvPicPr>
+        <p:blipFill>
+          <a:blip r:embed="rId3">
+            <a:extLst>
+              <a:ext uri="{28A0092B-C50C-407E-A947-70E740481C1C}">
+                <a14:useLocalDpi xmlns:a14="http://schemas.microsoft.com/office/drawing/2010/main" val="0"/>
+              </a:ext>
+            </a:extLst>
+          </a:blip>
+          <a:srcRect/>
+          <a:stretch>
+            <a:fillRect/>
+          </a:stretch>
+        </p:blipFill>
+        <p:spPr bwMode="auto">
+          <a:xfrm>
+            <a:off x="0" y="3200400"/>
+            <a:ext cx="5715000" cy="3657600"/>
+          </a:xfrm>
+          <a:prstGeom prst="rect">
+            <a:avLst/>
+          </a:prstGeom>
+          <a:noFill/>
+          <a:extLst>
+            <a:ext uri="{909E8E84-426E-40DD-AFC4-6F175D3DCCD1}">
+              <a14:hiddenFill xmlns:a14="http://schemas.microsoft.com/office/drawing/2010/main">
+                <a:solidFill>
+                  <a:srgbClr val="FFFFFF"/>
+                </a:solidFill>
+              </a14:hiddenFill>
+            </a:ext>
+          </a:extLst>
+        </p:spPr>
+      </p:pic>
+      <p:sp>
+        <p:nvSpPr>
+          <p:cNvPr id="2" name="Title 1"/>
+          <p:cNvSpPr>
+            <a:spLocks noGrp="1"/>
+          </p:cNvSpPr>
+          <p:nvPr>
+            <p:ph type="title"/>
+          </p:nvPr>
+        </p:nvSpPr>
+        <p:spPr>
+          <a:xfrm>
+            <a:off x="76200" y="228600"/>
+            <a:ext cx="4038601" cy="1939565"/>
+          </a:xfrm>
+        </p:spPr>
+        <p:txBody>
+          <a:bodyPr/>
+          <a:lstStyle/>
+          <a:p>
+            <a:pPr algn="ctr"/>
+            <a:r>
+              <a:rPr lang="en-US" dirty="0" smtClean="0"/>
+              <a:t>The Body of CHRIST</a:t>
+            </a:r>
+            <a:endParaRPr lang="en-US" dirty="0"/>
+          </a:p>
+        </p:txBody>
+      </p:sp>
+      <p:sp>
+        <p:nvSpPr>
+          <p:cNvPr id="3" name="Content Placeholder 2"/>
+          <p:cNvSpPr>
+            <a:spLocks noGrp="1"/>
+          </p:cNvSpPr>
+          <p:nvPr>
+            <p:ph sz="quarter" idx="13"/>
+          </p:nvPr>
+        </p:nvSpPr>
+        <p:spPr>
+          <a:xfrm>
+            <a:off x="4953000" y="0"/>
+            <a:ext cx="4191000" cy="4495800"/>
+          </a:xfrm>
+        </p:spPr>
+        <p:txBody>
+          <a:bodyPr>
+            <a:normAutofit/>
+          </a:bodyPr>
+          <a:lstStyle/>
+          <a:p>
+            <a:r>
+              <a:rPr lang="en-US" sz="3200" dirty="0" smtClean="0"/>
+              <a:t>Communion with Jesus</a:t>
+            </a:r>
+          </a:p>
+          <a:p>
+            <a:r>
+              <a:rPr lang="en-US" sz="3200" dirty="0" smtClean="0"/>
+              <a:t>One Body</a:t>
+            </a:r>
+          </a:p>
+          <a:p>
+            <a:r>
+              <a:rPr lang="en-US" sz="3200" dirty="0" smtClean="0"/>
+              <a:t>Christ as the Head</a:t>
+            </a:r>
+          </a:p>
+          <a:p>
+            <a:r>
+              <a:rPr lang="en-US" sz="3200" dirty="0" smtClean="0"/>
+              <a:t>Bride of Christ</a:t>
+            </a:r>
+          </a:p>
+          <a:p>
+            <a:r>
+              <a:rPr lang="en-US" sz="3200" dirty="0" smtClean="0"/>
+              <a:t>The New Temple</a:t>
+            </a:r>
+            <a:endParaRPr lang="en-US" sz="3200" dirty="0" smtClean="0"/>
+          </a:p>
+        </p:txBody>
+      </p:sp>
+    </p:spTree>
+    <p:extLst>
+      <p:ext uri="{BB962C8B-B14F-4D97-AF65-F5344CB8AC3E}">
+        <p14:creationId xmlns:p14="http://schemas.microsoft.com/office/powerpoint/2010/main" val="1657568646"/>
+      </p:ext>
+    </p:extLst>
+  </p:cSld>
+  <p:clrMapOvr>
+    <a:masterClrMapping/>
+  </p:clrMapOvr>
+  <p:timing>
+    <p:tnLst>
+      <p:par>
+        <p:cTn id="1" dur="indefinite" restart="never" nodeType="tmRoot">
+          <p:childTnLst>
+            <p:seq concurrent="1" nextAc="seek">
+              <p:cTn id="2" dur="indefinite" nodeType="mainSeq">
+                <p:childTnLst>
+                  <p:par>
+                    <p:cTn id="3" fill="hold">
+                      <p:stCondLst>
+                        <p:cond delay="indefinite"/>
+                      </p:stCondLst>
+                      <p:childTnLst>
+                        <p:par>
+                          <p:cTn id="4" fill="hold">
+                            <p:stCondLst>
+                              <p:cond delay="0"/>
+                            </p:stCondLst>
+                            <p:childTnLst>
+                              <p:par>
+                                <p:cTn id="5" presetID="1" presetClass="entr" presetSubtype="0" fill="hold" grpId="0" nodeType="clickEffect">
+                                  <p:stCondLst>
+                                    <p:cond delay="0"/>
+                                  </p:stCondLst>
+                                  <p:childTnLst>
+                                    <p:set>
+                                      <p:cBhvr>
+                                        <p:cTn id="6" dur="1" fill="hold">
+                                          <p:stCondLst>
+                                            <p:cond delay="0"/>
+                                          </p:stCondLst>
+                                        </p:cTn>
+                                        <p:tgtEl>
+                                          <p:spTgt spid="3">
+                                            <p:txEl>
+                                              <p:pRg st="0" end="0"/>
+                                            </p:txEl>
+                                          </p:spTgt>
+                                        </p:tgtEl>
+                                        <p:attrNameLst>
+                                          <p:attrName>style.visibility</p:attrName>
+                                        </p:attrNameLst>
+                                      </p:cBhvr>
+                                      <p:to>
+                                        <p:strVal val="visible"/>
+                                      </p:to>
+                                    </p:set>
+                                  </p:childTnLst>
+                                </p:cTn>
+                              </p:par>
+                            </p:childTnLst>
+                          </p:cTn>
+                        </p:par>
+                      </p:childTnLst>
+                    </p:cTn>
+                  </p:par>
+                  <p:par>
+                    <p:cTn id="7" fill="hold">
+                      <p:stCondLst>
+                        <p:cond delay="indefinite"/>
+                      </p:stCondLst>
+                      <p:childTnLst>
+                        <p:par>
+                          <p:cTn id="8" fill="hold">
+                            <p:stCondLst>
+                              <p:cond delay="0"/>
+                            </p:stCondLst>
+                            <p:childTnLst>
+                              <p:par>
+                                <p:cTn id="9" presetID="1" presetClass="entr" presetSubtype="0" fill="hold" grpId="0" nodeType="clickEffect">
+                                  <p:stCondLst>
+                                    <p:cond delay="0"/>
+                                  </p:stCondLst>
+                                  <p:childTnLst>
+                                    <p:set>
+                                      <p:cBhvr>
+                                        <p:cTn id="10" dur="1" fill="hold">
+                                          <p:stCondLst>
+                                            <p:cond delay="0"/>
+                                          </p:stCondLst>
+                                        </p:cTn>
+                                        <p:tgtEl>
+                                          <p:spTgt spid="3">
+                                            <p:txEl>
+                                              <p:pRg st="1" end="1"/>
+                                            </p:txEl>
+                                          </p:spTgt>
+                                        </p:tgtEl>
+                                        <p:attrNameLst>
+                                          <p:attrName>style.visibility</p:attrName>
+                                        </p:attrNameLst>
+                                      </p:cBhvr>
+                                      <p:to>
+                                        <p:strVal val="visible"/>
+                                      </p:to>
+                                    </p:set>
+                                  </p:childTnLst>
+                                </p:cTn>
+                              </p:par>
+                            </p:childTnLst>
+                          </p:cTn>
+                        </p:par>
+                      </p:childTnLst>
+                    </p:cTn>
+                  </p:par>
+                  <p:par>
+                    <p:cTn id="11" fill="hold">
+                      <p:stCondLst>
+                        <p:cond delay="indefinite"/>
+                      </p:stCondLst>
+                      <p:childTnLst>
+                        <p:par>
+                          <p:cTn id="12" fill="hold">
+                            <p:stCondLst>
+                              <p:cond delay="0"/>
+                            </p:stCondLst>
+                            <p:childTnLst>
+                              <p:par>
+                                <p:cTn id="13" presetID="1" presetClass="entr" presetSubtype="0" fill="hold" grpId="0" nodeType="clickEffect">
+                                  <p:stCondLst>
+                                    <p:cond delay="0"/>
+                                  </p:stCondLst>
+                                  <p:childTnLst>
+                                    <p:set>
+                                      <p:cBhvr>
+                                        <p:cTn id="14" dur="1" fill="hold">
+                                          <p:stCondLst>
+                                            <p:cond delay="0"/>
+                                          </p:stCondLst>
+                                        </p:cTn>
+                                        <p:tgtEl>
+                                          <p:spTgt spid="3">
+                                            <p:txEl>
+                                              <p:pRg st="2" end="2"/>
+                                            </p:txEl>
+                                          </p:spTgt>
+                                        </p:tgtEl>
+                                        <p:attrNameLst>
+                                          <p:attrName>style.visibility</p:attrName>
+                                        </p:attrNameLst>
+                                      </p:cBhvr>
+                                      <p:to>
+                                        <p:strVal val="visible"/>
+                                      </p:to>
+                                    </p:set>
+                                  </p:childTnLst>
+                                </p:cTn>
+                              </p:par>
+                            </p:childTnLst>
+                          </p:cTn>
+                        </p:par>
+                      </p:childTnLst>
+                    </p:cTn>
+                  </p:par>
+                  <p:par>
+                    <p:cTn id="15" fill="hold">
+                      <p:stCondLst>
+                        <p:cond delay="indefinite"/>
+                      </p:stCondLst>
+                      <p:childTnLst>
+                        <p:par>
+                          <p:cTn id="16" fill="hold">
+                            <p:stCondLst>
+                              <p:cond delay="0"/>
+                            </p:stCondLst>
+                            <p:childTnLst>
+                              <p:par>
+                                <p:cTn id="17" presetID="1" presetClass="entr" presetSubtype="0" fill="hold" grpId="0" nodeType="clickEffect">
+                                  <p:stCondLst>
+                                    <p:cond delay="0"/>
+                                  </p:stCondLst>
+                                  <p:childTnLst>
+                                    <p:set>
+                                      <p:cBhvr>
+                                        <p:cTn id="18" dur="1" fill="hold">
+                                          <p:stCondLst>
+                                            <p:cond delay="0"/>
+                                          </p:stCondLst>
+                                        </p:cTn>
+                                        <p:tgtEl>
+                                          <p:spTgt spid="3">
+                                            <p:txEl>
+                                              <p:pRg st="3" end="3"/>
+                                            </p:txEl>
+                                          </p:spTgt>
+                                        </p:tgtEl>
+                                        <p:attrNameLst>
+                                          <p:attrName>style.visibility</p:attrName>
+                                        </p:attrNameLst>
+                                      </p:cBhvr>
+                                      <p:to>
+                                        <p:strVal val="visible"/>
+                                      </p:to>
+                                    </p:set>
+                                  </p:childTnLst>
+                                </p:cTn>
+                              </p:par>
+                            </p:childTnLst>
+                          </p:cTn>
+                        </p:par>
+                      </p:childTnLst>
+                    </p:cTn>
+                  </p:par>
+                  <p:par>
+                    <p:cTn id="19" fill="hold">
+                      <p:stCondLst>
+                        <p:cond delay="indefinite"/>
+                      </p:stCondLst>
+                      <p:childTnLst>
+                        <p:par>
+                          <p:cTn id="20" fill="hold">
+                            <p:stCondLst>
+                              <p:cond delay="0"/>
+                            </p:stCondLst>
+                            <p:childTnLst>
+                              <p:par>
+                                <p:cTn id="21" presetID="1" presetClass="entr" presetSubtype="0" fill="hold" grpId="0" nodeType="clickEffect">
+                                  <p:stCondLst>
+                                    <p:cond delay="0"/>
+                                  </p:stCondLst>
+                                  <p:childTnLst>
+                                    <p:set>
+                                      <p:cBhvr>
+                                        <p:cTn id="22" dur="1" fill="hold">
+                                          <p:stCondLst>
+                                            <p:cond delay="0"/>
+                                          </p:stCondLst>
+                                        </p:cTn>
+                                        <p:tgtEl>
+                                          <p:spTgt spid="3">
+                                            <p:txEl>
+                                              <p:pRg st="4" end="4"/>
+                                            </p:txEl>
+                                          </p:spTgt>
+                                        </p:tgtEl>
+                                        <p:attrNameLst>
+                                          <p:attrName>style.visibility</p:attrName>
+                                        </p:attrNameLst>
+                                      </p:cBhvr>
+                                      <p:to>
+                                        <p:strVal val="visible"/>
+                                      </p:to>
+                                    </p:set>
+                                  </p:childTnLst>
+                                </p:cTn>
+                              </p:par>
+                            </p:childTnLst>
+                          </p:cTn>
+                        </p:par>
+                      </p:childTnLst>
+                    </p:cTn>
+                  </p:par>
+                </p:childTnLst>
+              </p:cTn>
+              <p:prevCondLst>
+                <p:cond evt="onPrev" delay="0">
+                  <p:tgtEl>
+                    <p:sldTgt/>
+                  </p:tgtEl>
+                </p:cond>
+              </p:prevCondLst>
+              <p:nextCondLst>
+                <p:cond evt="onNext" delay="0">
+                  <p:tgtEl>
+                    <p:sldTgt/>
+                  </p:tgtEl>
+                </p:cond>
+              </p:nextCondLst>
+            </p:seq>
+          </p:childTnLst>
+        </p:cTn>
+      </p:par>
+    </p:tnLst>
+    <p:bldLst>
+      <p:bldP spid="3" grpId="0" build="p"/>
+    </p:bldLst>
+  </p:timing>
+</p:sld>
+</file>
+
+<file path=ppt/slides/slide17.xml><?xml version="1.0" encoding="utf-8"?>
+<p:sld xmlns:a="http://schemas.openxmlformats.org/drawingml/2006/main" xmlns:r="http://schemas.openxmlformats.org/officeDocument/2006/relationships" xmlns:p="http://schemas.openxmlformats.org/presentationml/2006/main">
+  <p:cSld>
+    <p:spTree>
+      <p:nvGrpSpPr>
+        <p:cNvPr id="1" name=""/>
+        <p:cNvGrpSpPr/>
+        <p:nvPr/>
+      </p:nvGrpSpPr>
+      <p:grpSpPr>
+        <a:xfrm>
+          <a:off x="0" y="0"/>
+          <a:ext cx="0" cy="0"/>
+          <a:chOff x="0" y="0"/>
+          <a:chExt cx="0" cy="0"/>
+        </a:xfrm>
+      </p:grpSpPr>
+      <p:sp>
+        <p:nvSpPr>
+          <p:cNvPr id="2" name="Title 1"/>
+          <p:cNvSpPr>
+            <a:spLocks noGrp="1"/>
+          </p:cNvSpPr>
+          <p:nvPr>
+            <p:ph type="title"/>
+          </p:nvPr>
+        </p:nvSpPr>
+        <p:spPr>
+          <a:xfrm>
+            <a:off x="381000" y="4969371"/>
+            <a:ext cx="7924800" cy="1143000"/>
+          </a:xfrm>
+        </p:spPr>
+        <p:txBody>
+          <a:bodyPr/>
+          <a:lstStyle/>
+          <a:p>
+            <a:r>
+              <a:rPr lang="en-US" dirty="0" smtClean="0"/>
+              <a:t>The Word of God</a:t>
+            </a:r>
+            <a:endParaRPr lang="en-US" dirty="0"/>
+          </a:p>
+        </p:txBody>
+      </p:sp>
+      <p:sp>
+        <p:nvSpPr>
+          <p:cNvPr id="3" name="Content Placeholder 2"/>
+          <p:cNvSpPr>
+            <a:spLocks noGrp="1"/>
+          </p:cNvSpPr>
+          <p:nvPr>
+            <p:ph sz="quarter" idx="13"/>
+          </p:nvPr>
+        </p:nvSpPr>
+        <p:spPr/>
+        <p:txBody>
+          <a:bodyPr/>
+          <a:lstStyle/>
+          <a:p>
+            <a:endParaRPr lang="en-US" dirty="0"/>
+          </a:p>
+        </p:txBody>
+      </p:sp>
+      <p:pic>
+        <p:nvPicPr>
+          <p:cNvPr id="3074" name="Picture 2" descr="http://www.aschristintended.com/wp-content/uploads/2012/02/Caravaggio_St.-Jerome-1024x742.jpg"/>
+          <p:cNvPicPr>
+            <a:picLocks noChangeAspect="1" noChangeArrowheads="1"/>
+          </p:cNvPicPr>
+          <p:nvPr/>
+        </p:nvPicPr>
+        <p:blipFill>
+          <a:blip r:embed="rId2">
+            <a:extLst>
+              <a:ext uri="{28A0092B-C50C-407E-A947-70E740481C1C}">
+                <a14:useLocalDpi xmlns:a14="http://schemas.microsoft.com/office/drawing/2010/main" val="0"/>
+              </a:ext>
+            </a:extLst>
+          </a:blip>
+          <a:srcRect/>
+          <a:stretch>
+            <a:fillRect/>
+          </a:stretch>
+        </p:blipFill>
+        <p:spPr bwMode="auto">
+          <a:xfrm>
+            <a:off x="2286000" y="0"/>
+            <a:ext cx="6858000" cy="4969371"/>
+          </a:xfrm>
+          <a:prstGeom prst="rect">
+            <a:avLst/>
+          </a:prstGeom>
+          <a:noFill/>
+          <a:extLst>
+            <a:ext uri="{909E8E84-426E-40DD-AFC4-6F175D3DCCD1}">
+              <a14:hiddenFill xmlns:a14="http://schemas.microsoft.com/office/drawing/2010/main">
+                <a:solidFill>
+                  <a:srgbClr val="FFFFFF"/>
+                </a:solidFill>
+              </a14:hiddenFill>
+            </a:ext>
+          </a:extLst>
+        </p:spPr>
+      </p:pic>
+    </p:spTree>
+    <p:extLst>
+      <p:ext uri="{BB962C8B-B14F-4D97-AF65-F5344CB8AC3E}">
+        <p14:creationId xmlns:p14="http://schemas.microsoft.com/office/powerpoint/2010/main" val="899918396"/>
+      </p:ext>
+    </p:extLst>
+  </p:cSld>
+  <p:clrMapOvr>
+    <a:masterClrMapping/>
+  </p:clrMapOvr>
+  <p:timing>
+    <p:tnLst>
+      <p:par>
+        <p:cTn id="1" dur="indefinite" restart="never" nodeType="tmRoot"/>
+      </p:par>
+    </p:tnLst>
+  </p:timing>
+</p:sld>
+</file>
+
+<file path=ppt/slides/slide18.xml><?xml version="1.0" encoding="utf-8"?>
+<p:sld xmlns:a="http://schemas.openxmlformats.org/drawingml/2006/main" xmlns:r="http://schemas.openxmlformats.org/officeDocument/2006/relationships" xmlns:p="http://schemas.openxmlformats.org/presentationml/2006/main">
+  <p:cSld>
+    <p:spTree>
+      <p:nvGrpSpPr>
+        <p:cNvPr id="1" name=""/>
+        <p:cNvGrpSpPr/>
+        <p:nvPr/>
+      </p:nvGrpSpPr>
+      <p:grpSpPr>
+        <a:xfrm>
+          <a:off x="0" y="0"/>
+          <a:ext cx="0" cy="0"/>
+          <a:chOff x="0" y="0"/>
+          <a:chExt cx="0" cy="0"/>
+        </a:xfrm>
+      </p:grpSpPr>
+      <p:sp>
+        <p:nvSpPr>
+          <p:cNvPr id="3" name="Content Placeholder 2"/>
+          <p:cNvSpPr>
+            <a:spLocks noGrp="1"/>
+          </p:cNvSpPr>
+          <p:nvPr>
+            <p:ph sz="quarter" idx="13"/>
+          </p:nvPr>
+        </p:nvSpPr>
+        <p:spPr>
+          <a:xfrm>
+            <a:off x="304800" y="381000"/>
+            <a:ext cx="8610600" cy="1828800"/>
+          </a:xfrm>
+        </p:spPr>
+        <p:txBody>
+          <a:bodyPr>
+            <a:normAutofit/>
+          </a:bodyPr>
+          <a:lstStyle/>
+          <a:p>
+            <a:pPr marL="0" indent="0">
+              <a:buNone/>
+            </a:pPr>
+            <a:r>
+              <a:rPr lang="en-US" sz="2300" dirty="0"/>
+              <a:t>“Go into the whole world and proclaim the gospel to every creature. Whoever believes and is baptized will be saved; whoever does not believe will be condemned</a:t>
+            </a:r>
+            <a:r>
+              <a:rPr lang="en-US" sz="2300" dirty="0" smtClean="0"/>
+              <a:t>.”</a:t>
+            </a:r>
+            <a:endParaRPr lang="en-US" dirty="0" smtClean="0"/>
+          </a:p>
+          <a:p>
+            <a:pPr marL="0" indent="0" algn="r">
+              <a:buNone/>
+            </a:pPr>
+            <a:r>
+              <a:rPr lang="en-US" sz="3300" b="1" i="1" dirty="0" smtClean="0"/>
+              <a:t>- Mark 16:15-16</a:t>
+            </a:r>
+            <a:endParaRPr lang="en-US" sz="3300" b="1" i="1" dirty="0"/>
+          </a:p>
+        </p:txBody>
+      </p:sp>
+      <p:sp>
+        <p:nvSpPr>
+          <p:cNvPr id="4" name="Content Placeholder 2"/>
+          <p:cNvSpPr txBox="1">
+            <a:spLocks/>
+          </p:cNvSpPr>
+          <p:nvPr/>
+        </p:nvSpPr>
+        <p:spPr>
+          <a:xfrm>
+            <a:off x="304800" y="2514600"/>
+            <a:ext cx="8610600" cy="1828800"/>
+          </a:xfrm>
+          <a:prstGeom prst="rect">
+            <a:avLst/>
+          </a:prstGeom>
+        </p:spPr>
+        <p:txBody>
+          <a:bodyPr vert="horz" lIns="91440" tIns="45720" rIns="91440" bIns="45720" rtlCol="0">
+            <a:normAutofit/>
+          </a:bodyPr>
+          <a:lstStyle>
+            <a:lvl1pPr marL="342900" indent="-342900" algn="l" defTabSz="914400" rtl="0" eaLnBrk="1" latinLnBrk="0" hangingPunct="1">
+              <a:lnSpc>
+                <a:spcPct val="100000"/>
+              </a:lnSpc>
+              <a:spcBef>
+                <a:spcPct val="20000"/>
+              </a:spcBef>
+              <a:spcAft>
+                <a:spcPts val="600"/>
+              </a:spcAft>
+              <a:buClr>
+                <a:schemeClr val="tx2"/>
+              </a:buClr>
+              <a:buFont typeface="Arial" pitchFamily="34" charset="0"/>
+              <a:buChar char="•"/>
+              <a:defRPr sz="1700" kern="1200" spc="30" baseline="0">
+                <a:solidFill>
+                  <a:schemeClr val="tx1"/>
+                </a:solidFill>
+                <a:latin typeface="+mn-lt"/>
+                <a:ea typeface="+mn-ea"/>
+                <a:cs typeface="+mn-cs"/>
+              </a:defRPr>
+            </a:lvl1pPr>
+            <a:lvl2pPr marL="742950" indent="-285750" algn="l" defTabSz="914400" rtl="0" eaLnBrk="1" latinLnBrk="0" hangingPunct="1">
+              <a:lnSpc>
+                <a:spcPct val="100000"/>
+              </a:lnSpc>
+              <a:spcBef>
+                <a:spcPct val="20000"/>
+              </a:spcBef>
+              <a:spcAft>
+                <a:spcPts val="600"/>
+              </a:spcAft>
+              <a:buClr>
+                <a:schemeClr val="tx2"/>
+              </a:buClr>
+              <a:buFont typeface="Arial" pitchFamily="34" charset="0"/>
+              <a:buChar char="•"/>
+              <a:defRPr sz="1700" kern="1200" spc="30" baseline="0">
+                <a:solidFill>
+                  <a:schemeClr val="tx1"/>
+                </a:solidFill>
+                <a:latin typeface="+mn-lt"/>
+                <a:ea typeface="+mn-ea"/>
+                <a:cs typeface="+mn-cs"/>
+              </a:defRPr>
+            </a:lvl2pPr>
+            <a:lvl3pPr marL="1143000" indent="-228600" algn="l" defTabSz="914400" rtl="0" eaLnBrk="1" latinLnBrk="0" hangingPunct="1">
+              <a:lnSpc>
+                <a:spcPct val="100000"/>
+              </a:lnSpc>
+              <a:spcBef>
+                <a:spcPct val="20000"/>
+              </a:spcBef>
+              <a:spcAft>
+                <a:spcPts val="600"/>
+              </a:spcAft>
+              <a:buClr>
+                <a:schemeClr val="tx2"/>
+              </a:buClr>
+              <a:buFont typeface="Arial" pitchFamily="34" charset="0"/>
+              <a:buChar char="•"/>
+              <a:defRPr sz="1700" kern="1200" spc="30" baseline="0">
+                <a:solidFill>
+                  <a:schemeClr val="tx1"/>
+                </a:solidFill>
+                <a:latin typeface="+mn-lt"/>
+                <a:ea typeface="+mn-ea"/>
+                <a:cs typeface="+mn-cs"/>
+              </a:defRPr>
+            </a:lvl3pPr>
+            <a:lvl4pPr marL="1600200" indent="-228600" algn="l" defTabSz="914400" rtl="0" eaLnBrk="1" latinLnBrk="0" hangingPunct="1">
+              <a:lnSpc>
+                <a:spcPct val="100000"/>
+              </a:lnSpc>
+              <a:spcBef>
+                <a:spcPct val="20000"/>
+              </a:spcBef>
+              <a:spcAft>
+                <a:spcPts val="600"/>
+              </a:spcAft>
+              <a:buClr>
+                <a:schemeClr val="tx2"/>
+              </a:buClr>
+              <a:buFont typeface="Arial" pitchFamily="34" charset="0"/>
+              <a:buChar char="•"/>
+              <a:defRPr sz="1700" kern="1200" spc="30" baseline="0">
+                <a:solidFill>
+                  <a:schemeClr val="tx1"/>
+                </a:solidFill>
+                <a:latin typeface="+mn-lt"/>
+                <a:ea typeface="+mn-ea"/>
+                <a:cs typeface="+mn-cs"/>
+              </a:defRPr>
+            </a:lvl4pPr>
+            <a:lvl5pPr marL="2057400" indent="-228600" algn="l" defTabSz="914400" rtl="0" eaLnBrk="1" latinLnBrk="0" hangingPunct="1">
+              <a:lnSpc>
+                <a:spcPct val="100000"/>
+              </a:lnSpc>
+              <a:spcBef>
+                <a:spcPct val="20000"/>
+              </a:spcBef>
+              <a:spcAft>
+                <a:spcPts val="600"/>
+              </a:spcAft>
+              <a:buClr>
+                <a:schemeClr val="tx2"/>
+              </a:buClr>
+              <a:buFont typeface="Arial" pitchFamily="34" charset="0"/>
+              <a:buChar char="•"/>
+              <a:defRPr sz="1700" kern="1200" spc="30" baseline="0">
+                <a:solidFill>
+                  <a:schemeClr val="tx1"/>
+                </a:solidFill>
+                <a:latin typeface="+mn-lt"/>
+                <a:ea typeface="+mn-ea"/>
+                <a:cs typeface="+mn-cs"/>
+              </a:defRPr>
+            </a:lvl5pPr>
+            <a:lvl6pPr marL="2514600" indent="-228600" algn="l" defTabSz="914400" rtl="0" eaLnBrk="1" latinLnBrk="0" hangingPunct="1">
+              <a:lnSpc>
+                <a:spcPct val="100000"/>
+              </a:lnSpc>
+              <a:spcBef>
+                <a:spcPct val="20000"/>
+              </a:spcBef>
+              <a:spcAft>
+                <a:spcPts val="600"/>
+              </a:spcAft>
+              <a:buClr>
+                <a:schemeClr val="tx2"/>
+              </a:buClr>
+              <a:buFont typeface="Arial" pitchFamily="34" charset="0"/>
+              <a:buChar char="•"/>
+              <a:defRPr sz="1700" kern="1200">
+                <a:solidFill>
+                  <a:schemeClr val="tx1"/>
+                </a:solidFill>
+                <a:latin typeface="+mn-lt"/>
+                <a:ea typeface="+mn-ea"/>
+                <a:cs typeface="+mn-cs"/>
+              </a:defRPr>
+            </a:lvl6pPr>
+            <a:lvl7pPr marL="2971800" indent="-228600" algn="l" defTabSz="914400" rtl="0" eaLnBrk="1" latinLnBrk="0" hangingPunct="1">
+              <a:lnSpc>
+                <a:spcPct val="100000"/>
+              </a:lnSpc>
+              <a:spcBef>
+                <a:spcPct val="20000"/>
+              </a:spcBef>
+              <a:spcAft>
+                <a:spcPts val="600"/>
+              </a:spcAft>
+              <a:buClr>
+                <a:schemeClr val="tx2"/>
+              </a:buClr>
+              <a:buFont typeface="Arial" pitchFamily="34" charset="0"/>
+              <a:buChar char="•"/>
+              <a:defRPr sz="1700" kern="1200">
+                <a:solidFill>
+                  <a:schemeClr val="tx1"/>
+                </a:solidFill>
+                <a:latin typeface="+mn-lt"/>
+                <a:ea typeface="+mn-ea"/>
+                <a:cs typeface="+mn-cs"/>
+              </a:defRPr>
+            </a:lvl7pPr>
+            <a:lvl8pPr marL="3429000" indent="-228600" algn="l" defTabSz="914400" rtl="0" eaLnBrk="1" latinLnBrk="0" hangingPunct="1">
+              <a:lnSpc>
+                <a:spcPct val="100000"/>
+              </a:lnSpc>
+              <a:spcBef>
+                <a:spcPct val="20000"/>
+              </a:spcBef>
+              <a:spcAft>
+                <a:spcPts val="600"/>
+              </a:spcAft>
+              <a:buClr>
+                <a:schemeClr val="tx2"/>
+              </a:buClr>
+              <a:buFont typeface="Arial" pitchFamily="34" charset="0"/>
+              <a:buChar char="•"/>
+              <a:defRPr sz="1700" kern="1200">
+                <a:solidFill>
+                  <a:schemeClr val="tx1"/>
+                </a:solidFill>
+                <a:latin typeface="+mn-lt"/>
+                <a:ea typeface="+mn-ea"/>
+                <a:cs typeface="+mn-cs"/>
+              </a:defRPr>
+            </a:lvl8pPr>
+            <a:lvl9pPr marL="3886200" indent="-228600" algn="l" defTabSz="914400" rtl="0" eaLnBrk="1" latinLnBrk="0" hangingPunct="1">
+              <a:lnSpc>
+                <a:spcPct val="100000"/>
+              </a:lnSpc>
+              <a:spcBef>
+                <a:spcPct val="20000"/>
+              </a:spcBef>
+              <a:spcAft>
+                <a:spcPts val="600"/>
+              </a:spcAft>
+              <a:buClr>
+                <a:schemeClr val="tx2"/>
+              </a:buClr>
+              <a:buFont typeface="Arial" pitchFamily="34" charset="0"/>
+              <a:buChar char="•"/>
+              <a:defRPr sz="1700" kern="1200">
+                <a:solidFill>
+                  <a:schemeClr val="tx1"/>
+                </a:solidFill>
+                <a:latin typeface="+mn-lt"/>
+                <a:ea typeface="+mn-ea"/>
+                <a:cs typeface="+mn-cs"/>
+              </a:defRPr>
+            </a:lvl9pPr>
+          </a:lstStyle>
+          <a:p>
+            <a:pPr marL="0" indent="0">
+              <a:buNone/>
+            </a:pPr>
+            <a:r>
+              <a:rPr lang="en-US" sz="2300" dirty="0"/>
+              <a:t>“Whoever listens to you listens to me. Whoever rejects you rejects me. And whoever rejects me rejects the one who sent me.”</a:t>
+            </a:r>
+            <a:endParaRPr lang="en-US" dirty="0" smtClean="0"/>
+          </a:p>
+          <a:p>
+            <a:pPr marL="0" indent="0" algn="r">
+              <a:buFont typeface="Arial" pitchFamily="34" charset="0"/>
+              <a:buNone/>
+            </a:pPr>
+            <a:r>
+              <a:rPr lang="en-US" sz="3300" b="1" i="1" dirty="0" smtClean="0"/>
+              <a:t>- Luke 10:16</a:t>
+            </a:r>
+            <a:endParaRPr lang="en-US" sz="3300" b="1" i="1" dirty="0"/>
+          </a:p>
+        </p:txBody>
+      </p:sp>
+      <p:sp>
+        <p:nvSpPr>
+          <p:cNvPr id="5" name="Content Placeholder 2"/>
+          <p:cNvSpPr txBox="1">
+            <a:spLocks/>
+          </p:cNvSpPr>
+          <p:nvPr/>
+        </p:nvSpPr>
+        <p:spPr>
+          <a:xfrm>
+            <a:off x="304800" y="4495800"/>
+            <a:ext cx="8610600" cy="1828800"/>
+          </a:xfrm>
+          <a:prstGeom prst="rect">
+            <a:avLst/>
+          </a:prstGeom>
+        </p:spPr>
+        <p:txBody>
+          <a:bodyPr vert="horz" lIns="91440" tIns="45720" rIns="91440" bIns="45720" rtlCol="0">
+            <a:normAutofit/>
+          </a:bodyPr>
+          <a:lstStyle>
+            <a:lvl1pPr marL="342900" indent="-342900" algn="l" defTabSz="914400" rtl="0" eaLnBrk="1" latinLnBrk="0" hangingPunct="1">
+              <a:lnSpc>
+                <a:spcPct val="100000"/>
+              </a:lnSpc>
+              <a:spcBef>
+                <a:spcPct val="20000"/>
+              </a:spcBef>
+              <a:spcAft>
+                <a:spcPts val="600"/>
+              </a:spcAft>
+              <a:buClr>
+                <a:schemeClr val="tx2"/>
+              </a:buClr>
+              <a:buFont typeface="Arial" pitchFamily="34" charset="0"/>
+              <a:buChar char="•"/>
+              <a:defRPr sz="1700" kern="1200" spc="30" baseline="0">
+                <a:solidFill>
+                  <a:schemeClr val="tx1"/>
+                </a:solidFill>
+                <a:latin typeface="+mn-lt"/>
+                <a:ea typeface="+mn-ea"/>
+                <a:cs typeface="+mn-cs"/>
+              </a:defRPr>
+            </a:lvl1pPr>
+            <a:lvl2pPr marL="742950" indent="-285750" algn="l" defTabSz="914400" rtl="0" eaLnBrk="1" latinLnBrk="0" hangingPunct="1">
+              <a:lnSpc>
+                <a:spcPct val="100000"/>
+              </a:lnSpc>
+              <a:spcBef>
+                <a:spcPct val="20000"/>
+              </a:spcBef>
+              <a:spcAft>
+                <a:spcPts val="600"/>
+              </a:spcAft>
+              <a:buClr>
+                <a:schemeClr val="tx2"/>
+              </a:buClr>
+              <a:buFont typeface="Arial" pitchFamily="34" charset="0"/>
+              <a:buChar char="•"/>
+              <a:defRPr sz="1700" kern="1200" spc="30" baseline="0">
+                <a:solidFill>
+                  <a:schemeClr val="tx1"/>
+                </a:solidFill>
+                <a:latin typeface="+mn-lt"/>
+                <a:ea typeface="+mn-ea"/>
+                <a:cs typeface="+mn-cs"/>
+              </a:defRPr>
+            </a:lvl2pPr>
+            <a:lvl3pPr marL="1143000" indent="-228600" algn="l" defTabSz="914400" rtl="0" eaLnBrk="1" latinLnBrk="0" hangingPunct="1">
+              <a:lnSpc>
+                <a:spcPct val="100000"/>
+              </a:lnSpc>
+              <a:spcBef>
+                <a:spcPct val="20000"/>
+              </a:spcBef>
+              <a:spcAft>
+                <a:spcPts val="600"/>
+              </a:spcAft>
+              <a:buClr>
+                <a:schemeClr val="tx2"/>
+              </a:buClr>
+              <a:buFont typeface="Arial" pitchFamily="34" charset="0"/>
+              <a:buChar char="•"/>
+              <a:defRPr sz="1700" kern="1200" spc="30" baseline="0">
+                <a:solidFill>
+                  <a:schemeClr val="tx1"/>
+                </a:solidFill>
+                <a:latin typeface="+mn-lt"/>
+                <a:ea typeface="+mn-ea"/>
+                <a:cs typeface="+mn-cs"/>
+              </a:defRPr>
+            </a:lvl3pPr>
+            <a:lvl4pPr marL="1600200" indent="-228600" algn="l" defTabSz="914400" rtl="0" eaLnBrk="1" latinLnBrk="0" hangingPunct="1">
+              <a:lnSpc>
+                <a:spcPct val="100000"/>
+              </a:lnSpc>
+              <a:spcBef>
+                <a:spcPct val="20000"/>
+              </a:spcBef>
+              <a:spcAft>
+                <a:spcPts val="600"/>
+              </a:spcAft>
+              <a:buClr>
+                <a:schemeClr val="tx2"/>
+              </a:buClr>
+              <a:buFont typeface="Arial" pitchFamily="34" charset="0"/>
+              <a:buChar char="•"/>
+              <a:defRPr sz="1700" kern="1200" spc="30" baseline="0">
+                <a:solidFill>
+                  <a:schemeClr val="tx1"/>
+                </a:solidFill>
+                <a:latin typeface="+mn-lt"/>
+                <a:ea typeface="+mn-ea"/>
+                <a:cs typeface="+mn-cs"/>
+              </a:defRPr>
+            </a:lvl4pPr>
+            <a:lvl5pPr marL="2057400" indent="-228600" algn="l" defTabSz="914400" rtl="0" eaLnBrk="1" latinLnBrk="0" hangingPunct="1">
+              <a:lnSpc>
+                <a:spcPct val="100000"/>
+              </a:lnSpc>
+              <a:spcBef>
+                <a:spcPct val="20000"/>
+              </a:spcBef>
+              <a:spcAft>
+                <a:spcPts val="600"/>
+              </a:spcAft>
+              <a:buClr>
+                <a:schemeClr val="tx2"/>
+              </a:buClr>
+              <a:buFont typeface="Arial" pitchFamily="34" charset="0"/>
+              <a:buChar char="•"/>
+              <a:defRPr sz="1700" kern="1200" spc="30" baseline="0">
+                <a:solidFill>
+                  <a:schemeClr val="tx1"/>
+                </a:solidFill>
+                <a:latin typeface="+mn-lt"/>
+                <a:ea typeface="+mn-ea"/>
+                <a:cs typeface="+mn-cs"/>
+              </a:defRPr>
+            </a:lvl5pPr>
+            <a:lvl6pPr marL="2514600" indent="-228600" algn="l" defTabSz="914400" rtl="0" eaLnBrk="1" latinLnBrk="0" hangingPunct="1">
+              <a:lnSpc>
+                <a:spcPct val="100000"/>
+              </a:lnSpc>
+              <a:spcBef>
+                <a:spcPct val="20000"/>
+              </a:spcBef>
+              <a:spcAft>
+                <a:spcPts val="600"/>
+              </a:spcAft>
+              <a:buClr>
+                <a:schemeClr val="tx2"/>
+              </a:buClr>
+              <a:buFont typeface="Arial" pitchFamily="34" charset="0"/>
+              <a:buChar char="•"/>
+              <a:defRPr sz="1700" kern="1200">
+                <a:solidFill>
+                  <a:schemeClr val="tx1"/>
+                </a:solidFill>
+                <a:latin typeface="+mn-lt"/>
+                <a:ea typeface="+mn-ea"/>
+                <a:cs typeface="+mn-cs"/>
+              </a:defRPr>
+            </a:lvl6pPr>
+            <a:lvl7pPr marL="2971800" indent="-228600" algn="l" defTabSz="914400" rtl="0" eaLnBrk="1" latinLnBrk="0" hangingPunct="1">
+              <a:lnSpc>
+                <a:spcPct val="100000"/>
+              </a:lnSpc>
+              <a:spcBef>
+                <a:spcPct val="20000"/>
+              </a:spcBef>
+              <a:spcAft>
+                <a:spcPts val="600"/>
+              </a:spcAft>
+              <a:buClr>
+                <a:schemeClr val="tx2"/>
+              </a:buClr>
+              <a:buFont typeface="Arial" pitchFamily="34" charset="0"/>
+              <a:buChar char="•"/>
+              <a:defRPr sz="1700" kern="1200">
+                <a:solidFill>
+                  <a:schemeClr val="tx1"/>
+                </a:solidFill>
+                <a:latin typeface="+mn-lt"/>
+                <a:ea typeface="+mn-ea"/>
+                <a:cs typeface="+mn-cs"/>
+              </a:defRPr>
+            </a:lvl7pPr>
+            <a:lvl8pPr marL="3429000" indent="-228600" algn="l" defTabSz="914400" rtl="0" eaLnBrk="1" latinLnBrk="0" hangingPunct="1">
+              <a:lnSpc>
+                <a:spcPct val="100000"/>
+              </a:lnSpc>
+              <a:spcBef>
+                <a:spcPct val="20000"/>
+              </a:spcBef>
+              <a:spcAft>
+                <a:spcPts val="600"/>
+              </a:spcAft>
+              <a:buClr>
+                <a:schemeClr val="tx2"/>
+              </a:buClr>
+              <a:buFont typeface="Arial" pitchFamily="34" charset="0"/>
+              <a:buChar char="•"/>
+              <a:defRPr sz="1700" kern="1200">
+                <a:solidFill>
+                  <a:schemeClr val="tx1"/>
+                </a:solidFill>
+                <a:latin typeface="+mn-lt"/>
+                <a:ea typeface="+mn-ea"/>
+                <a:cs typeface="+mn-cs"/>
+              </a:defRPr>
+            </a:lvl8pPr>
+            <a:lvl9pPr marL="3886200" indent="-228600" algn="l" defTabSz="914400" rtl="0" eaLnBrk="1" latinLnBrk="0" hangingPunct="1">
+              <a:lnSpc>
+                <a:spcPct val="100000"/>
+              </a:lnSpc>
+              <a:spcBef>
+                <a:spcPct val="20000"/>
+              </a:spcBef>
+              <a:spcAft>
+                <a:spcPts val="600"/>
+              </a:spcAft>
+              <a:buClr>
+                <a:schemeClr val="tx2"/>
+              </a:buClr>
+              <a:buFont typeface="Arial" pitchFamily="34" charset="0"/>
+              <a:buChar char="•"/>
+              <a:defRPr sz="1700" kern="1200">
+                <a:solidFill>
+                  <a:schemeClr val="tx1"/>
+                </a:solidFill>
+                <a:latin typeface="+mn-lt"/>
+                <a:ea typeface="+mn-ea"/>
+                <a:cs typeface="+mn-cs"/>
+              </a:defRPr>
+            </a:lvl9pPr>
+          </a:lstStyle>
+          <a:p>
+            <a:pPr marL="0" indent="0">
+              <a:buNone/>
+            </a:pPr>
+            <a:r>
+              <a:rPr lang="en-US" sz="2300" dirty="0"/>
+              <a:t>“Therefore, brothers, stand firm and hold fast to the traditions that you were taught, either by an oral statement or by a letter of ours</a:t>
+            </a:r>
+            <a:r>
+              <a:rPr lang="en-US" sz="2300" dirty="0" smtClean="0"/>
+              <a:t>.”</a:t>
+            </a:r>
+            <a:endParaRPr lang="en-US" dirty="0" smtClean="0"/>
+          </a:p>
+          <a:p>
+            <a:pPr marL="0" indent="0" algn="r">
+              <a:buFont typeface="Arial" pitchFamily="34" charset="0"/>
+              <a:buNone/>
+            </a:pPr>
+            <a:r>
+              <a:rPr lang="en-US" sz="3300" b="1" i="1" dirty="0" smtClean="0"/>
+              <a:t>- 2 Thessalonians 2:15</a:t>
+            </a:r>
+            <a:endParaRPr lang="en-US" sz="3300" b="1" i="1" dirty="0"/>
+          </a:p>
+        </p:txBody>
+      </p:sp>
+    </p:spTree>
+    <p:extLst>
+      <p:ext uri="{BB962C8B-B14F-4D97-AF65-F5344CB8AC3E}">
+        <p14:creationId xmlns:p14="http://schemas.microsoft.com/office/powerpoint/2010/main" val="3548979705"/>
+      </p:ext>
+    </p:extLst>
+  </p:cSld>
+  <p:clrMapOvr>
+    <a:masterClrMapping/>
+  </p:clrMapOvr>
+  <p:timing>
+    <p:tnLst>
+      <p:par>
+        <p:cTn id="1" dur="indefinite" restart="never" nodeType="tmRoot"/>
+      </p:par>
+    </p:tnLst>
+  </p:timing>
+</p:sld>
+</file>
+
+<file path=ppt/slides/slide19.xml><?xml version="1.0" encoding="utf-8"?>
+<p:sld xmlns:a="http://schemas.openxmlformats.org/drawingml/2006/main" xmlns:r="http://schemas.openxmlformats.org/officeDocument/2006/relationships" xmlns:p="http://schemas.openxmlformats.org/presentationml/2006/main">
+  <p:cSld>
+    <p:spTree>
+      <p:nvGrpSpPr>
+        <p:cNvPr id="1" name=""/>
+        <p:cNvGrpSpPr/>
+        <p:nvPr/>
+      </p:nvGrpSpPr>
+      <p:grpSpPr>
+        <a:xfrm>
+          <a:off x="0" y="0"/>
+          <a:ext cx="0" cy="0"/>
+          <a:chOff x="0" y="0"/>
+          <a:chExt cx="0" cy="0"/>
+        </a:xfrm>
+      </p:grpSpPr>
+      <p:sp>
+        <p:nvSpPr>
+          <p:cNvPr id="2" name="Title 1"/>
+          <p:cNvSpPr>
+            <a:spLocks noGrp="1"/>
+          </p:cNvSpPr>
+          <p:nvPr>
+            <p:ph type="title"/>
+          </p:nvPr>
+        </p:nvSpPr>
+        <p:spPr/>
+        <p:txBody>
+          <a:bodyPr/>
+          <a:lstStyle/>
+          <a:p>
+            <a:r>
+              <a:rPr lang="el-GR" sz="3200" b="1" i="1" cap="none" dirty="0" smtClean="0"/>
+              <a:t>ἀπόστολος</a:t>
+            </a:r>
+            <a:r>
+              <a:rPr lang="en-US" sz="3200" b="1" i="1" cap="none" dirty="0" smtClean="0"/>
+              <a:t> (Apostle)</a:t>
+            </a:r>
+            <a:r>
+              <a:rPr lang="en-US" sz="3200" b="1" i="1" cap="none" dirty="0"/>
+              <a:t/>
+            </a:r>
+            <a:br>
+              <a:rPr lang="en-US" sz="3200" b="1" i="1" cap="none" dirty="0"/>
+            </a:br>
+            <a:endParaRPr lang="en-US" cap="none" dirty="0"/>
+          </a:p>
+        </p:txBody>
+      </p:sp>
+      <p:sp>
+        <p:nvSpPr>
+          <p:cNvPr id="3" name="Content Placeholder 2"/>
+          <p:cNvSpPr>
+            <a:spLocks noGrp="1"/>
+          </p:cNvSpPr>
+          <p:nvPr>
+            <p:ph sz="quarter" idx="13"/>
+          </p:nvPr>
+        </p:nvSpPr>
+        <p:spPr/>
+        <p:txBody>
+          <a:bodyPr/>
+          <a:lstStyle/>
+          <a:p>
+            <a:pPr marL="0" indent="0">
+              <a:buNone/>
+            </a:pPr>
+            <a:r>
+              <a:rPr lang="en-US" sz="2400" b="1" dirty="0" smtClean="0"/>
+              <a:t>Transliteration</a:t>
+            </a:r>
+            <a:r>
+              <a:rPr lang="en-US" sz="2400" dirty="0"/>
+              <a:t>: </a:t>
+            </a:r>
+            <a:r>
+              <a:rPr lang="en-US" sz="2400" dirty="0" smtClean="0"/>
+              <a:t>	</a:t>
+            </a:r>
+            <a:r>
+              <a:rPr lang="en-US" sz="2400" dirty="0" err="1" smtClean="0"/>
+              <a:t>apostolos</a:t>
+            </a:r>
+            <a:endParaRPr lang="en-US" sz="2400" dirty="0" smtClean="0"/>
+          </a:p>
+          <a:p>
+            <a:pPr marL="0" indent="0">
+              <a:buNone/>
+            </a:pPr>
+            <a:r>
+              <a:rPr lang="en-US" sz="2400" b="1" dirty="0" smtClean="0"/>
+              <a:t>English</a:t>
+            </a:r>
+            <a:r>
+              <a:rPr lang="en-US" sz="2400" dirty="0" smtClean="0"/>
+              <a:t>:		Apostle</a:t>
+            </a:r>
+            <a:endParaRPr lang="en-US" sz="2400" dirty="0"/>
+          </a:p>
+          <a:p>
+            <a:pPr marL="0" indent="0">
+              <a:buNone/>
+            </a:pPr>
+            <a:r>
+              <a:rPr lang="en-US" sz="2400" b="1" dirty="0" smtClean="0"/>
+              <a:t>Definition</a:t>
+            </a:r>
+            <a:r>
+              <a:rPr lang="en-US" sz="2400" dirty="0"/>
+              <a:t>: </a:t>
+            </a:r>
+            <a:endParaRPr lang="en-US" sz="2400" dirty="0" smtClean="0"/>
+          </a:p>
+          <a:p>
+            <a:pPr marL="0" indent="0">
+              <a:buNone/>
+            </a:pPr>
+            <a:r>
+              <a:rPr lang="en-US" sz="2400" dirty="0" smtClean="0"/>
+              <a:t>A </a:t>
+            </a:r>
+            <a:r>
+              <a:rPr lang="en-US" sz="2400" dirty="0"/>
+              <a:t>messenger, envoy, delegate, one commissioned by another to represent him in some </a:t>
+            </a:r>
+            <a:r>
+              <a:rPr lang="en-US" sz="2400" dirty="0" smtClean="0"/>
+              <a:t>way</a:t>
+            </a:r>
+            <a:endParaRPr lang="en-US" sz="2400" dirty="0"/>
+          </a:p>
+        </p:txBody>
+      </p:sp>
+    </p:spTree>
+    <p:extLst>
+      <p:ext uri="{BB962C8B-B14F-4D97-AF65-F5344CB8AC3E}">
+        <p14:creationId xmlns:p14="http://schemas.microsoft.com/office/powerpoint/2010/main" val="2836900438"/>
       </p:ext>
     </p:extLst>
   </p:cSld>
@@ -5961,6 +10021,879 @@
     <p:extLst>
       <p:ext uri="{BB962C8B-B14F-4D97-AF65-F5344CB8AC3E}">
         <p14:creationId xmlns:p14="http://schemas.microsoft.com/office/powerpoint/2010/main" val="3254909349"/>
+      </p:ext>
+    </p:extLst>
+  </p:cSld>
+  <p:clrMapOvr>
+    <a:masterClrMapping/>
+  </p:clrMapOvr>
+  <p:timing>
+    <p:tnLst>
+      <p:par>
+        <p:cTn id="1" dur="indefinite" restart="never" nodeType="tmRoot"/>
+      </p:par>
+    </p:tnLst>
+  </p:timing>
+</p:sld>
+</file>
+
+<file path=ppt/slides/slide20.xml><?xml version="1.0" encoding="utf-8"?>
+<p:sld xmlns:a="http://schemas.openxmlformats.org/drawingml/2006/main" xmlns:r="http://schemas.openxmlformats.org/officeDocument/2006/relationships" xmlns:p="http://schemas.openxmlformats.org/presentationml/2006/main">
+  <p:cSld>
+    <p:spTree>
+      <p:nvGrpSpPr>
+        <p:cNvPr id="1" name=""/>
+        <p:cNvGrpSpPr/>
+        <p:nvPr/>
+      </p:nvGrpSpPr>
+      <p:grpSpPr>
+        <a:xfrm>
+          <a:off x="0" y="0"/>
+          <a:ext cx="0" cy="0"/>
+          <a:chOff x="0" y="0"/>
+          <a:chExt cx="0" cy="0"/>
+        </a:xfrm>
+      </p:grpSpPr>
+      <p:sp>
+        <p:nvSpPr>
+          <p:cNvPr id="2" name="Title 1"/>
+          <p:cNvSpPr>
+            <a:spLocks noGrp="1"/>
+          </p:cNvSpPr>
+          <p:nvPr>
+            <p:ph type="title"/>
+          </p:nvPr>
+        </p:nvSpPr>
+        <p:spPr>
+          <a:xfrm>
+            <a:off x="304800" y="2357"/>
+            <a:ext cx="4495800" cy="1143000"/>
+          </a:xfrm>
+        </p:spPr>
+        <p:txBody>
+          <a:bodyPr/>
+          <a:lstStyle/>
+          <a:p>
+            <a:r>
+              <a:rPr lang="en-US" dirty="0" smtClean="0"/>
+              <a:t>Apostolic Authority</a:t>
+            </a:r>
+            <a:endParaRPr lang="en-US" dirty="0"/>
+          </a:p>
+        </p:txBody>
+      </p:sp>
+      <p:sp>
+        <p:nvSpPr>
+          <p:cNvPr id="3" name="Content Placeholder 2"/>
+          <p:cNvSpPr>
+            <a:spLocks noGrp="1"/>
+          </p:cNvSpPr>
+          <p:nvPr>
+            <p:ph sz="quarter" idx="13"/>
+          </p:nvPr>
+        </p:nvSpPr>
+        <p:spPr>
+          <a:xfrm>
+            <a:off x="5029200" y="990600"/>
+            <a:ext cx="4819611" cy="2514600"/>
+          </a:xfrm>
+        </p:spPr>
+        <p:txBody>
+          <a:bodyPr>
+            <a:normAutofit/>
+          </a:bodyPr>
+          <a:lstStyle/>
+          <a:p>
+            <a:r>
+              <a:rPr lang="en-US" sz="2000" dirty="0" smtClean="0"/>
+              <a:t>Seat of Moses</a:t>
+            </a:r>
+          </a:p>
+          <a:p>
+            <a:r>
+              <a:rPr lang="en-US" sz="2000" dirty="0" smtClean="0"/>
+              <a:t>Keys to Loose and Bind</a:t>
+            </a:r>
+          </a:p>
+          <a:p>
+            <a:r>
+              <a:rPr lang="en-US" sz="2000" dirty="0" smtClean="0"/>
+              <a:t>Infallibility</a:t>
+            </a:r>
+            <a:endParaRPr lang="en-US" sz="2000" dirty="0"/>
+          </a:p>
+        </p:txBody>
+      </p:sp>
+      <p:pic>
+        <p:nvPicPr>
+          <p:cNvPr id="4098" name="Picture 2" descr="http://1.bp.blogspot.com/_-Qnopyq_sDE/TKOME6fcjNI/AAAAAAAAAKo/LqQixoevSIE/s1600/image8239438546.jpg"/>
+          <p:cNvPicPr>
+            <a:picLocks noChangeAspect="1" noChangeArrowheads="1"/>
+          </p:cNvPicPr>
+          <p:nvPr/>
+        </p:nvPicPr>
+        <p:blipFill>
+          <a:blip r:embed="rId2">
+            <a:extLst>
+              <a:ext uri="{28A0092B-C50C-407E-A947-70E740481C1C}">
+                <a14:useLocalDpi xmlns:a14="http://schemas.microsoft.com/office/drawing/2010/main" val="0"/>
+              </a:ext>
+            </a:extLst>
+          </a:blip>
+          <a:srcRect/>
+          <a:stretch>
+            <a:fillRect/>
+          </a:stretch>
+        </p:blipFill>
+        <p:spPr bwMode="auto">
+          <a:xfrm>
+            <a:off x="3505200" y="2895600"/>
+            <a:ext cx="6028758" cy="3276600"/>
+          </a:xfrm>
+          <a:prstGeom prst="rect">
+            <a:avLst/>
+          </a:prstGeom>
+          <a:noFill/>
+          <a:extLst>
+            <a:ext uri="{909E8E84-426E-40DD-AFC4-6F175D3DCCD1}">
+              <a14:hiddenFill xmlns:a14="http://schemas.microsoft.com/office/drawing/2010/main">
+                <a:solidFill>
+                  <a:srgbClr val="FFFFFF"/>
+                </a:solidFill>
+              </a14:hiddenFill>
+            </a:ext>
+          </a:extLst>
+        </p:spPr>
+      </p:pic>
+      <p:sp>
+        <p:nvSpPr>
+          <p:cNvPr id="5" name="Content Placeholder 2"/>
+          <p:cNvSpPr txBox="1">
+            <a:spLocks/>
+          </p:cNvSpPr>
+          <p:nvPr/>
+        </p:nvSpPr>
+        <p:spPr>
+          <a:xfrm>
+            <a:off x="1" y="2714136"/>
+            <a:ext cx="3657600" cy="2514600"/>
+          </a:xfrm>
+          <a:prstGeom prst="rect">
+            <a:avLst/>
+          </a:prstGeom>
+        </p:spPr>
+        <p:txBody>
+          <a:bodyPr vert="horz" lIns="91440" tIns="45720" rIns="91440" bIns="45720" rtlCol="0">
+            <a:normAutofit/>
+          </a:bodyPr>
+          <a:lstStyle>
+            <a:lvl1pPr marL="342900" indent="-342900" algn="l" defTabSz="914400" rtl="0" eaLnBrk="1" latinLnBrk="0" hangingPunct="1">
+              <a:lnSpc>
+                <a:spcPct val="100000"/>
+              </a:lnSpc>
+              <a:spcBef>
+                <a:spcPct val="20000"/>
+              </a:spcBef>
+              <a:spcAft>
+                <a:spcPts val="600"/>
+              </a:spcAft>
+              <a:buClr>
+                <a:schemeClr val="tx2"/>
+              </a:buClr>
+              <a:buFont typeface="Arial" pitchFamily="34" charset="0"/>
+              <a:buChar char="•"/>
+              <a:defRPr sz="1700" kern="1200" spc="30" baseline="0">
+                <a:solidFill>
+                  <a:schemeClr val="tx1"/>
+                </a:solidFill>
+                <a:latin typeface="+mn-lt"/>
+                <a:ea typeface="+mn-ea"/>
+                <a:cs typeface="+mn-cs"/>
+              </a:defRPr>
+            </a:lvl1pPr>
+            <a:lvl2pPr marL="742950" indent="-285750" algn="l" defTabSz="914400" rtl="0" eaLnBrk="1" latinLnBrk="0" hangingPunct="1">
+              <a:lnSpc>
+                <a:spcPct val="100000"/>
+              </a:lnSpc>
+              <a:spcBef>
+                <a:spcPct val="20000"/>
+              </a:spcBef>
+              <a:spcAft>
+                <a:spcPts val="600"/>
+              </a:spcAft>
+              <a:buClr>
+                <a:schemeClr val="tx2"/>
+              </a:buClr>
+              <a:buFont typeface="Arial" pitchFamily="34" charset="0"/>
+              <a:buChar char="•"/>
+              <a:defRPr sz="1700" kern="1200" spc="30" baseline="0">
+                <a:solidFill>
+                  <a:schemeClr val="tx1"/>
+                </a:solidFill>
+                <a:latin typeface="+mn-lt"/>
+                <a:ea typeface="+mn-ea"/>
+                <a:cs typeface="+mn-cs"/>
+              </a:defRPr>
+            </a:lvl2pPr>
+            <a:lvl3pPr marL="1143000" indent="-228600" algn="l" defTabSz="914400" rtl="0" eaLnBrk="1" latinLnBrk="0" hangingPunct="1">
+              <a:lnSpc>
+                <a:spcPct val="100000"/>
+              </a:lnSpc>
+              <a:spcBef>
+                <a:spcPct val="20000"/>
+              </a:spcBef>
+              <a:spcAft>
+                <a:spcPts val="600"/>
+              </a:spcAft>
+              <a:buClr>
+                <a:schemeClr val="tx2"/>
+              </a:buClr>
+              <a:buFont typeface="Arial" pitchFamily="34" charset="0"/>
+              <a:buChar char="•"/>
+              <a:defRPr sz="1700" kern="1200" spc="30" baseline="0">
+                <a:solidFill>
+                  <a:schemeClr val="tx1"/>
+                </a:solidFill>
+                <a:latin typeface="+mn-lt"/>
+                <a:ea typeface="+mn-ea"/>
+                <a:cs typeface="+mn-cs"/>
+              </a:defRPr>
+            </a:lvl3pPr>
+            <a:lvl4pPr marL="1600200" indent="-228600" algn="l" defTabSz="914400" rtl="0" eaLnBrk="1" latinLnBrk="0" hangingPunct="1">
+              <a:lnSpc>
+                <a:spcPct val="100000"/>
+              </a:lnSpc>
+              <a:spcBef>
+                <a:spcPct val="20000"/>
+              </a:spcBef>
+              <a:spcAft>
+                <a:spcPts val="600"/>
+              </a:spcAft>
+              <a:buClr>
+                <a:schemeClr val="tx2"/>
+              </a:buClr>
+              <a:buFont typeface="Arial" pitchFamily="34" charset="0"/>
+              <a:buChar char="•"/>
+              <a:defRPr sz="1700" kern="1200" spc="30" baseline="0">
+                <a:solidFill>
+                  <a:schemeClr val="tx1"/>
+                </a:solidFill>
+                <a:latin typeface="+mn-lt"/>
+                <a:ea typeface="+mn-ea"/>
+                <a:cs typeface="+mn-cs"/>
+              </a:defRPr>
+            </a:lvl4pPr>
+            <a:lvl5pPr marL="2057400" indent="-228600" algn="l" defTabSz="914400" rtl="0" eaLnBrk="1" latinLnBrk="0" hangingPunct="1">
+              <a:lnSpc>
+                <a:spcPct val="100000"/>
+              </a:lnSpc>
+              <a:spcBef>
+                <a:spcPct val="20000"/>
+              </a:spcBef>
+              <a:spcAft>
+                <a:spcPts val="600"/>
+              </a:spcAft>
+              <a:buClr>
+                <a:schemeClr val="tx2"/>
+              </a:buClr>
+              <a:buFont typeface="Arial" pitchFamily="34" charset="0"/>
+              <a:buChar char="•"/>
+              <a:defRPr sz="1700" kern="1200" spc="30" baseline="0">
+                <a:solidFill>
+                  <a:schemeClr val="tx1"/>
+                </a:solidFill>
+                <a:latin typeface="+mn-lt"/>
+                <a:ea typeface="+mn-ea"/>
+                <a:cs typeface="+mn-cs"/>
+              </a:defRPr>
+            </a:lvl5pPr>
+            <a:lvl6pPr marL="2514600" indent="-228600" algn="l" defTabSz="914400" rtl="0" eaLnBrk="1" latinLnBrk="0" hangingPunct="1">
+              <a:lnSpc>
+                <a:spcPct val="100000"/>
+              </a:lnSpc>
+              <a:spcBef>
+                <a:spcPct val="20000"/>
+              </a:spcBef>
+              <a:spcAft>
+                <a:spcPts val="600"/>
+              </a:spcAft>
+              <a:buClr>
+                <a:schemeClr val="tx2"/>
+              </a:buClr>
+              <a:buFont typeface="Arial" pitchFamily="34" charset="0"/>
+              <a:buChar char="•"/>
+              <a:defRPr sz="1700" kern="1200">
+                <a:solidFill>
+                  <a:schemeClr val="tx1"/>
+                </a:solidFill>
+                <a:latin typeface="+mn-lt"/>
+                <a:ea typeface="+mn-ea"/>
+                <a:cs typeface="+mn-cs"/>
+              </a:defRPr>
+            </a:lvl6pPr>
+            <a:lvl7pPr marL="2971800" indent="-228600" algn="l" defTabSz="914400" rtl="0" eaLnBrk="1" latinLnBrk="0" hangingPunct="1">
+              <a:lnSpc>
+                <a:spcPct val="100000"/>
+              </a:lnSpc>
+              <a:spcBef>
+                <a:spcPct val="20000"/>
+              </a:spcBef>
+              <a:spcAft>
+                <a:spcPts val="600"/>
+              </a:spcAft>
+              <a:buClr>
+                <a:schemeClr val="tx2"/>
+              </a:buClr>
+              <a:buFont typeface="Arial" pitchFamily="34" charset="0"/>
+              <a:buChar char="•"/>
+              <a:defRPr sz="1700" kern="1200">
+                <a:solidFill>
+                  <a:schemeClr val="tx1"/>
+                </a:solidFill>
+                <a:latin typeface="+mn-lt"/>
+                <a:ea typeface="+mn-ea"/>
+                <a:cs typeface="+mn-cs"/>
+              </a:defRPr>
+            </a:lvl7pPr>
+            <a:lvl8pPr marL="3429000" indent="-228600" algn="l" defTabSz="914400" rtl="0" eaLnBrk="1" latinLnBrk="0" hangingPunct="1">
+              <a:lnSpc>
+                <a:spcPct val="100000"/>
+              </a:lnSpc>
+              <a:spcBef>
+                <a:spcPct val="20000"/>
+              </a:spcBef>
+              <a:spcAft>
+                <a:spcPts val="600"/>
+              </a:spcAft>
+              <a:buClr>
+                <a:schemeClr val="tx2"/>
+              </a:buClr>
+              <a:buFont typeface="Arial" pitchFamily="34" charset="0"/>
+              <a:buChar char="•"/>
+              <a:defRPr sz="1700" kern="1200">
+                <a:solidFill>
+                  <a:schemeClr val="tx1"/>
+                </a:solidFill>
+                <a:latin typeface="+mn-lt"/>
+                <a:ea typeface="+mn-ea"/>
+                <a:cs typeface="+mn-cs"/>
+              </a:defRPr>
+            </a:lvl8pPr>
+            <a:lvl9pPr marL="3886200" indent="-228600" algn="l" defTabSz="914400" rtl="0" eaLnBrk="1" latinLnBrk="0" hangingPunct="1">
+              <a:lnSpc>
+                <a:spcPct val="100000"/>
+              </a:lnSpc>
+              <a:spcBef>
+                <a:spcPct val="20000"/>
+              </a:spcBef>
+              <a:spcAft>
+                <a:spcPts val="600"/>
+              </a:spcAft>
+              <a:buClr>
+                <a:schemeClr val="tx2"/>
+              </a:buClr>
+              <a:buFont typeface="Arial" pitchFamily="34" charset="0"/>
+              <a:buChar char="•"/>
+              <a:defRPr sz="1700" kern="1200">
+                <a:solidFill>
+                  <a:schemeClr val="tx1"/>
+                </a:solidFill>
+                <a:latin typeface="+mn-lt"/>
+                <a:ea typeface="+mn-ea"/>
+                <a:cs typeface="+mn-cs"/>
+              </a:defRPr>
+            </a:lvl9pPr>
+          </a:lstStyle>
+          <a:p>
+            <a:r>
+              <a:rPr lang="en-US" sz="2000" dirty="0" smtClean="0"/>
+              <a:t>Magisterium</a:t>
+            </a:r>
+          </a:p>
+          <a:p>
+            <a:r>
+              <a:rPr lang="en-US" sz="2000" dirty="0" smtClean="0"/>
+              <a:t>Dogma, </a:t>
+            </a:r>
+            <a:br>
+              <a:rPr lang="en-US" sz="2000" dirty="0" smtClean="0"/>
+            </a:br>
+            <a:r>
+              <a:rPr lang="en-US" sz="2000" dirty="0" smtClean="0"/>
+              <a:t>   Doctrine, </a:t>
+            </a:r>
+            <a:br>
+              <a:rPr lang="en-US" sz="2000" dirty="0" smtClean="0"/>
+            </a:br>
+            <a:r>
+              <a:rPr lang="en-US" sz="2000" dirty="0" smtClean="0"/>
+              <a:t>      and Discipline</a:t>
+            </a:r>
+          </a:p>
+          <a:p>
+            <a:endParaRPr lang="en-US" sz="2000" dirty="0"/>
+          </a:p>
+        </p:txBody>
+      </p:sp>
+    </p:spTree>
+    <p:extLst>
+      <p:ext uri="{BB962C8B-B14F-4D97-AF65-F5344CB8AC3E}">
+        <p14:creationId xmlns:p14="http://schemas.microsoft.com/office/powerpoint/2010/main" val="1363588402"/>
+      </p:ext>
+    </p:extLst>
+  </p:cSld>
+  <p:clrMapOvr>
+    <a:masterClrMapping/>
+  </p:clrMapOvr>
+  <p:timing>
+    <p:tnLst>
+      <p:par>
+        <p:cTn id="1" dur="indefinite" restart="never" nodeType="tmRoot">
+          <p:childTnLst>
+            <p:seq concurrent="1" nextAc="seek">
+              <p:cTn id="2" dur="indefinite" nodeType="mainSeq">
+                <p:childTnLst>
+                  <p:par>
+                    <p:cTn id="3" fill="hold">
+                      <p:stCondLst>
+                        <p:cond delay="indefinite"/>
+                      </p:stCondLst>
+                      <p:childTnLst>
+                        <p:par>
+                          <p:cTn id="4" fill="hold">
+                            <p:stCondLst>
+                              <p:cond delay="0"/>
+                            </p:stCondLst>
+                            <p:childTnLst>
+                              <p:par>
+                                <p:cTn id="5" presetID="1" presetClass="entr" presetSubtype="0" fill="hold" grpId="0" nodeType="clickEffect">
+                                  <p:stCondLst>
+                                    <p:cond delay="0"/>
+                                  </p:stCondLst>
+                                  <p:childTnLst>
+                                    <p:set>
+                                      <p:cBhvr>
+                                        <p:cTn id="6" dur="1" fill="hold">
+                                          <p:stCondLst>
+                                            <p:cond delay="0"/>
+                                          </p:stCondLst>
+                                        </p:cTn>
+                                        <p:tgtEl>
+                                          <p:spTgt spid="3">
+                                            <p:txEl>
+                                              <p:pRg st="0" end="0"/>
+                                            </p:txEl>
+                                          </p:spTgt>
+                                        </p:tgtEl>
+                                        <p:attrNameLst>
+                                          <p:attrName>style.visibility</p:attrName>
+                                        </p:attrNameLst>
+                                      </p:cBhvr>
+                                      <p:to>
+                                        <p:strVal val="visible"/>
+                                      </p:to>
+                                    </p:set>
+                                  </p:childTnLst>
+                                </p:cTn>
+                              </p:par>
+                            </p:childTnLst>
+                          </p:cTn>
+                        </p:par>
+                      </p:childTnLst>
+                    </p:cTn>
+                  </p:par>
+                  <p:par>
+                    <p:cTn id="7" fill="hold">
+                      <p:stCondLst>
+                        <p:cond delay="indefinite"/>
+                      </p:stCondLst>
+                      <p:childTnLst>
+                        <p:par>
+                          <p:cTn id="8" fill="hold">
+                            <p:stCondLst>
+                              <p:cond delay="0"/>
+                            </p:stCondLst>
+                            <p:childTnLst>
+                              <p:par>
+                                <p:cTn id="9" presetID="1" presetClass="entr" presetSubtype="0" fill="hold" grpId="0" nodeType="clickEffect">
+                                  <p:stCondLst>
+                                    <p:cond delay="0"/>
+                                  </p:stCondLst>
+                                  <p:childTnLst>
+                                    <p:set>
+                                      <p:cBhvr>
+                                        <p:cTn id="10" dur="1" fill="hold">
+                                          <p:stCondLst>
+                                            <p:cond delay="0"/>
+                                          </p:stCondLst>
+                                        </p:cTn>
+                                        <p:tgtEl>
+                                          <p:spTgt spid="3">
+                                            <p:txEl>
+                                              <p:pRg st="1" end="1"/>
+                                            </p:txEl>
+                                          </p:spTgt>
+                                        </p:tgtEl>
+                                        <p:attrNameLst>
+                                          <p:attrName>style.visibility</p:attrName>
+                                        </p:attrNameLst>
+                                      </p:cBhvr>
+                                      <p:to>
+                                        <p:strVal val="visible"/>
+                                      </p:to>
+                                    </p:set>
+                                  </p:childTnLst>
+                                </p:cTn>
+                              </p:par>
+                            </p:childTnLst>
+                          </p:cTn>
+                        </p:par>
+                      </p:childTnLst>
+                    </p:cTn>
+                  </p:par>
+                  <p:par>
+                    <p:cTn id="11" fill="hold">
+                      <p:stCondLst>
+                        <p:cond delay="indefinite"/>
+                      </p:stCondLst>
+                      <p:childTnLst>
+                        <p:par>
+                          <p:cTn id="12" fill="hold">
+                            <p:stCondLst>
+                              <p:cond delay="0"/>
+                            </p:stCondLst>
+                            <p:childTnLst>
+                              <p:par>
+                                <p:cTn id="13" presetID="1" presetClass="entr" presetSubtype="0" fill="hold" grpId="0" nodeType="clickEffect">
+                                  <p:stCondLst>
+                                    <p:cond delay="0"/>
+                                  </p:stCondLst>
+                                  <p:childTnLst>
+                                    <p:set>
+                                      <p:cBhvr>
+                                        <p:cTn id="14" dur="1" fill="hold">
+                                          <p:stCondLst>
+                                            <p:cond delay="0"/>
+                                          </p:stCondLst>
+                                        </p:cTn>
+                                        <p:tgtEl>
+                                          <p:spTgt spid="3">
+                                            <p:txEl>
+                                              <p:pRg st="2" end="2"/>
+                                            </p:txEl>
+                                          </p:spTgt>
+                                        </p:tgtEl>
+                                        <p:attrNameLst>
+                                          <p:attrName>style.visibility</p:attrName>
+                                        </p:attrNameLst>
+                                      </p:cBhvr>
+                                      <p:to>
+                                        <p:strVal val="visible"/>
+                                      </p:to>
+                                    </p:set>
+                                  </p:childTnLst>
+                                </p:cTn>
+                              </p:par>
+                            </p:childTnLst>
+                          </p:cTn>
+                        </p:par>
+                      </p:childTnLst>
+                    </p:cTn>
+                  </p:par>
+                  <p:par>
+                    <p:cTn id="15" fill="hold">
+                      <p:stCondLst>
+                        <p:cond delay="indefinite"/>
+                      </p:stCondLst>
+                      <p:childTnLst>
+                        <p:par>
+                          <p:cTn id="16" fill="hold">
+                            <p:stCondLst>
+                              <p:cond delay="0"/>
+                            </p:stCondLst>
+                            <p:childTnLst>
+                              <p:par>
+                                <p:cTn id="17" presetID="1" presetClass="entr" presetSubtype="0" fill="hold" grpId="0" nodeType="clickEffect">
+                                  <p:stCondLst>
+                                    <p:cond delay="0"/>
+                                  </p:stCondLst>
+                                  <p:childTnLst>
+                                    <p:set>
+                                      <p:cBhvr>
+                                        <p:cTn id="18" dur="1" fill="hold">
+                                          <p:stCondLst>
+                                            <p:cond delay="0"/>
+                                          </p:stCondLst>
+                                        </p:cTn>
+                                        <p:tgtEl>
+                                          <p:spTgt spid="5">
+                                            <p:txEl>
+                                              <p:pRg st="0" end="0"/>
+                                            </p:txEl>
+                                          </p:spTgt>
+                                        </p:tgtEl>
+                                        <p:attrNameLst>
+                                          <p:attrName>style.visibility</p:attrName>
+                                        </p:attrNameLst>
+                                      </p:cBhvr>
+                                      <p:to>
+                                        <p:strVal val="visible"/>
+                                      </p:to>
+                                    </p:set>
+                                  </p:childTnLst>
+                                </p:cTn>
+                              </p:par>
+                            </p:childTnLst>
+                          </p:cTn>
+                        </p:par>
+                      </p:childTnLst>
+                    </p:cTn>
+                  </p:par>
+                  <p:par>
+                    <p:cTn id="19" fill="hold">
+                      <p:stCondLst>
+                        <p:cond delay="indefinite"/>
+                      </p:stCondLst>
+                      <p:childTnLst>
+                        <p:par>
+                          <p:cTn id="20" fill="hold">
+                            <p:stCondLst>
+                              <p:cond delay="0"/>
+                            </p:stCondLst>
+                            <p:childTnLst>
+                              <p:par>
+                                <p:cTn id="21" presetID="1" presetClass="entr" presetSubtype="0" fill="hold" grpId="0" nodeType="clickEffect">
+                                  <p:stCondLst>
+                                    <p:cond delay="0"/>
+                                  </p:stCondLst>
+                                  <p:childTnLst>
+                                    <p:set>
+                                      <p:cBhvr>
+                                        <p:cTn id="22" dur="1" fill="hold">
+                                          <p:stCondLst>
+                                            <p:cond delay="0"/>
+                                          </p:stCondLst>
+                                        </p:cTn>
+                                        <p:tgtEl>
+                                          <p:spTgt spid="5">
+                                            <p:txEl>
+                                              <p:pRg st="1" end="1"/>
+                                            </p:txEl>
+                                          </p:spTgt>
+                                        </p:tgtEl>
+                                        <p:attrNameLst>
+                                          <p:attrName>style.visibility</p:attrName>
+                                        </p:attrNameLst>
+                                      </p:cBhvr>
+                                      <p:to>
+                                        <p:strVal val="visible"/>
+                                      </p:to>
+                                    </p:set>
+                                  </p:childTnLst>
+                                </p:cTn>
+                              </p:par>
+                            </p:childTnLst>
+                          </p:cTn>
+                        </p:par>
+                      </p:childTnLst>
+                    </p:cTn>
+                  </p:par>
+                </p:childTnLst>
+              </p:cTn>
+              <p:prevCondLst>
+                <p:cond evt="onPrev" delay="0">
+                  <p:tgtEl>
+                    <p:sldTgt/>
+                  </p:tgtEl>
+                </p:cond>
+              </p:prevCondLst>
+              <p:nextCondLst>
+                <p:cond evt="onNext" delay="0">
+                  <p:tgtEl>
+                    <p:sldTgt/>
+                  </p:tgtEl>
+                </p:cond>
+              </p:nextCondLst>
+            </p:seq>
+          </p:childTnLst>
+        </p:cTn>
+      </p:par>
+    </p:tnLst>
+    <p:bldLst>
+      <p:bldP spid="3" grpId="0" build="p"/>
+      <p:bldP spid="5" grpId="0" build="p"/>
+    </p:bldLst>
+  </p:timing>
+</p:sld>
+</file>
+
+<file path=ppt/slides/slide21.xml><?xml version="1.0" encoding="utf-8"?>
+<p:sld xmlns:a="http://schemas.openxmlformats.org/drawingml/2006/main" xmlns:r="http://schemas.openxmlformats.org/officeDocument/2006/relationships" xmlns:p="http://schemas.openxmlformats.org/presentationml/2006/main">
+  <p:cSld>
+    <p:spTree>
+      <p:nvGrpSpPr>
+        <p:cNvPr id="1" name=""/>
+        <p:cNvGrpSpPr/>
+        <p:nvPr/>
+      </p:nvGrpSpPr>
+      <p:grpSpPr>
+        <a:xfrm>
+          <a:off x="0" y="0"/>
+          <a:ext cx="0" cy="0"/>
+          <a:chOff x="0" y="0"/>
+          <a:chExt cx="0" cy="0"/>
+        </a:xfrm>
+      </p:grpSpPr>
+      <p:pic>
+        <p:nvPicPr>
+          <p:cNvPr id="5122" name="Picture 2" descr="http://upload.wikimedia.org/wikipedia/commons/thumb/6/6a/Illuminated.bible.arp.jpg/1280px-Illuminated.bible.arp.jpg"/>
+          <p:cNvPicPr>
+            <a:picLocks noChangeAspect="1" noChangeArrowheads="1"/>
+          </p:cNvPicPr>
+          <p:nvPr/>
+        </p:nvPicPr>
+        <p:blipFill>
+          <a:blip r:embed="rId2">
+            <a:extLst>
+              <a:ext uri="{BEBA8EAE-BF5A-486C-A8C5-ECC9F3942E4B}">
+                <a14:imgProps xmlns:a14="http://schemas.microsoft.com/office/drawing/2010/main">
+                  <a14:imgLayer r:embed="rId3">
+                    <a14:imgEffect>
+                      <a14:sharpenSoften amount="-50000"/>
+                    </a14:imgEffect>
+                    <a14:imgEffect>
+                      <a14:brightnessContrast bright="-73000" contrast="-10000"/>
+                    </a14:imgEffect>
+                  </a14:imgLayer>
+                </a14:imgProps>
+              </a:ext>
+              <a:ext uri="{28A0092B-C50C-407E-A947-70E740481C1C}">
+                <a14:useLocalDpi xmlns:a14="http://schemas.microsoft.com/office/drawing/2010/main" val="0"/>
+              </a:ext>
+            </a:extLst>
+          </a:blip>
+          <a:srcRect/>
+          <a:stretch>
+            <a:fillRect/>
+          </a:stretch>
+        </p:blipFill>
+        <p:spPr bwMode="auto">
+          <a:xfrm>
+            <a:off x="0" y="5498"/>
+            <a:ext cx="9165308" cy="6852501"/>
+          </a:xfrm>
+          <a:prstGeom prst="rect">
+            <a:avLst/>
+          </a:prstGeom>
+          <a:noFill/>
+          <a:extLst>
+            <a:ext uri="{909E8E84-426E-40DD-AFC4-6F175D3DCCD1}">
+              <a14:hiddenFill xmlns:a14="http://schemas.microsoft.com/office/drawing/2010/main">
+                <a:solidFill>
+                  <a:srgbClr val="FFFFFF"/>
+                </a:solidFill>
+              </a14:hiddenFill>
+            </a:ext>
+          </a:extLst>
+        </p:spPr>
+      </p:pic>
+      <p:sp>
+        <p:nvSpPr>
+          <p:cNvPr id="2" name="Title 1"/>
+          <p:cNvSpPr>
+            <a:spLocks noGrp="1"/>
+          </p:cNvSpPr>
+          <p:nvPr>
+            <p:ph type="title"/>
+          </p:nvPr>
+        </p:nvSpPr>
+        <p:spPr>
+          <a:xfrm>
+            <a:off x="3352800" y="381000"/>
+            <a:ext cx="5105400" cy="762000"/>
+          </a:xfrm>
+        </p:spPr>
+        <p:txBody>
+          <a:bodyPr/>
+          <a:lstStyle/>
+          <a:p>
+            <a:r>
+              <a:rPr lang="en-US" sz="4000" dirty="0" smtClean="0">
+                <a:effectLst>
+                  <a:glow rad="228600">
+                    <a:schemeClr val="accent1">
+                      <a:satMod val="175000"/>
+                      <a:alpha val="40000"/>
+                    </a:schemeClr>
+                  </a:glow>
+                  <a:outerShdw blurRad="50800" dist="38100" dir="8100000" algn="tr" rotWithShape="0">
+                    <a:prstClr val="black">
+                      <a:alpha val="40000"/>
+                    </a:prstClr>
+                  </a:outerShdw>
+                </a:effectLst>
+              </a:rPr>
+              <a:t>Sacred SCRIPTURE</a:t>
+            </a:r>
+            <a:endParaRPr lang="en-US" sz="4000" dirty="0">
+              <a:effectLst>
+                <a:glow rad="228600">
+                  <a:schemeClr val="accent1">
+                    <a:satMod val="175000"/>
+                    <a:alpha val="40000"/>
+                  </a:schemeClr>
+                </a:glow>
+                <a:outerShdw blurRad="50800" dist="38100" dir="8100000" algn="tr" rotWithShape="0">
+                  <a:prstClr val="black">
+                    <a:alpha val="40000"/>
+                  </a:prstClr>
+                </a:outerShdw>
+              </a:effectLst>
+            </a:endParaRPr>
+          </a:p>
+        </p:txBody>
+      </p:sp>
+      <p:sp>
+        <p:nvSpPr>
+          <p:cNvPr id="3" name="Content Placeholder 2"/>
+          <p:cNvSpPr>
+            <a:spLocks noGrp="1"/>
+          </p:cNvSpPr>
+          <p:nvPr>
+            <p:ph sz="quarter" idx="13"/>
+          </p:nvPr>
+        </p:nvSpPr>
+        <p:spPr/>
+        <p:txBody>
+          <a:bodyPr>
+            <a:normAutofit/>
+          </a:bodyPr>
+          <a:lstStyle/>
+          <a:p>
+            <a:r>
+              <a:rPr lang="en-US" sz="3600" dirty="0" smtClean="0"/>
+              <a:t>Super brief history of the Bible</a:t>
+            </a:r>
+          </a:p>
+          <a:p>
+            <a:r>
+              <a:rPr lang="en-US" sz="3600" dirty="0" smtClean="0"/>
+              <a:t>Forming the faith</a:t>
+            </a:r>
+          </a:p>
+          <a:p>
+            <a:r>
+              <a:rPr lang="en-US" sz="3600" dirty="0" smtClean="0"/>
+              <a:t>Senses of Scripture</a:t>
+            </a:r>
+            <a:endParaRPr lang="en-US" sz="3600" dirty="0"/>
+          </a:p>
+        </p:txBody>
+      </p:sp>
+    </p:spTree>
+    <p:extLst>
+      <p:ext uri="{BB962C8B-B14F-4D97-AF65-F5344CB8AC3E}">
+        <p14:creationId xmlns:p14="http://schemas.microsoft.com/office/powerpoint/2010/main" val="994567969"/>
       </p:ext>
     </p:extLst>
   </p:cSld>
@@ -6555,7 +11488,6 @@
               <a:rPr lang="en-US" sz="2400" dirty="0" smtClean="0"/>
               <a:t>8 Arguments for God’s Existence</a:t>
             </a:r>
-            <a:endParaRPr lang="en-US" sz="2400" dirty="0" smtClean="0"/>
           </a:p>
         </p:txBody>
       </p:sp>
@@ -7418,7 +12350,6 @@
               <a:rPr lang="en-US" sz="2400" dirty="0" smtClean="0"/>
               <a:t>8 Attributes of God Known by Reason</a:t>
             </a:r>
-            <a:endParaRPr lang="en-US" sz="2400" dirty="0" smtClean="0"/>
           </a:p>
         </p:txBody>
       </p:sp>
@@ -8165,7 +13096,6 @@
               <a:rPr lang="en-US" sz="2400" dirty="0" smtClean="0"/>
               <a:t>12 Revealed Attributes of God</a:t>
             </a:r>
-            <a:endParaRPr lang="en-US" sz="2400" dirty="0" smtClean="0"/>
           </a:p>
         </p:txBody>
       </p:sp>
@@ -9493,9 +14423,427 @@
   <p:timing>
     <p:tnLst>
       <p:par>
-        <p:cTn id="1" dur="indefinite" restart="never" nodeType="tmRoot"/>
+        <p:cTn id="1" dur="indefinite" restart="never" nodeType="tmRoot">
+          <p:childTnLst>
+            <p:seq concurrent="1" nextAc="seek">
+              <p:cTn id="2" dur="indefinite" nodeType="mainSeq">
+                <p:childTnLst>
+                  <p:par>
+                    <p:cTn id="3" fill="hold">
+                      <p:stCondLst>
+                        <p:cond delay="indefinite"/>
+                      </p:stCondLst>
+                      <p:childTnLst>
+                        <p:par>
+                          <p:cTn id="4" fill="hold">
+                            <p:stCondLst>
+                              <p:cond delay="0"/>
+                            </p:stCondLst>
+                            <p:childTnLst>
+                              <p:par>
+                                <p:cTn id="5" presetID="1" presetClass="entr" presetSubtype="0" fill="hold" grpId="0" nodeType="clickEffect">
+                                  <p:stCondLst>
+                                    <p:cond delay="0"/>
+                                  </p:stCondLst>
+                                  <p:childTnLst>
+                                    <p:set>
+                                      <p:cBhvr>
+                                        <p:cTn id="6" dur="1" fill="hold">
+                                          <p:stCondLst>
+                                            <p:cond delay="0"/>
+                                          </p:stCondLst>
+                                        </p:cTn>
+                                        <p:tgtEl>
+                                          <p:spTgt spid="3">
+                                            <p:txEl>
+                                              <p:pRg st="0" end="0"/>
+                                            </p:txEl>
+                                          </p:spTgt>
+                                        </p:tgtEl>
+                                        <p:attrNameLst>
+                                          <p:attrName>style.visibility</p:attrName>
+                                        </p:attrNameLst>
+                                      </p:cBhvr>
+                                      <p:to>
+                                        <p:strVal val="visible"/>
+                                      </p:to>
+                                    </p:set>
+                                  </p:childTnLst>
+                                </p:cTn>
+                              </p:par>
+                            </p:childTnLst>
+                          </p:cTn>
+                        </p:par>
+                      </p:childTnLst>
+                    </p:cTn>
+                  </p:par>
+                  <p:par>
+                    <p:cTn id="7" fill="hold">
+                      <p:stCondLst>
+                        <p:cond delay="indefinite"/>
+                      </p:stCondLst>
+                      <p:childTnLst>
+                        <p:par>
+                          <p:cTn id="8" fill="hold">
+                            <p:stCondLst>
+                              <p:cond delay="0"/>
+                            </p:stCondLst>
+                            <p:childTnLst>
+                              <p:par>
+                                <p:cTn id="9" presetID="1" presetClass="entr" presetSubtype="0" fill="hold" grpId="0" nodeType="clickEffect">
+                                  <p:stCondLst>
+                                    <p:cond delay="0"/>
+                                  </p:stCondLst>
+                                  <p:childTnLst>
+                                    <p:set>
+                                      <p:cBhvr>
+                                        <p:cTn id="10" dur="1" fill="hold">
+                                          <p:stCondLst>
+                                            <p:cond delay="0"/>
+                                          </p:stCondLst>
+                                        </p:cTn>
+                                        <p:tgtEl>
+                                          <p:spTgt spid="3">
+                                            <p:txEl>
+                                              <p:pRg st="1" end="1"/>
+                                            </p:txEl>
+                                          </p:spTgt>
+                                        </p:tgtEl>
+                                        <p:attrNameLst>
+                                          <p:attrName>style.visibility</p:attrName>
+                                        </p:attrNameLst>
+                                      </p:cBhvr>
+                                      <p:to>
+                                        <p:strVal val="visible"/>
+                                      </p:to>
+                                    </p:set>
+                                  </p:childTnLst>
+                                </p:cTn>
+                              </p:par>
+                            </p:childTnLst>
+                          </p:cTn>
+                        </p:par>
+                      </p:childTnLst>
+                    </p:cTn>
+                  </p:par>
+                  <p:par>
+                    <p:cTn id="11" fill="hold">
+                      <p:stCondLst>
+                        <p:cond delay="indefinite"/>
+                      </p:stCondLst>
+                      <p:childTnLst>
+                        <p:par>
+                          <p:cTn id="12" fill="hold">
+                            <p:stCondLst>
+                              <p:cond delay="0"/>
+                            </p:stCondLst>
+                            <p:childTnLst>
+                              <p:par>
+                                <p:cTn id="13" presetID="1" presetClass="entr" presetSubtype="0" fill="hold" grpId="0" nodeType="clickEffect">
+                                  <p:stCondLst>
+                                    <p:cond delay="0"/>
+                                  </p:stCondLst>
+                                  <p:childTnLst>
+                                    <p:set>
+                                      <p:cBhvr>
+                                        <p:cTn id="14" dur="1" fill="hold">
+                                          <p:stCondLst>
+                                            <p:cond delay="0"/>
+                                          </p:stCondLst>
+                                        </p:cTn>
+                                        <p:tgtEl>
+                                          <p:spTgt spid="3">
+                                            <p:txEl>
+                                              <p:pRg st="2" end="2"/>
+                                            </p:txEl>
+                                          </p:spTgt>
+                                        </p:tgtEl>
+                                        <p:attrNameLst>
+                                          <p:attrName>style.visibility</p:attrName>
+                                        </p:attrNameLst>
+                                      </p:cBhvr>
+                                      <p:to>
+                                        <p:strVal val="visible"/>
+                                      </p:to>
+                                    </p:set>
+                                  </p:childTnLst>
+                                </p:cTn>
+                              </p:par>
+                            </p:childTnLst>
+                          </p:cTn>
+                        </p:par>
+                      </p:childTnLst>
+                    </p:cTn>
+                  </p:par>
+                  <p:par>
+                    <p:cTn id="15" fill="hold">
+                      <p:stCondLst>
+                        <p:cond delay="indefinite"/>
+                      </p:stCondLst>
+                      <p:childTnLst>
+                        <p:par>
+                          <p:cTn id="16" fill="hold">
+                            <p:stCondLst>
+                              <p:cond delay="0"/>
+                            </p:stCondLst>
+                            <p:childTnLst>
+                              <p:par>
+                                <p:cTn id="17" presetID="1" presetClass="entr" presetSubtype="0" fill="hold" grpId="0" nodeType="clickEffect">
+                                  <p:stCondLst>
+                                    <p:cond delay="0"/>
+                                  </p:stCondLst>
+                                  <p:childTnLst>
+                                    <p:set>
+                                      <p:cBhvr>
+                                        <p:cTn id="18" dur="1" fill="hold">
+                                          <p:stCondLst>
+                                            <p:cond delay="0"/>
+                                          </p:stCondLst>
+                                        </p:cTn>
+                                        <p:tgtEl>
+                                          <p:spTgt spid="3">
+                                            <p:txEl>
+                                              <p:pRg st="3" end="3"/>
+                                            </p:txEl>
+                                          </p:spTgt>
+                                        </p:tgtEl>
+                                        <p:attrNameLst>
+                                          <p:attrName>style.visibility</p:attrName>
+                                        </p:attrNameLst>
+                                      </p:cBhvr>
+                                      <p:to>
+                                        <p:strVal val="visible"/>
+                                      </p:to>
+                                    </p:set>
+                                  </p:childTnLst>
+                                </p:cTn>
+                              </p:par>
+                            </p:childTnLst>
+                          </p:cTn>
+                        </p:par>
+                      </p:childTnLst>
+                    </p:cTn>
+                  </p:par>
+                  <p:par>
+                    <p:cTn id="19" fill="hold">
+                      <p:stCondLst>
+                        <p:cond delay="indefinite"/>
+                      </p:stCondLst>
+                      <p:childTnLst>
+                        <p:par>
+                          <p:cTn id="20" fill="hold">
+                            <p:stCondLst>
+                              <p:cond delay="0"/>
+                            </p:stCondLst>
+                            <p:childTnLst>
+                              <p:par>
+                                <p:cTn id="21" presetID="1" presetClass="entr" presetSubtype="0" fill="hold" grpId="0" nodeType="clickEffect">
+                                  <p:stCondLst>
+                                    <p:cond delay="0"/>
+                                  </p:stCondLst>
+                                  <p:childTnLst>
+                                    <p:set>
+                                      <p:cBhvr>
+                                        <p:cTn id="22" dur="1" fill="hold">
+                                          <p:stCondLst>
+                                            <p:cond delay="0"/>
+                                          </p:stCondLst>
+                                        </p:cTn>
+                                        <p:tgtEl>
+                                          <p:spTgt spid="3">
+                                            <p:txEl>
+                                              <p:pRg st="4" end="4"/>
+                                            </p:txEl>
+                                          </p:spTgt>
+                                        </p:tgtEl>
+                                        <p:attrNameLst>
+                                          <p:attrName>style.visibility</p:attrName>
+                                        </p:attrNameLst>
+                                      </p:cBhvr>
+                                      <p:to>
+                                        <p:strVal val="visible"/>
+                                      </p:to>
+                                    </p:set>
+                                  </p:childTnLst>
+                                </p:cTn>
+                              </p:par>
+                            </p:childTnLst>
+                          </p:cTn>
+                        </p:par>
+                      </p:childTnLst>
+                    </p:cTn>
+                  </p:par>
+                  <p:par>
+                    <p:cTn id="23" fill="hold">
+                      <p:stCondLst>
+                        <p:cond delay="indefinite"/>
+                      </p:stCondLst>
+                      <p:childTnLst>
+                        <p:par>
+                          <p:cTn id="24" fill="hold">
+                            <p:stCondLst>
+                              <p:cond delay="0"/>
+                            </p:stCondLst>
+                            <p:childTnLst>
+                              <p:par>
+                                <p:cTn id="25" presetID="1" presetClass="entr" presetSubtype="0" fill="hold" grpId="0" nodeType="clickEffect">
+                                  <p:stCondLst>
+                                    <p:cond delay="0"/>
+                                  </p:stCondLst>
+                                  <p:childTnLst>
+                                    <p:set>
+                                      <p:cBhvr>
+                                        <p:cTn id="26" dur="1" fill="hold">
+                                          <p:stCondLst>
+                                            <p:cond delay="0"/>
+                                          </p:stCondLst>
+                                        </p:cTn>
+                                        <p:tgtEl>
+                                          <p:spTgt spid="3">
+                                            <p:txEl>
+                                              <p:pRg st="5" end="5"/>
+                                            </p:txEl>
+                                          </p:spTgt>
+                                        </p:tgtEl>
+                                        <p:attrNameLst>
+                                          <p:attrName>style.visibility</p:attrName>
+                                        </p:attrNameLst>
+                                      </p:cBhvr>
+                                      <p:to>
+                                        <p:strVal val="visible"/>
+                                      </p:to>
+                                    </p:set>
+                                  </p:childTnLst>
+                                </p:cTn>
+                              </p:par>
+                            </p:childTnLst>
+                          </p:cTn>
+                        </p:par>
+                      </p:childTnLst>
+                    </p:cTn>
+                  </p:par>
+                  <p:par>
+                    <p:cTn id="27" fill="hold">
+                      <p:stCondLst>
+                        <p:cond delay="indefinite"/>
+                      </p:stCondLst>
+                      <p:childTnLst>
+                        <p:par>
+                          <p:cTn id="28" fill="hold">
+                            <p:stCondLst>
+                              <p:cond delay="0"/>
+                            </p:stCondLst>
+                            <p:childTnLst>
+                              <p:par>
+                                <p:cTn id="29" presetID="1" presetClass="entr" presetSubtype="0" fill="hold" grpId="0" nodeType="clickEffect">
+                                  <p:stCondLst>
+                                    <p:cond delay="0"/>
+                                  </p:stCondLst>
+                                  <p:childTnLst>
+                                    <p:set>
+                                      <p:cBhvr>
+                                        <p:cTn id="30" dur="1" fill="hold">
+                                          <p:stCondLst>
+                                            <p:cond delay="0"/>
+                                          </p:stCondLst>
+                                        </p:cTn>
+                                        <p:tgtEl>
+                                          <p:spTgt spid="3">
+                                            <p:txEl>
+                                              <p:pRg st="6" end="6"/>
+                                            </p:txEl>
+                                          </p:spTgt>
+                                        </p:tgtEl>
+                                        <p:attrNameLst>
+                                          <p:attrName>style.visibility</p:attrName>
+                                        </p:attrNameLst>
+                                      </p:cBhvr>
+                                      <p:to>
+                                        <p:strVal val="visible"/>
+                                      </p:to>
+                                    </p:set>
+                                  </p:childTnLst>
+                                </p:cTn>
+                              </p:par>
+                            </p:childTnLst>
+                          </p:cTn>
+                        </p:par>
+                      </p:childTnLst>
+                    </p:cTn>
+                  </p:par>
+                  <p:par>
+                    <p:cTn id="31" fill="hold">
+                      <p:stCondLst>
+                        <p:cond delay="indefinite"/>
+                      </p:stCondLst>
+                      <p:childTnLst>
+                        <p:par>
+                          <p:cTn id="32" fill="hold">
+                            <p:stCondLst>
+                              <p:cond delay="0"/>
+                            </p:stCondLst>
+                            <p:childTnLst>
+                              <p:par>
+                                <p:cTn id="33" presetID="1" presetClass="entr" presetSubtype="0" fill="hold" grpId="0" nodeType="clickEffect">
+                                  <p:stCondLst>
+                                    <p:cond delay="0"/>
+                                  </p:stCondLst>
+                                  <p:childTnLst>
+                                    <p:set>
+                                      <p:cBhvr>
+                                        <p:cTn id="34" dur="1" fill="hold">
+                                          <p:stCondLst>
+                                            <p:cond delay="0"/>
+                                          </p:stCondLst>
+                                        </p:cTn>
+                                        <p:tgtEl>
+                                          <p:spTgt spid="3">
+                                            <p:txEl>
+                                              <p:pRg st="7" end="7"/>
+                                            </p:txEl>
+                                          </p:spTgt>
+                                        </p:tgtEl>
+                                        <p:attrNameLst>
+                                          <p:attrName>style.visibility</p:attrName>
+                                        </p:attrNameLst>
+                                      </p:cBhvr>
+                                      <p:to>
+                                        <p:strVal val="visible"/>
+                                      </p:to>
+                                    </p:set>
+                                  </p:childTnLst>
+                                </p:cTn>
+                              </p:par>
+                            </p:childTnLst>
+                          </p:cTn>
+                        </p:par>
+                      </p:childTnLst>
+                    </p:cTn>
+                  </p:par>
+                </p:childTnLst>
+              </p:cTn>
+              <p:prevCondLst>
+                <p:cond evt="onPrev" delay="0">
+                  <p:tgtEl>
+                    <p:sldTgt/>
+                  </p:tgtEl>
+                </p:cond>
+              </p:prevCondLst>
+              <p:nextCondLst>
+                <p:cond evt="onNext" delay="0">
+                  <p:tgtEl>
+                    <p:sldTgt/>
+                  </p:tgtEl>
+                </p:cond>
+              </p:nextCondLst>
+            </p:seq>
+          </p:childTnLst>
+        </p:cTn>
       </p:par>
     </p:tnLst>
+    <p:bldLst>
+      <p:bldP spid="3" grpId="0" build="p"/>
+    </p:bldLst>
   </p:timing>
 </p:sld>
 </file>
@@ -9549,8 +14897,13 @@
             <a:pPr fontAlgn="base"/>
             <a:r>
               <a:rPr lang="en-US" sz="2800" dirty="0" smtClean="0"/>
-              <a:t>Distinctly Christian</a:t>
-            </a:r>
+              <a:t>Distinctly </a:t>
+            </a:r>
+            <a:r>
+              <a:rPr lang="en-US" sz="2800" dirty="0" smtClean="0"/>
+              <a:t>Christian doctrine</a:t>
+            </a:r>
+            <a:endParaRPr lang="en-US" sz="2800" dirty="0" smtClean="0"/>
           </a:p>
           <a:p>
             <a:pPr fontAlgn="base"/>
@@ -9722,9 +15075,329 @@
   <p:timing>
     <p:tnLst>
       <p:par>
-        <p:cTn id="1" dur="indefinite" restart="never" nodeType="tmRoot"/>
+        <p:cTn id="1" dur="indefinite" restart="never" nodeType="tmRoot">
+          <p:childTnLst>
+            <p:seq concurrent="1" nextAc="seek">
+              <p:cTn id="2" dur="indefinite" nodeType="mainSeq">
+                <p:childTnLst>
+                  <p:par>
+                    <p:cTn id="3" fill="hold">
+                      <p:stCondLst>
+                        <p:cond delay="indefinite"/>
+                      </p:stCondLst>
+                      <p:childTnLst>
+                        <p:par>
+                          <p:cTn id="4" fill="hold">
+                            <p:stCondLst>
+                              <p:cond delay="0"/>
+                            </p:stCondLst>
+                            <p:childTnLst>
+                              <p:par>
+                                <p:cTn id="5" presetID="1" presetClass="entr" presetSubtype="0" fill="hold" grpId="0" nodeType="clickEffect">
+                                  <p:stCondLst>
+                                    <p:cond delay="0"/>
+                                  </p:stCondLst>
+                                  <p:childTnLst>
+                                    <p:set>
+                                      <p:cBhvr>
+                                        <p:cTn id="6" dur="1" fill="hold">
+                                          <p:stCondLst>
+                                            <p:cond delay="0"/>
+                                          </p:stCondLst>
+                                        </p:cTn>
+                                        <p:tgtEl>
+                                          <p:spTgt spid="3">
+                                            <p:txEl>
+                                              <p:pRg st="0" end="0"/>
+                                            </p:txEl>
+                                          </p:spTgt>
+                                        </p:tgtEl>
+                                        <p:attrNameLst>
+                                          <p:attrName>style.visibility</p:attrName>
+                                        </p:attrNameLst>
+                                      </p:cBhvr>
+                                      <p:to>
+                                        <p:strVal val="visible"/>
+                                      </p:to>
+                                    </p:set>
+                                  </p:childTnLst>
+                                </p:cTn>
+                              </p:par>
+                            </p:childTnLst>
+                          </p:cTn>
+                        </p:par>
+                      </p:childTnLst>
+                    </p:cTn>
+                  </p:par>
+                  <p:par>
+                    <p:cTn id="7" fill="hold">
+                      <p:stCondLst>
+                        <p:cond delay="indefinite"/>
+                      </p:stCondLst>
+                      <p:childTnLst>
+                        <p:par>
+                          <p:cTn id="8" fill="hold">
+                            <p:stCondLst>
+                              <p:cond delay="0"/>
+                            </p:stCondLst>
+                            <p:childTnLst>
+                              <p:par>
+                                <p:cTn id="9" presetID="1" presetClass="entr" presetSubtype="0" fill="hold" grpId="0" nodeType="clickEffect">
+                                  <p:stCondLst>
+                                    <p:cond delay="0"/>
+                                  </p:stCondLst>
+                                  <p:childTnLst>
+                                    <p:set>
+                                      <p:cBhvr>
+                                        <p:cTn id="10" dur="1" fill="hold">
+                                          <p:stCondLst>
+                                            <p:cond delay="0"/>
+                                          </p:stCondLst>
+                                        </p:cTn>
+                                        <p:tgtEl>
+                                          <p:spTgt spid="3">
+                                            <p:txEl>
+                                              <p:pRg st="1" end="1"/>
+                                            </p:txEl>
+                                          </p:spTgt>
+                                        </p:tgtEl>
+                                        <p:attrNameLst>
+                                          <p:attrName>style.visibility</p:attrName>
+                                        </p:attrNameLst>
+                                      </p:cBhvr>
+                                      <p:to>
+                                        <p:strVal val="visible"/>
+                                      </p:to>
+                                    </p:set>
+                                  </p:childTnLst>
+                                </p:cTn>
+                              </p:par>
+                            </p:childTnLst>
+                          </p:cTn>
+                        </p:par>
+                      </p:childTnLst>
+                    </p:cTn>
+                  </p:par>
+                  <p:par>
+                    <p:cTn id="11" fill="hold">
+                      <p:stCondLst>
+                        <p:cond delay="indefinite"/>
+                      </p:stCondLst>
+                      <p:childTnLst>
+                        <p:par>
+                          <p:cTn id="12" fill="hold">
+                            <p:stCondLst>
+                              <p:cond delay="0"/>
+                            </p:stCondLst>
+                            <p:childTnLst>
+                              <p:par>
+                                <p:cTn id="13" presetID="1" presetClass="entr" presetSubtype="0" fill="hold" grpId="0" nodeType="clickEffect">
+                                  <p:stCondLst>
+                                    <p:cond delay="0"/>
+                                  </p:stCondLst>
+                                  <p:childTnLst>
+                                    <p:set>
+                                      <p:cBhvr>
+                                        <p:cTn id="14" dur="1" fill="hold">
+                                          <p:stCondLst>
+                                            <p:cond delay="0"/>
+                                          </p:stCondLst>
+                                        </p:cTn>
+                                        <p:tgtEl>
+                                          <p:spTgt spid="3">
+                                            <p:txEl>
+                                              <p:pRg st="2" end="2"/>
+                                            </p:txEl>
+                                          </p:spTgt>
+                                        </p:tgtEl>
+                                        <p:attrNameLst>
+                                          <p:attrName>style.visibility</p:attrName>
+                                        </p:attrNameLst>
+                                      </p:cBhvr>
+                                      <p:to>
+                                        <p:strVal val="visible"/>
+                                      </p:to>
+                                    </p:set>
+                                  </p:childTnLst>
+                                </p:cTn>
+                              </p:par>
+                            </p:childTnLst>
+                          </p:cTn>
+                        </p:par>
+                      </p:childTnLst>
+                    </p:cTn>
+                  </p:par>
+                  <p:par>
+                    <p:cTn id="15" fill="hold">
+                      <p:stCondLst>
+                        <p:cond delay="indefinite"/>
+                      </p:stCondLst>
+                      <p:childTnLst>
+                        <p:par>
+                          <p:cTn id="16" fill="hold">
+                            <p:stCondLst>
+                              <p:cond delay="0"/>
+                            </p:stCondLst>
+                            <p:childTnLst>
+                              <p:par>
+                                <p:cTn id="17" presetID="1" presetClass="entr" presetSubtype="0" fill="hold" grpId="0" nodeType="clickEffect">
+                                  <p:stCondLst>
+                                    <p:cond delay="0"/>
+                                  </p:stCondLst>
+                                  <p:childTnLst>
+                                    <p:set>
+                                      <p:cBhvr>
+                                        <p:cTn id="18" dur="1" fill="hold">
+                                          <p:stCondLst>
+                                            <p:cond delay="0"/>
+                                          </p:stCondLst>
+                                        </p:cTn>
+                                        <p:tgtEl>
+                                          <p:spTgt spid="3">
+                                            <p:txEl>
+                                              <p:pRg st="3" end="3"/>
+                                            </p:txEl>
+                                          </p:spTgt>
+                                        </p:tgtEl>
+                                        <p:attrNameLst>
+                                          <p:attrName>style.visibility</p:attrName>
+                                        </p:attrNameLst>
+                                      </p:cBhvr>
+                                      <p:to>
+                                        <p:strVal val="visible"/>
+                                      </p:to>
+                                    </p:set>
+                                  </p:childTnLst>
+                                </p:cTn>
+                              </p:par>
+                            </p:childTnLst>
+                          </p:cTn>
+                        </p:par>
+                      </p:childTnLst>
+                    </p:cTn>
+                  </p:par>
+                  <p:par>
+                    <p:cTn id="19" fill="hold">
+                      <p:stCondLst>
+                        <p:cond delay="indefinite"/>
+                      </p:stCondLst>
+                      <p:childTnLst>
+                        <p:par>
+                          <p:cTn id="20" fill="hold">
+                            <p:stCondLst>
+                              <p:cond delay="0"/>
+                            </p:stCondLst>
+                            <p:childTnLst>
+                              <p:par>
+                                <p:cTn id="21" presetID="1" presetClass="entr" presetSubtype="0" fill="hold" grpId="0" nodeType="clickEffect">
+                                  <p:stCondLst>
+                                    <p:cond delay="0"/>
+                                  </p:stCondLst>
+                                  <p:childTnLst>
+                                    <p:set>
+                                      <p:cBhvr>
+                                        <p:cTn id="22" dur="1" fill="hold">
+                                          <p:stCondLst>
+                                            <p:cond delay="0"/>
+                                          </p:stCondLst>
+                                        </p:cTn>
+                                        <p:tgtEl>
+                                          <p:spTgt spid="3">
+                                            <p:txEl>
+                                              <p:pRg st="4" end="4"/>
+                                            </p:txEl>
+                                          </p:spTgt>
+                                        </p:tgtEl>
+                                        <p:attrNameLst>
+                                          <p:attrName>style.visibility</p:attrName>
+                                        </p:attrNameLst>
+                                      </p:cBhvr>
+                                      <p:to>
+                                        <p:strVal val="visible"/>
+                                      </p:to>
+                                    </p:set>
+                                  </p:childTnLst>
+                                </p:cTn>
+                              </p:par>
+                            </p:childTnLst>
+                          </p:cTn>
+                        </p:par>
+                      </p:childTnLst>
+                    </p:cTn>
+                  </p:par>
+                  <p:par>
+                    <p:cTn id="23" fill="hold">
+                      <p:stCondLst>
+                        <p:cond delay="indefinite"/>
+                      </p:stCondLst>
+                      <p:childTnLst>
+                        <p:par>
+                          <p:cTn id="24" fill="hold">
+                            <p:stCondLst>
+                              <p:cond delay="0"/>
+                            </p:stCondLst>
+                            <p:childTnLst>
+                              <p:par>
+                                <p:cTn id="25" presetID="1" presetClass="entr" presetSubtype="0" fill="hold" grpId="0" nodeType="clickEffect">
+                                  <p:stCondLst>
+                                    <p:cond delay="0"/>
+                                  </p:stCondLst>
+                                  <p:childTnLst>
+                                    <p:set>
+                                      <p:cBhvr>
+                                        <p:cTn id="26" dur="1" fill="hold">
+                                          <p:stCondLst>
+                                            <p:cond delay="0"/>
+                                          </p:stCondLst>
+                                        </p:cTn>
+                                        <p:tgtEl>
+                                          <p:spTgt spid="3">
+                                            <p:txEl>
+                                              <p:pRg st="5" end="5"/>
+                                            </p:txEl>
+                                          </p:spTgt>
+                                        </p:tgtEl>
+                                        <p:attrNameLst>
+                                          <p:attrName>style.visibility</p:attrName>
+                                        </p:attrNameLst>
+                                      </p:cBhvr>
+                                      <p:to>
+                                        <p:strVal val="visible"/>
+                                      </p:to>
+                                    </p:set>
+                                  </p:childTnLst>
+                                </p:cTn>
+                              </p:par>
+                            </p:childTnLst>
+                          </p:cTn>
+                        </p:par>
+                      </p:childTnLst>
+                    </p:cTn>
+                  </p:par>
+                </p:childTnLst>
+              </p:cTn>
+              <p:prevCondLst>
+                <p:cond evt="onPrev" delay="0">
+                  <p:tgtEl>
+                    <p:sldTgt/>
+                  </p:tgtEl>
+                </p:cond>
+              </p:prevCondLst>
+              <p:nextCondLst>
+                <p:cond evt="onNext" delay="0">
+                  <p:tgtEl>
+                    <p:sldTgt/>
+                  </p:tgtEl>
+                </p:cond>
+              </p:nextCondLst>
+            </p:seq>
+          </p:childTnLst>
+        </p:cTn>
       </p:par>
     </p:tnLst>
+    <p:bldLst>
+      <p:bldP spid="3" grpId="0" build="p"/>
+    </p:bldLst>
   </p:timing>
 </p:sld>
 </file>
